--- a/探索上古Windows用户堆.pptx
+++ b/探索上古Windows用户堆.pptx
@@ -5,7 +5,7 @@
     <p:sldMasterId id="2147483660" r:id="rId1"/>
   </p:sldMasterIdLst>
   <p:notesMasterIdLst>
-    <p:notesMasterId r:id="rId17"/>
+    <p:notesMasterId r:id="rId18"/>
   </p:notesMasterIdLst>
   <p:sldIdLst>
     <p:sldId id="256" r:id="rId2"/>
@@ -16,13 +16,14 @@
     <p:sldId id="294" r:id="rId7"/>
     <p:sldId id="291" r:id="rId8"/>
     <p:sldId id="295" r:id="rId9"/>
-    <p:sldId id="296" r:id="rId10"/>
-    <p:sldId id="298" r:id="rId11"/>
-    <p:sldId id="299" r:id="rId12"/>
-    <p:sldId id="301" r:id="rId13"/>
-    <p:sldId id="302" r:id="rId14"/>
-    <p:sldId id="300" r:id="rId15"/>
-    <p:sldId id="290" r:id="rId16"/>
+    <p:sldId id="303" r:id="rId10"/>
+    <p:sldId id="296" r:id="rId11"/>
+    <p:sldId id="298" r:id="rId12"/>
+    <p:sldId id="299" r:id="rId13"/>
+    <p:sldId id="301" r:id="rId14"/>
+    <p:sldId id="302" r:id="rId15"/>
+    <p:sldId id="300" r:id="rId16"/>
+    <p:sldId id="290" r:id="rId17"/>
   </p:sldIdLst>
   <p:sldSz cx="12192000" cy="6858000"/>
   <p:notesSz cx="6858000" cy="9144000"/>
@@ -211,7 +212,7 @@
           <a:p>
             <a:fld id="{062DD4AF-4231-466A-8336-819983B48EF8}" type="datetimeFigureOut">
               <a:rPr lang="zh-CN" altLang="en-US" smtClean="0"/>
-              <a:t>2018/8/25</a:t>
+              <a:t>2018/9/8</a:t>
             </a:fld>
             <a:endParaRPr lang="zh-CN" altLang="en-US"/>
           </a:p>
@@ -665,7 +666,7 @@
           <a:p>
             <a:fld id="{29C0A333-37D1-4425-9303-312D22B06EFD}" type="datetimeFigureOut">
               <a:rPr lang="zh-CN" altLang="en-US" smtClean="0"/>
-              <a:t>2018/8/25</a:t>
+              <a:t>2018/9/8</a:t>
             </a:fld>
             <a:endParaRPr lang="zh-CN" altLang="en-US"/>
           </a:p>
@@ -940,7 +941,7 @@
           <a:p>
             <a:fld id="{29C0A333-37D1-4425-9303-312D22B06EFD}" type="datetimeFigureOut">
               <a:rPr lang="zh-CN" altLang="en-US" smtClean="0"/>
-              <a:t>2018/8/25</a:t>
+              <a:t>2018/9/8</a:t>
             </a:fld>
             <a:endParaRPr lang="zh-CN" altLang="en-US"/>
           </a:p>
@@ -1134,7 +1135,7 @@
           <a:p>
             <a:fld id="{29C0A333-37D1-4425-9303-312D22B06EFD}" type="datetimeFigureOut">
               <a:rPr lang="zh-CN" altLang="en-US" smtClean="0"/>
-              <a:t>2018/8/25</a:t>
+              <a:t>2018/9/8</a:t>
             </a:fld>
             <a:endParaRPr lang="zh-CN" altLang="en-US"/>
           </a:p>
@@ -1407,7 +1408,7 @@
           <a:p>
             <a:fld id="{29C0A333-37D1-4425-9303-312D22B06EFD}" type="datetimeFigureOut">
               <a:rPr lang="zh-CN" altLang="en-US" smtClean="0"/>
-              <a:t>2018/8/25</a:t>
+              <a:t>2018/9/8</a:t>
             </a:fld>
             <a:endParaRPr lang="zh-CN" altLang="en-US"/>
           </a:p>
@@ -1748,7 +1749,7 @@
           <a:p>
             <a:fld id="{29C0A333-37D1-4425-9303-312D22B06EFD}" type="datetimeFigureOut">
               <a:rPr lang="zh-CN" altLang="en-US" smtClean="0"/>
-              <a:t>2018/8/25</a:t>
+              <a:t>2018/9/8</a:t>
             </a:fld>
             <a:endParaRPr lang="zh-CN" altLang="en-US"/>
           </a:p>
@@ -2371,7 +2372,7 @@
           <a:p>
             <a:fld id="{29C0A333-37D1-4425-9303-312D22B06EFD}" type="datetimeFigureOut">
               <a:rPr lang="zh-CN" altLang="en-US" smtClean="0"/>
-              <a:t>2018/8/25</a:t>
+              <a:t>2018/9/8</a:t>
             </a:fld>
             <a:endParaRPr lang="zh-CN" altLang="en-US"/>
           </a:p>
@@ -3231,7 +3232,7 @@
           <a:p>
             <a:fld id="{29C0A333-37D1-4425-9303-312D22B06EFD}" type="datetimeFigureOut">
               <a:rPr lang="zh-CN" altLang="en-US" smtClean="0"/>
-              <a:t>2018/8/25</a:t>
+              <a:t>2018/9/8</a:t>
             </a:fld>
             <a:endParaRPr lang="zh-CN" altLang="en-US"/>
           </a:p>
@@ -3401,7 +3402,7 @@
           <a:p>
             <a:fld id="{29C0A333-37D1-4425-9303-312D22B06EFD}" type="datetimeFigureOut">
               <a:rPr lang="zh-CN" altLang="en-US" smtClean="0"/>
-              <a:t>2018/8/25</a:t>
+              <a:t>2018/9/8</a:t>
             </a:fld>
             <a:endParaRPr lang="zh-CN" altLang="en-US"/>
           </a:p>
@@ -3581,7 +3582,7 @@
           <a:p>
             <a:fld id="{29C0A333-37D1-4425-9303-312D22B06EFD}" type="datetimeFigureOut">
               <a:rPr lang="zh-CN" altLang="en-US" smtClean="0"/>
-              <a:t>2018/8/25</a:t>
+              <a:t>2018/9/8</a:t>
             </a:fld>
             <a:endParaRPr lang="zh-CN" altLang="en-US"/>
           </a:p>
@@ -3751,7 +3752,7 @@
           <a:p>
             <a:fld id="{29C0A333-37D1-4425-9303-312D22B06EFD}" type="datetimeFigureOut">
               <a:rPr lang="zh-CN" altLang="en-US" smtClean="0"/>
-              <a:t>2018/8/25</a:t>
+              <a:t>2018/9/8</a:t>
             </a:fld>
             <a:endParaRPr lang="zh-CN" altLang="en-US"/>
           </a:p>
@@ -3998,7 +3999,7 @@
           <a:p>
             <a:fld id="{29C0A333-37D1-4425-9303-312D22B06EFD}" type="datetimeFigureOut">
               <a:rPr lang="zh-CN" altLang="en-US" smtClean="0"/>
-              <a:t>2018/8/25</a:t>
+              <a:t>2018/9/8</a:t>
             </a:fld>
             <a:endParaRPr lang="zh-CN" altLang="en-US"/>
           </a:p>
@@ -4290,7 +4291,7 @@
           <a:p>
             <a:fld id="{29C0A333-37D1-4425-9303-312D22B06EFD}" type="datetimeFigureOut">
               <a:rPr lang="zh-CN" altLang="en-US" smtClean="0"/>
-              <a:t>2018/8/25</a:t>
+              <a:t>2018/9/8</a:t>
             </a:fld>
             <a:endParaRPr lang="zh-CN" altLang="en-US"/>
           </a:p>
@@ -4734,7 +4735,7 @@
           <a:p>
             <a:fld id="{29C0A333-37D1-4425-9303-312D22B06EFD}" type="datetimeFigureOut">
               <a:rPr lang="zh-CN" altLang="en-US" smtClean="0"/>
-              <a:t>2018/8/25</a:t>
+              <a:t>2018/9/8</a:t>
             </a:fld>
             <a:endParaRPr lang="zh-CN" altLang="en-US"/>
           </a:p>
@@ -4852,7 +4853,7 @@
           <a:p>
             <a:fld id="{29C0A333-37D1-4425-9303-312D22B06EFD}" type="datetimeFigureOut">
               <a:rPr lang="zh-CN" altLang="en-US" smtClean="0"/>
-              <a:t>2018/8/25</a:t>
+              <a:t>2018/9/8</a:t>
             </a:fld>
             <a:endParaRPr lang="zh-CN" altLang="en-US"/>
           </a:p>
@@ -4947,7 +4948,7 @@
           <a:p>
             <a:fld id="{29C0A333-37D1-4425-9303-312D22B06EFD}" type="datetimeFigureOut">
               <a:rPr lang="zh-CN" altLang="en-US" smtClean="0"/>
-              <a:t>2018/8/25</a:t>
+              <a:t>2018/9/8</a:t>
             </a:fld>
             <a:endParaRPr lang="zh-CN" altLang="en-US"/>
           </a:p>
@@ -5226,7 +5227,7 @@
           <a:p>
             <a:fld id="{29C0A333-37D1-4425-9303-312D22B06EFD}" type="datetimeFigureOut">
               <a:rPr lang="zh-CN" altLang="en-US" smtClean="0"/>
-              <a:t>2018/8/25</a:t>
+              <a:t>2018/9/8</a:t>
             </a:fld>
             <a:endParaRPr lang="zh-CN" altLang="en-US"/>
           </a:p>
@@ -5501,7 +5502,7 @@
           <a:p>
             <a:fld id="{29C0A333-37D1-4425-9303-312D22B06EFD}" type="datetimeFigureOut">
               <a:rPr lang="zh-CN" altLang="en-US" smtClean="0"/>
-              <a:t>2018/8/25</a:t>
+              <a:t>2018/9/8</a:t>
             </a:fld>
             <a:endParaRPr lang="zh-CN" altLang="en-US"/>
           </a:p>
@@ -5930,7 +5931,7 @@
           <a:p>
             <a:fld id="{29C0A333-37D1-4425-9303-312D22B06EFD}" type="datetimeFigureOut">
               <a:rPr lang="zh-CN" altLang="en-US" smtClean="0"/>
-              <a:t>2018/8/25</a:t>
+              <a:t>2018/9/8</a:t>
             </a:fld>
             <a:endParaRPr lang="zh-CN" altLang="en-US"/>
           </a:p>
@@ -6571,13 +6572,7 @@
               <a:rPr lang="en-US" altLang="zh-CN" sz="1800" cap="none" smtClean="0">
                 <a:latin typeface="Times New Roman" panose="02020603050405020304" pitchFamily="18" charset="0"/>
               </a:rPr>
-              <a:t>: </a:t>
-            </a:r>
-            <a:r>
-              <a:rPr lang="en-US" altLang="zh-CN" sz="1800" cap="none" smtClean="0">
-                <a:latin typeface="Times New Roman" panose="02020603050405020304" pitchFamily="18" charset="0"/>
-              </a:rPr>
-              <a:t>2018-08-25</a:t>
+              <a:t>: 2018-08-25</a:t>
             </a:r>
             <a:endParaRPr lang="en-US" altLang="zh-CN" sz="1800" cap="none" dirty="0" smtClean="0">
               <a:latin typeface="Times New Roman" panose="02020603050405020304" pitchFamily="18" charset="0"/>
@@ -6641,6 +6636,3559 @@
 </file>
 
 <file path=ppt/slides/slide10.xml><?xml version="1.0" encoding="utf-8"?>
+<p:sld xmlns:a="http://schemas.openxmlformats.org/drawingml/2006/main" xmlns:r="http://schemas.openxmlformats.org/officeDocument/2006/relationships" xmlns:p="http://schemas.openxmlformats.org/presentationml/2006/main">
+  <p:cSld>
+    <p:spTree>
+      <p:nvGrpSpPr>
+        <p:cNvPr id="1" name=""/>
+        <p:cNvGrpSpPr/>
+        <p:nvPr/>
+      </p:nvGrpSpPr>
+      <p:grpSpPr>
+        <a:xfrm>
+          <a:off x="0" y="0"/>
+          <a:ext cx="0" cy="0"/>
+          <a:chOff x="0" y="0"/>
+          <a:chExt cx="0" cy="0"/>
+        </a:xfrm>
+      </p:grpSpPr>
+      <p:sp>
+        <p:nvSpPr>
+          <p:cNvPr id="2" name="标题 1"/>
+          <p:cNvSpPr>
+            <a:spLocks noGrp="1"/>
+          </p:cNvSpPr>
+          <p:nvPr>
+            <p:ph type="title"/>
+          </p:nvPr>
+        </p:nvSpPr>
+        <p:spPr/>
+        <p:txBody>
+          <a:bodyPr/>
+          <a:lstStyle/>
+          <a:p>
+            <a:pPr algn="ctr"/>
+            <a:r>
+              <a:rPr lang="zh-CN" altLang="en-US" dirty="0" smtClean="0"/>
+              <a:t>堆内部结构 </a:t>
+            </a:r>
+            <a:r>
+              <a:rPr lang="en-US" altLang="zh-CN" dirty="0" smtClean="0"/>
+              <a:t>- </a:t>
+            </a:r>
+            <a:r>
+              <a:rPr lang="en-US" altLang="zh-CN" dirty="0" err="1" smtClean="0"/>
+              <a:t>lookaside</a:t>
+            </a:r>
+            <a:endParaRPr lang="zh-CN" altLang="en-US" dirty="0"/>
+          </a:p>
+        </p:txBody>
+      </p:sp>
+      <p:cxnSp>
+        <p:nvCxnSpPr>
+          <p:cNvPr id="4" name="直接连接符 3"/>
+          <p:cNvCxnSpPr/>
+          <p:nvPr/>
+        </p:nvCxnSpPr>
+        <p:spPr>
+          <a:xfrm flipV="1">
+            <a:off x="981259" y="1277992"/>
+            <a:ext cx="8734425" cy="63390"/>
+          </a:xfrm>
+          <a:prstGeom prst="line">
+            <a:avLst/>
+          </a:prstGeom>
+          <a:ln w="38100">
+            <a:solidFill>
+              <a:schemeClr val="tx1"/>
+            </a:solidFill>
+          </a:ln>
+        </p:spPr>
+        <p:style>
+          <a:lnRef idx="1">
+            <a:schemeClr val="accent1"/>
+          </a:lnRef>
+          <a:fillRef idx="0">
+            <a:schemeClr val="accent1"/>
+          </a:fillRef>
+          <a:effectRef idx="0">
+            <a:schemeClr val="accent1"/>
+          </a:effectRef>
+          <a:fontRef idx="minor">
+            <a:schemeClr val="tx1"/>
+          </a:fontRef>
+        </p:style>
+      </p:cxnSp>
+      <p:sp>
+        <p:nvSpPr>
+          <p:cNvPr id="3" name="文本框 2"/>
+          <p:cNvSpPr txBox="1"/>
+          <p:nvPr/>
+        </p:nvSpPr>
+        <p:spPr>
+          <a:xfrm>
+            <a:off x="981258" y="1533525"/>
+            <a:ext cx="8734425" cy="1754326"/>
+          </a:xfrm>
+          <a:prstGeom prst="rect">
+            <a:avLst/>
+          </a:prstGeom>
+          <a:noFill/>
+        </p:spPr>
+        <p:txBody>
+          <a:bodyPr wrap="square" rtlCol="0">
+            <a:spAutoFit/>
+          </a:bodyPr>
+          <a:lstStyle/>
+          <a:p>
+            <a:pPr marL="285750" indent="-285750">
+              <a:buFont typeface="Arial" panose="020B0604020202020204" pitchFamily="34" charset="0"/>
+              <a:buChar char="•"/>
+            </a:pPr>
+            <a:r>
+              <a:rPr lang="zh-CN" altLang="en-US" dirty="0" smtClean="0"/>
+              <a:t>用于快速分配和释放。</a:t>
+            </a:r>
+            <a:endParaRPr lang="en-US" altLang="zh-CN" dirty="0" smtClean="0"/>
+          </a:p>
+          <a:p>
+            <a:pPr marL="285750" indent="-285750">
+              <a:buFont typeface="Arial" panose="020B0604020202020204" pitchFamily="34" charset="0"/>
+              <a:buChar char="•"/>
+            </a:pPr>
+            <a:r>
+              <a:rPr lang="zh-CN" altLang="en-US" dirty="0" smtClean="0"/>
+              <a:t>由</a:t>
+            </a:r>
+            <a:r>
+              <a:rPr lang="en-US" altLang="zh-CN" dirty="0" smtClean="0"/>
+              <a:t>128</a:t>
+            </a:r>
+            <a:r>
+              <a:rPr lang="zh-CN" altLang="en-US" dirty="0" smtClean="0"/>
+              <a:t>个单链表组成，每个链表存放最多</a:t>
+            </a:r>
+            <a:r>
+              <a:rPr lang="en-US" altLang="zh-CN" dirty="0" smtClean="0"/>
+              <a:t>4</a:t>
+            </a:r>
+            <a:r>
+              <a:rPr lang="zh-CN" altLang="en-US" dirty="0" smtClean="0"/>
+              <a:t>个相同大小的“空闲”块（标记为</a:t>
+            </a:r>
+            <a:r>
+              <a:rPr lang="en-US" altLang="zh-CN" dirty="0" smtClean="0"/>
+              <a:t>busy</a:t>
+            </a:r>
+            <a:r>
+              <a:rPr lang="zh-CN" altLang="en-US" dirty="0" smtClean="0"/>
+              <a:t>态，避免合并操作）。</a:t>
+            </a:r>
+            <a:endParaRPr lang="en-US" altLang="zh-CN" dirty="0"/>
+          </a:p>
+          <a:p>
+            <a:pPr marL="285750" indent="-285750">
+              <a:buFont typeface="Arial" panose="020B0604020202020204" pitchFamily="34" charset="0"/>
+              <a:buChar char="•"/>
+            </a:pPr>
+            <a:r>
+              <a:rPr lang="zh-CN" altLang="en-US" dirty="0" smtClean="0"/>
+              <a:t>初始时</a:t>
+            </a:r>
+            <a:r>
+              <a:rPr lang="en-US" altLang="zh-CN" dirty="0" smtClean="0"/>
+              <a:t>128</a:t>
+            </a:r>
+            <a:r>
+              <a:rPr lang="zh-CN" altLang="en-US" dirty="0" smtClean="0"/>
+              <a:t>个单链表均为空。</a:t>
+            </a:r>
+            <a:endParaRPr lang="en-US" altLang="zh-CN" dirty="0" smtClean="0"/>
+          </a:p>
+          <a:p>
+            <a:pPr marL="285750" indent="-285750">
+              <a:buFont typeface="Arial" panose="020B0604020202020204" pitchFamily="34" charset="0"/>
+              <a:buChar char="•"/>
+            </a:pPr>
+            <a:r>
+              <a:rPr lang="en-US" altLang="zh-CN" dirty="0" err="1"/>
+              <a:t>l</a:t>
+            </a:r>
+            <a:r>
+              <a:rPr lang="en-US" altLang="zh-CN" dirty="0" err="1" smtClean="0"/>
+              <a:t>ookaside</a:t>
+            </a:r>
+            <a:r>
+              <a:rPr lang="zh-CN" altLang="en-US" dirty="0" smtClean="0"/>
+              <a:t>是否</a:t>
+            </a:r>
+            <a:r>
+              <a:rPr lang="en-US" altLang="zh-CN" dirty="0" smtClean="0"/>
+              <a:t>enable</a:t>
+            </a:r>
+            <a:r>
+              <a:rPr lang="zh-CN" altLang="en-US" dirty="0" smtClean="0"/>
+              <a:t>取决于环境与堆创建规格。</a:t>
+            </a:r>
+            <a:endParaRPr lang="en-US" altLang="zh-CN" dirty="0" smtClean="0"/>
+          </a:p>
+          <a:p>
+            <a:pPr marL="285750" indent="-285750">
+              <a:buFont typeface="Arial" panose="020B0604020202020204" pitchFamily="34" charset="0"/>
+              <a:buChar char="•"/>
+            </a:pPr>
+            <a:endParaRPr lang="en-US" altLang="zh-CN" dirty="0" smtClean="0"/>
+          </a:p>
+        </p:txBody>
+      </p:sp>
+      <p:graphicFrame>
+        <p:nvGraphicFramePr>
+          <p:cNvPr id="56" name="Group 60"/>
+          <p:cNvGraphicFramePr>
+            <a:graphicFrameLocks noGrp="1"/>
+          </p:cNvGraphicFramePr>
+          <p:nvPr>
+            <p:extLst>
+              <p:ext uri="{D42A27DB-BD31-4B8C-83A1-F6EECF244321}">
+                <p14:modId xmlns:p14="http://schemas.microsoft.com/office/powerpoint/2010/main" val="2326250353"/>
+              </p:ext>
+            </p:extLst>
+          </p:nvPr>
+        </p:nvGraphicFramePr>
+        <p:xfrm>
+          <a:off x="1314450" y="3287851"/>
+          <a:ext cx="1447800" cy="1981201"/>
+        </p:xfrm>
+        <a:graphic>
+          <a:graphicData uri="http://schemas.openxmlformats.org/drawingml/2006/table">
+            <a:tbl>
+              <a:tblPr/>
+              <a:tblGrid>
+                <a:gridCol w="723900"/>
+                <a:gridCol w="723900"/>
+              </a:tblGrid>
+              <a:tr h="282575">
+                <a:tc>
+                  <a:txBody>
+                    <a:bodyPr/>
+                    <a:lstStyle>
+                      <a:lvl1pPr>
+                        <a:spcBef>
+                          <a:spcPct val="20000"/>
+                        </a:spcBef>
+                        <a:buFont typeface="Wingdings" panose="05000000000000000000" pitchFamily="2" charset="2"/>
+                        <a:defRPr sz="2400">
+                          <a:solidFill>
+                            <a:schemeClr val="tx2"/>
+                          </a:solidFill>
+                          <a:latin typeface="Arial" panose="020B0604020202020204" pitchFamily="34" charset="0"/>
+                          <a:cs typeface="Times New Roman" panose="02020603050405020304" pitchFamily="18" charset="0"/>
+                        </a:defRPr>
+                      </a:lvl1pPr>
+                      <a:lvl2pPr>
+                        <a:spcBef>
+                          <a:spcPct val="20000"/>
+                        </a:spcBef>
+                        <a:buFont typeface="Wingdings" panose="05000000000000000000" pitchFamily="2" charset="2"/>
+                        <a:defRPr sz="2000">
+                          <a:solidFill>
+                            <a:schemeClr val="tx1"/>
+                          </a:solidFill>
+                          <a:latin typeface="Arial" panose="020B0604020202020204" pitchFamily="34" charset="0"/>
+                          <a:cs typeface="Times New Roman" panose="02020603050405020304" pitchFamily="18" charset="0"/>
+                        </a:defRPr>
+                      </a:lvl2pPr>
+                      <a:lvl3pPr>
+                        <a:spcBef>
+                          <a:spcPct val="20000"/>
+                        </a:spcBef>
+                        <a:buFont typeface="Wingdings" panose="05000000000000000000" pitchFamily="2" charset="2"/>
+                        <a:defRPr>
+                          <a:solidFill>
+                            <a:schemeClr val="tx1"/>
+                          </a:solidFill>
+                          <a:latin typeface="Arial" panose="020B0604020202020204" pitchFamily="34" charset="0"/>
+                          <a:cs typeface="Times New Roman" panose="02020603050405020304" pitchFamily="18" charset="0"/>
+                        </a:defRPr>
+                      </a:lvl3pPr>
+                      <a:lvl4pPr>
+                        <a:spcBef>
+                          <a:spcPct val="20000"/>
+                        </a:spcBef>
+                        <a:buFont typeface="Wingdings" panose="05000000000000000000" pitchFamily="2" charset="2"/>
+                        <a:defRPr sz="1600">
+                          <a:solidFill>
+                            <a:schemeClr val="tx1"/>
+                          </a:solidFill>
+                          <a:latin typeface="Arial" panose="020B0604020202020204" pitchFamily="34" charset="0"/>
+                          <a:cs typeface="Times New Roman" panose="02020603050405020304" pitchFamily="18" charset="0"/>
+                        </a:defRPr>
+                      </a:lvl4pPr>
+                      <a:lvl5pPr>
+                        <a:spcBef>
+                          <a:spcPct val="20000"/>
+                        </a:spcBef>
+                        <a:buFont typeface="Wingdings" panose="05000000000000000000" pitchFamily="2" charset="2"/>
+                        <a:defRPr sz="1400">
+                          <a:solidFill>
+                            <a:schemeClr val="tx1"/>
+                          </a:solidFill>
+                          <a:latin typeface="Arial" panose="020B0604020202020204" pitchFamily="34" charset="0"/>
+                          <a:cs typeface="Times New Roman" panose="02020603050405020304" pitchFamily="18" charset="0"/>
+                        </a:defRPr>
+                      </a:lvl5pPr>
+                      <a:lvl6pPr fontAlgn="base">
+                        <a:spcBef>
+                          <a:spcPct val="20000"/>
+                        </a:spcBef>
+                        <a:spcAft>
+                          <a:spcPct val="0"/>
+                        </a:spcAft>
+                        <a:buFont typeface="Wingdings" panose="05000000000000000000" pitchFamily="2" charset="2"/>
+                        <a:defRPr sz="1400">
+                          <a:solidFill>
+                            <a:schemeClr val="tx1"/>
+                          </a:solidFill>
+                          <a:latin typeface="Arial" panose="020B0604020202020204" pitchFamily="34" charset="0"/>
+                          <a:cs typeface="Times New Roman" panose="02020603050405020304" pitchFamily="18" charset="0"/>
+                        </a:defRPr>
+                      </a:lvl6pPr>
+                      <a:lvl7pPr fontAlgn="base">
+                        <a:spcBef>
+                          <a:spcPct val="20000"/>
+                        </a:spcBef>
+                        <a:spcAft>
+                          <a:spcPct val="0"/>
+                        </a:spcAft>
+                        <a:buFont typeface="Wingdings" panose="05000000000000000000" pitchFamily="2" charset="2"/>
+                        <a:defRPr sz="1400">
+                          <a:solidFill>
+                            <a:schemeClr val="tx1"/>
+                          </a:solidFill>
+                          <a:latin typeface="Arial" panose="020B0604020202020204" pitchFamily="34" charset="0"/>
+                          <a:cs typeface="Times New Roman" panose="02020603050405020304" pitchFamily="18" charset="0"/>
+                        </a:defRPr>
+                      </a:lvl7pPr>
+                      <a:lvl8pPr fontAlgn="base">
+                        <a:spcBef>
+                          <a:spcPct val="20000"/>
+                        </a:spcBef>
+                        <a:spcAft>
+                          <a:spcPct val="0"/>
+                        </a:spcAft>
+                        <a:buFont typeface="Wingdings" panose="05000000000000000000" pitchFamily="2" charset="2"/>
+                        <a:defRPr sz="1400">
+                          <a:solidFill>
+                            <a:schemeClr val="tx1"/>
+                          </a:solidFill>
+                          <a:latin typeface="Arial" panose="020B0604020202020204" pitchFamily="34" charset="0"/>
+                          <a:cs typeface="Times New Roman" panose="02020603050405020304" pitchFamily="18" charset="0"/>
+                        </a:defRPr>
+                      </a:lvl8pPr>
+                      <a:lvl9pPr fontAlgn="base">
+                        <a:spcBef>
+                          <a:spcPct val="20000"/>
+                        </a:spcBef>
+                        <a:spcAft>
+                          <a:spcPct val="0"/>
+                        </a:spcAft>
+                        <a:buFont typeface="Wingdings" panose="05000000000000000000" pitchFamily="2" charset="2"/>
+                        <a:defRPr sz="1400">
+                          <a:solidFill>
+                            <a:schemeClr val="tx1"/>
+                          </a:solidFill>
+                          <a:latin typeface="Arial" panose="020B0604020202020204" pitchFamily="34" charset="0"/>
+                          <a:cs typeface="Times New Roman" panose="02020603050405020304" pitchFamily="18" charset="0"/>
+                        </a:defRPr>
+                      </a:lvl9pPr>
+                    </a:lstStyle>
+                    <a:p>
+                      <a:pPr marL="0" marR="0" lvl="0" indent="0" algn="l" defTabSz="914400" rtl="0" eaLnBrk="1" fontAlgn="base" latinLnBrk="0" hangingPunct="1">
+                        <a:lnSpc>
+                          <a:spcPct val="100000"/>
+                        </a:lnSpc>
+                        <a:spcBef>
+                          <a:spcPct val="20000"/>
+                        </a:spcBef>
+                        <a:spcAft>
+                          <a:spcPct val="0"/>
+                        </a:spcAft>
+                        <a:buClrTx/>
+                        <a:buSzTx/>
+                        <a:buFont typeface="Wingdings" panose="05000000000000000000" pitchFamily="2" charset="2"/>
+                        <a:buNone/>
+                        <a:tabLst/>
+                      </a:pPr>
+                      <a:r>
+                        <a:rPr kumimoji="0" lang="en-US" altLang="zh-CN" sz="1200" b="1" i="0" u="none" strike="noStrike" cap="none" normalizeH="0" baseline="0" dirty="0" smtClean="0">
+                          <a:ln>
+                            <a:noFill/>
+                          </a:ln>
+                          <a:solidFill>
+                            <a:schemeClr val="tx2"/>
+                          </a:solidFill>
+                          <a:effectLst/>
+                          <a:latin typeface="Arial" panose="020B0604020202020204" pitchFamily="34" charset="0"/>
+                          <a:ea typeface="宋体" panose="02010600030101010101" pitchFamily="2" charset="-122"/>
+                          <a:cs typeface="Times New Roman" panose="02020603050405020304" pitchFamily="18" charset="0"/>
+                        </a:rPr>
+                        <a:t>0</a:t>
+                      </a:r>
+                    </a:p>
+                  </a:txBody>
+                  <a:tcPr horzOverflow="overflow">
+                    <a:lnL w="28575" cap="flat" cmpd="sng" algn="ctr">
+                      <a:solidFill>
+                        <a:schemeClr val="tx1"/>
+                      </a:solidFill>
+                      <a:prstDash val="solid"/>
+                      <a:round/>
+                      <a:headEnd type="none" w="med" len="med"/>
+                      <a:tailEnd type="none" w="med" len="med"/>
+                    </a:lnL>
+                    <a:lnR w="12700" cap="flat" cmpd="sng" algn="ctr">
+                      <a:solidFill>
+                        <a:schemeClr val="tx1"/>
+                      </a:solidFill>
+                      <a:prstDash val="solid"/>
+                      <a:round/>
+                      <a:headEnd type="none" w="med" len="med"/>
+                      <a:tailEnd type="none" w="med" len="med"/>
+                    </a:lnR>
+                    <a:lnT w="28575" cap="flat" cmpd="sng" algn="ctr">
+                      <a:solidFill>
+                        <a:schemeClr val="tx1"/>
+                      </a:solidFill>
+                      <a:prstDash val="solid"/>
+                      <a:round/>
+                      <a:headEnd type="none" w="med" len="med"/>
+                      <a:tailEnd type="none" w="med" len="med"/>
+                    </a:lnT>
+                    <a:lnB w="12700" cap="flat" cmpd="sng" algn="ctr">
+                      <a:solidFill>
+                        <a:schemeClr val="tx1"/>
+                      </a:solidFill>
+                      <a:prstDash val="solid"/>
+                      <a:round/>
+                      <a:headEnd type="none" w="med" len="med"/>
+                      <a:tailEnd type="none" w="med" len="med"/>
+                    </a:lnB>
+                    <a:lnTlToBr>
+                      <a:noFill/>
+                    </a:lnTlToBr>
+                    <a:lnBlToTr>
+                      <a:noFill/>
+                    </a:lnBlToTr>
+                    <a:noFill/>
+                  </a:tcPr>
+                </a:tc>
+                <a:tc>
+                  <a:txBody>
+                    <a:bodyPr/>
+                    <a:lstStyle>
+                      <a:lvl1pPr>
+                        <a:spcBef>
+                          <a:spcPct val="20000"/>
+                        </a:spcBef>
+                        <a:buFont typeface="Wingdings" panose="05000000000000000000" pitchFamily="2" charset="2"/>
+                        <a:defRPr sz="2400">
+                          <a:solidFill>
+                            <a:schemeClr val="tx2"/>
+                          </a:solidFill>
+                          <a:latin typeface="Arial" panose="020B0604020202020204" pitchFamily="34" charset="0"/>
+                          <a:cs typeface="Times New Roman" panose="02020603050405020304" pitchFamily="18" charset="0"/>
+                        </a:defRPr>
+                      </a:lvl1pPr>
+                      <a:lvl2pPr>
+                        <a:spcBef>
+                          <a:spcPct val="20000"/>
+                        </a:spcBef>
+                        <a:buFont typeface="Wingdings" panose="05000000000000000000" pitchFamily="2" charset="2"/>
+                        <a:defRPr sz="2000">
+                          <a:solidFill>
+                            <a:schemeClr val="tx1"/>
+                          </a:solidFill>
+                          <a:latin typeface="Arial" panose="020B0604020202020204" pitchFamily="34" charset="0"/>
+                          <a:cs typeface="Times New Roman" panose="02020603050405020304" pitchFamily="18" charset="0"/>
+                        </a:defRPr>
+                      </a:lvl2pPr>
+                      <a:lvl3pPr>
+                        <a:spcBef>
+                          <a:spcPct val="20000"/>
+                        </a:spcBef>
+                        <a:buFont typeface="Wingdings" panose="05000000000000000000" pitchFamily="2" charset="2"/>
+                        <a:defRPr>
+                          <a:solidFill>
+                            <a:schemeClr val="tx1"/>
+                          </a:solidFill>
+                          <a:latin typeface="Arial" panose="020B0604020202020204" pitchFamily="34" charset="0"/>
+                          <a:cs typeface="Times New Roman" panose="02020603050405020304" pitchFamily="18" charset="0"/>
+                        </a:defRPr>
+                      </a:lvl3pPr>
+                      <a:lvl4pPr>
+                        <a:spcBef>
+                          <a:spcPct val="20000"/>
+                        </a:spcBef>
+                        <a:buFont typeface="Wingdings" panose="05000000000000000000" pitchFamily="2" charset="2"/>
+                        <a:defRPr sz="1600">
+                          <a:solidFill>
+                            <a:schemeClr val="tx1"/>
+                          </a:solidFill>
+                          <a:latin typeface="Arial" panose="020B0604020202020204" pitchFamily="34" charset="0"/>
+                          <a:cs typeface="Times New Roman" panose="02020603050405020304" pitchFamily="18" charset="0"/>
+                        </a:defRPr>
+                      </a:lvl4pPr>
+                      <a:lvl5pPr>
+                        <a:spcBef>
+                          <a:spcPct val="20000"/>
+                        </a:spcBef>
+                        <a:buFont typeface="Wingdings" panose="05000000000000000000" pitchFamily="2" charset="2"/>
+                        <a:defRPr sz="1400">
+                          <a:solidFill>
+                            <a:schemeClr val="tx1"/>
+                          </a:solidFill>
+                          <a:latin typeface="Arial" panose="020B0604020202020204" pitchFamily="34" charset="0"/>
+                          <a:cs typeface="Times New Roman" panose="02020603050405020304" pitchFamily="18" charset="0"/>
+                        </a:defRPr>
+                      </a:lvl5pPr>
+                      <a:lvl6pPr fontAlgn="base">
+                        <a:spcBef>
+                          <a:spcPct val="20000"/>
+                        </a:spcBef>
+                        <a:spcAft>
+                          <a:spcPct val="0"/>
+                        </a:spcAft>
+                        <a:buFont typeface="Wingdings" panose="05000000000000000000" pitchFamily="2" charset="2"/>
+                        <a:defRPr sz="1400">
+                          <a:solidFill>
+                            <a:schemeClr val="tx1"/>
+                          </a:solidFill>
+                          <a:latin typeface="Arial" panose="020B0604020202020204" pitchFamily="34" charset="0"/>
+                          <a:cs typeface="Times New Roman" panose="02020603050405020304" pitchFamily="18" charset="0"/>
+                        </a:defRPr>
+                      </a:lvl6pPr>
+                      <a:lvl7pPr fontAlgn="base">
+                        <a:spcBef>
+                          <a:spcPct val="20000"/>
+                        </a:spcBef>
+                        <a:spcAft>
+                          <a:spcPct val="0"/>
+                        </a:spcAft>
+                        <a:buFont typeface="Wingdings" panose="05000000000000000000" pitchFamily="2" charset="2"/>
+                        <a:defRPr sz="1400">
+                          <a:solidFill>
+                            <a:schemeClr val="tx1"/>
+                          </a:solidFill>
+                          <a:latin typeface="Arial" panose="020B0604020202020204" pitchFamily="34" charset="0"/>
+                          <a:cs typeface="Times New Roman" panose="02020603050405020304" pitchFamily="18" charset="0"/>
+                        </a:defRPr>
+                      </a:lvl7pPr>
+                      <a:lvl8pPr fontAlgn="base">
+                        <a:spcBef>
+                          <a:spcPct val="20000"/>
+                        </a:spcBef>
+                        <a:spcAft>
+                          <a:spcPct val="0"/>
+                        </a:spcAft>
+                        <a:buFont typeface="Wingdings" panose="05000000000000000000" pitchFamily="2" charset="2"/>
+                        <a:defRPr sz="1400">
+                          <a:solidFill>
+                            <a:schemeClr val="tx1"/>
+                          </a:solidFill>
+                          <a:latin typeface="Arial" panose="020B0604020202020204" pitchFamily="34" charset="0"/>
+                          <a:cs typeface="Times New Roman" panose="02020603050405020304" pitchFamily="18" charset="0"/>
+                        </a:defRPr>
+                      </a:lvl8pPr>
+                      <a:lvl9pPr fontAlgn="base">
+                        <a:spcBef>
+                          <a:spcPct val="20000"/>
+                        </a:spcBef>
+                        <a:spcAft>
+                          <a:spcPct val="0"/>
+                        </a:spcAft>
+                        <a:buFont typeface="Wingdings" panose="05000000000000000000" pitchFamily="2" charset="2"/>
+                        <a:defRPr sz="1400">
+                          <a:solidFill>
+                            <a:schemeClr val="tx1"/>
+                          </a:solidFill>
+                          <a:latin typeface="Arial" panose="020B0604020202020204" pitchFamily="34" charset="0"/>
+                          <a:cs typeface="Times New Roman" panose="02020603050405020304" pitchFamily="18" charset="0"/>
+                        </a:defRPr>
+                      </a:lvl9pPr>
+                    </a:lstStyle>
+                    <a:p>
+                      <a:pPr marL="0" marR="0" lvl="0" indent="0" algn="l" defTabSz="914400" rtl="0" eaLnBrk="1" fontAlgn="base" latinLnBrk="0" hangingPunct="1">
+                        <a:lnSpc>
+                          <a:spcPct val="100000"/>
+                        </a:lnSpc>
+                        <a:spcBef>
+                          <a:spcPct val="20000"/>
+                        </a:spcBef>
+                        <a:spcAft>
+                          <a:spcPct val="0"/>
+                        </a:spcAft>
+                        <a:buClrTx/>
+                        <a:buSzTx/>
+                        <a:buFont typeface="Wingdings" panose="05000000000000000000" pitchFamily="2" charset="2"/>
+                        <a:buNone/>
+                        <a:tabLst/>
+                      </a:pPr>
+                      <a:endParaRPr kumimoji="0" lang="zh-CN" altLang="zh-CN" sz="1200" b="0" i="0" u="none" strike="noStrike" cap="none" normalizeH="0" baseline="0" smtClean="0">
+                        <a:ln>
+                          <a:noFill/>
+                        </a:ln>
+                        <a:solidFill>
+                          <a:schemeClr val="tx2"/>
+                        </a:solidFill>
+                        <a:effectLst/>
+                        <a:latin typeface="Arial" panose="020B0604020202020204" pitchFamily="34" charset="0"/>
+                        <a:cs typeface="Times New Roman" panose="02020603050405020304" pitchFamily="18" charset="0"/>
+                      </a:endParaRPr>
+                    </a:p>
+                  </a:txBody>
+                  <a:tcPr horzOverflow="overflow">
+                    <a:lnL w="12700" cap="flat" cmpd="sng" algn="ctr">
+                      <a:solidFill>
+                        <a:schemeClr val="tx1"/>
+                      </a:solidFill>
+                      <a:prstDash val="solid"/>
+                      <a:round/>
+                      <a:headEnd type="none" w="med" len="med"/>
+                      <a:tailEnd type="none" w="med" len="med"/>
+                    </a:lnL>
+                    <a:lnR w="28575" cap="flat" cmpd="sng" algn="ctr">
+                      <a:solidFill>
+                        <a:schemeClr val="tx1"/>
+                      </a:solidFill>
+                      <a:prstDash val="solid"/>
+                      <a:round/>
+                      <a:headEnd type="none" w="med" len="med"/>
+                      <a:tailEnd type="none" w="med" len="med"/>
+                    </a:lnR>
+                    <a:lnT w="28575" cap="flat" cmpd="sng" algn="ctr">
+                      <a:solidFill>
+                        <a:schemeClr val="tx1"/>
+                      </a:solidFill>
+                      <a:prstDash val="solid"/>
+                      <a:round/>
+                      <a:headEnd type="none" w="med" len="med"/>
+                      <a:tailEnd type="none" w="med" len="med"/>
+                    </a:lnT>
+                    <a:lnB w="12700" cap="flat" cmpd="sng" algn="ctr">
+                      <a:solidFill>
+                        <a:schemeClr val="tx1"/>
+                      </a:solidFill>
+                      <a:prstDash val="solid"/>
+                      <a:round/>
+                      <a:headEnd type="none" w="med" len="med"/>
+                      <a:tailEnd type="none" w="med" len="med"/>
+                    </a:lnB>
+                    <a:lnTlToBr>
+                      <a:noFill/>
+                    </a:lnTlToBr>
+                    <a:lnBlToTr>
+                      <a:noFill/>
+                    </a:lnBlToTr>
+                    <a:noFill/>
+                  </a:tcPr>
+                </a:tc>
+              </a:tr>
+              <a:tr h="284163">
+                <a:tc>
+                  <a:txBody>
+                    <a:bodyPr/>
+                    <a:lstStyle>
+                      <a:lvl1pPr>
+                        <a:spcBef>
+                          <a:spcPct val="20000"/>
+                        </a:spcBef>
+                        <a:buFont typeface="Wingdings" panose="05000000000000000000" pitchFamily="2" charset="2"/>
+                        <a:defRPr sz="2400">
+                          <a:solidFill>
+                            <a:schemeClr val="tx2"/>
+                          </a:solidFill>
+                          <a:latin typeface="Arial" panose="020B0604020202020204" pitchFamily="34" charset="0"/>
+                          <a:cs typeface="Times New Roman" panose="02020603050405020304" pitchFamily="18" charset="0"/>
+                        </a:defRPr>
+                      </a:lvl1pPr>
+                      <a:lvl2pPr>
+                        <a:spcBef>
+                          <a:spcPct val="20000"/>
+                        </a:spcBef>
+                        <a:buFont typeface="Wingdings" panose="05000000000000000000" pitchFamily="2" charset="2"/>
+                        <a:defRPr sz="2000">
+                          <a:solidFill>
+                            <a:schemeClr val="tx1"/>
+                          </a:solidFill>
+                          <a:latin typeface="Arial" panose="020B0604020202020204" pitchFamily="34" charset="0"/>
+                          <a:cs typeface="Times New Roman" panose="02020603050405020304" pitchFamily="18" charset="0"/>
+                        </a:defRPr>
+                      </a:lvl2pPr>
+                      <a:lvl3pPr>
+                        <a:spcBef>
+                          <a:spcPct val="20000"/>
+                        </a:spcBef>
+                        <a:buFont typeface="Wingdings" panose="05000000000000000000" pitchFamily="2" charset="2"/>
+                        <a:defRPr>
+                          <a:solidFill>
+                            <a:schemeClr val="tx1"/>
+                          </a:solidFill>
+                          <a:latin typeface="Arial" panose="020B0604020202020204" pitchFamily="34" charset="0"/>
+                          <a:cs typeface="Times New Roman" panose="02020603050405020304" pitchFamily="18" charset="0"/>
+                        </a:defRPr>
+                      </a:lvl3pPr>
+                      <a:lvl4pPr>
+                        <a:spcBef>
+                          <a:spcPct val="20000"/>
+                        </a:spcBef>
+                        <a:buFont typeface="Wingdings" panose="05000000000000000000" pitchFamily="2" charset="2"/>
+                        <a:defRPr sz="1600">
+                          <a:solidFill>
+                            <a:schemeClr val="tx1"/>
+                          </a:solidFill>
+                          <a:latin typeface="Arial" panose="020B0604020202020204" pitchFamily="34" charset="0"/>
+                          <a:cs typeface="Times New Roman" panose="02020603050405020304" pitchFamily="18" charset="0"/>
+                        </a:defRPr>
+                      </a:lvl4pPr>
+                      <a:lvl5pPr>
+                        <a:spcBef>
+                          <a:spcPct val="20000"/>
+                        </a:spcBef>
+                        <a:buFont typeface="Wingdings" panose="05000000000000000000" pitchFamily="2" charset="2"/>
+                        <a:defRPr sz="1400">
+                          <a:solidFill>
+                            <a:schemeClr val="tx1"/>
+                          </a:solidFill>
+                          <a:latin typeface="Arial" panose="020B0604020202020204" pitchFamily="34" charset="0"/>
+                          <a:cs typeface="Times New Roman" panose="02020603050405020304" pitchFamily="18" charset="0"/>
+                        </a:defRPr>
+                      </a:lvl5pPr>
+                      <a:lvl6pPr fontAlgn="base">
+                        <a:spcBef>
+                          <a:spcPct val="20000"/>
+                        </a:spcBef>
+                        <a:spcAft>
+                          <a:spcPct val="0"/>
+                        </a:spcAft>
+                        <a:buFont typeface="Wingdings" panose="05000000000000000000" pitchFamily="2" charset="2"/>
+                        <a:defRPr sz="1400">
+                          <a:solidFill>
+                            <a:schemeClr val="tx1"/>
+                          </a:solidFill>
+                          <a:latin typeface="Arial" panose="020B0604020202020204" pitchFamily="34" charset="0"/>
+                          <a:cs typeface="Times New Roman" panose="02020603050405020304" pitchFamily="18" charset="0"/>
+                        </a:defRPr>
+                      </a:lvl6pPr>
+                      <a:lvl7pPr fontAlgn="base">
+                        <a:spcBef>
+                          <a:spcPct val="20000"/>
+                        </a:spcBef>
+                        <a:spcAft>
+                          <a:spcPct val="0"/>
+                        </a:spcAft>
+                        <a:buFont typeface="Wingdings" panose="05000000000000000000" pitchFamily="2" charset="2"/>
+                        <a:defRPr sz="1400">
+                          <a:solidFill>
+                            <a:schemeClr val="tx1"/>
+                          </a:solidFill>
+                          <a:latin typeface="Arial" panose="020B0604020202020204" pitchFamily="34" charset="0"/>
+                          <a:cs typeface="Times New Roman" panose="02020603050405020304" pitchFamily="18" charset="0"/>
+                        </a:defRPr>
+                      </a:lvl7pPr>
+                      <a:lvl8pPr fontAlgn="base">
+                        <a:spcBef>
+                          <a:spcPct val="20000"/>
+                        </a:spcBef>
+                        <a:spcAft>
+                          <a:spcPct val="0"/>
+                        </a:spcAft>
+                        <a:buFont typeface="Wingdings" panose="05000000000000000000" pitchFamily="2" charset="2"/>
+                        <a:defRPr sz="1400">
+                          <a:solidFill>
+                            <a:schemeClr val="tx1"/>
+                          </a:solidFill>
+                          <a:latin typeface="Arial" panose="020B0604020202020204" pitchFamily="34" charset="0"/>
+                          <a:cs typeface="Times New Roman" panose="02020603050405020304" pitchFamily="18" charset="0"/>
+                        </a:defRPr>
+                      </a:lvl8pPr>
+                      <a:lvl9pPr fontAlgn="base">
+                        <a:spcBef>
+                          <a:spcPct val="20000"/>
+                        </a:spcBef>
+                        <a:spcAft>
+                          <a:spcPct val="0"/>
+                        </a:spcAft>
+                        <a:buFont typeface="Wingdings" panose="05000000000000000000" pitchFamily="2" charset="2"/>
+                        <a:defRPr sz="1400">
+                          <a:solidFill>
+                            <a:schemeClr val="tx1"/>
+                          </a:solidFill>
+                          <a:latin typeface="Arial" panose="020B0604020202020204" pitchFamily="34" charset="0"/>
+                          <a:cs typeface="Times New Roman" panose="02020603050405020304" pitchFamily="18" charset="0"/>
+                        </a:defRPr>
+                      </a:lvl9pPr>
+                    </a:lstStyle>
+                    <a:p>
+                      <a:pPr marL="0" marR="0" lvl="0" indent="0" algn="l" defTabSz="914400" rtl="0" eaLnBrk="1" fontAlgn="base" latinLnBrk="0" hangingPunct="1">
+                        <a:lnSpc>
+                          <a:spcPct val="100000"/>
+                        </a:lnSpc>
+                        <a:spcBef>
+                          <a:spcPct val="20000"/>
+                        </a:spcBef>
+                        <a:spcAft>
+                          <a:spcPct val="0"/>
+                        </a:spcAft>
+                        <a:buClrTx/>
+                        <a:buSzTx/>
+                        <a:buFont typeface="Wingdings" panose="05000000000000000000" pitchFamily="2" charset="2"/>
+                        <a:buNone/>
+                        <a:tabLst/>
+                      </a:pPr>
+                      <a:r>
+                        <a:rPr kumimoji="0" lang="en-US" altLang="zh-CN" sz="1200" b="1" i="0" u="none" strike="noStrike" cap="none" normalizeH="0" baseline="0" smtClean="0">
+                          <a:ln>
+                            <a:noFill/>
+                          </a:ln>
+                          <a:solidFill>
+                            <a:schemeClr val="tx2"/>
+                          </a:solidFill>
+                          <a:effectLst/>
+                          <a:latin typeface="Arial" panose="020B0604020202020204" pitchFamily="34" charset="0"/>
+                          <a:ea typeface="宋体" panose="02010600030101010101" pitchFamily="2" charset="-122"/>
+                          <a:cs typeface="Times New Roman" panose="02020603050405020304" pitchFamily="18" charset="0"/>
+                        </a:rPr>
+                        <a:t>1</a:t>
+                      </a:r>
+                    </a:p>
+                  </a:txBody>
+                  <a:tcPr horzOverflow="overflow">
+                    <a:lnL w="28575" cap="flat" cmpd="sng" algn="ctr">
+                      <a:solidFill>
+                        <a:schemeClr val="tx1"/>
+                      </a:solidFill>
+                      <a:prstDash val="solid"/>
+                      <a:round/>
+                      <a:headEnd type="none" w="med" len="med"/>
+                      <a:tailEnd type="none" w="med" len="med"/>
+                    </a:lnL>
+                    <a:lnR w="12700" cap="flat" cmpd="sng" algn="ctr">
+                      <a:solidFill>
+                        <a:schemeClr val="tx1"/>
+                      </a:solidFill>
+                      <a:prstDash val="solid"/>
+                      <a:round/>
+                      <a:headEnd type="none" w="med" len="med"/>
+                      <a:tailEnd type="none" w="med" len="med"/>
+                    </a:lnR>
+                    <a:lnT w="12700" cap="flat" cmpd="sng" algn="ctr">
+                      <a:solidFill>
+                        <a:schemeClr val="tx1"/>
+                      </a:solidFill>
+                      <a:prstDash val="solid"/>
+                      <a:round/>
+                      <a:headEnd type="none" w="med" len="med"/>
+                      <a:tailEnd type="none" w="med" len="med"/>
+                    </a:lnT>
+                    <a:lnB w="12700" cap="flat" cmpd="sng" algn="ctr">
+                      <a:solidFill>
+                        <a:schemeClr val="tx1"/>
+                      </a:solidFill>
+                      <a:prstDash val="solid"/>
+                      <a:round/>
+                      <a:headEnd type="none" w="med" len="med"/>
+                      <a:tailEnd type="none" w="med" len="med"/>
+                    </a:lnB>
+                    <a:lnTlToBr>
+                      <a:noFill/>
+                    </a:lnTlToBr>
+                    <a:lnBlToTr>
+                      <a:noFill/>
+                    </a:lnBlToTr>
+                    <a:noFill/>
+                  </a:tcPr>
+                </a:tc>
+                <a:tc>
+                  <a:txBody>
+                    <a:bodyPr/>
+                    <a:lstStyle>
+                      <a:lvl1pPr>
+                        <a:spcBef>
+                          <a:spcPct val="20000"/>
+                        </a:spcBef>
+                        <a:buFont typeface="Wingdings" panose="05000000000000000000" pitchFamily="2" charset="2"/>
+                        <a:defRPr sz="2400">
+                          <a:solidFill>
+                            <a:schemeClr val="tx2"/>
+                          </a:solidFill>
+                          <a:latin typeface="Arial" panose="020B0604020202020204" pitchFamily="34" charset="0"/>
+                          <a:cs typeface="Times New Roman" panose="02020603050405020304" pitchFamily="18" charset="0"/>
+                        </a:defRPr>
+                      </a:lvl1pPr>
+                      <a:lvl2pPr>
+                        <a:spcBef>
+                          <a:spcPct val="20000"/>
+                        </a:spcBef>
+                        <a:buFont typeface="Wingdings" panose="05000000000000000000" pitchFamily="2" charset="2"/>
+                        <a:defRPr sz="2000">
+                          <a:solidFill>
+                            <a:schemeClr val="tx1"/>
+                          </a:solidFill>
+                          <a:latin typeface="Arial" panose="020B0604020202020204" pitchFamily="34" charset="0"/>
+                          <a:cs typeface="Times New Roman" panose="02020603050405020304" pitchFamily="18" charset="0"/>
+                        </a:defRPr>
+                      </a:lvl2pPr>
+                      <a:lvl3pPr>
+                        <a:spcBef>
+                          <a:spcPct val="20000"/>
+                        </a:spcBef>
+                        <a:buFont typeface="Wingdings" panose="05000000000000000000" pitchFamily="2" charset="2"/>
+                        <a:defRPr>
+                          <a:solidFill>
+                            <a:schemeClr val="tx1"/>
+                          </a:solidFill>
+                          <a:latin typeface="Arial" panose="020B0604020202020204" pitchFamily="34" charset="0"/>
+                          <a:cs typeface="Times New Roman" panose="02020603050405020304" pitchFamily="18" charset="0"/>
+                        </a:defRPr>
+                      </a:lvl3pPr>
+                      <a:lvl4pPr>
+                        <a:spcBef>
+                          <a:spcPct val="20000"/>
+                        </a:spcBef>
+                        <a:buFont typeface="Wingdings" panose="05000000000000000000" pitchFamily="2" charset="2"/>
+                        <a:defRPr sz="1600">
+                          <a:solidFill>
+                            <a:schemeClr val="tx1"/>
+                          </a:solidFill>
+                          <a:latin typeface="Arial" panose="020B0604020202020204" pitchFamily="34" charset="0"/>
+                          <a:cs typeface="Times New Roman" panose="02020603050405020304" pitchFamily="18" charset="0"/>
+                        </a:defRPr>
+                      </a:lvl4pPr>
+                      <a:lvl5pPr>
+                        <a:spcBef>
+                          <a:spcPct val="20000"/>
+                        </a:spcBef>
+                        <a:buFont typeface="Wingdings" panose="05000000000000000000" pitchFamily="2" charset="2"/>
+                        <a:defRPr sz="1400">
+                          <a:solidFill>
+                            <a:schemeClr val="tx1"/>
+                          </a:solidFill>
+                          <a:latin typeface="Arial" panose="020B0604020202020204" pitchFamily="34" charset="0"/>
+                          <a:cs typeface="Times New Roman" panose="02020603050405020304" pitchFamily="18" charset="0"/>
+                        </a:defRPr>
+                      </a:lvl5pPr>
+                      <a:lvl6pPr fontAlgn="base">
+                        <a:spcBef>
+                          <a:spcPct val="20000"/>
+                        </a:spcBef>
+                        <a:spcAft>
+                          <a:spcPct val="0"/>
+                        </a:spcAft>
+                        <a:buFont typeface="Wingdings" panose="05000000000000000000" pitchFamily="2" charset="2"/>
+                        <a:defRPr sz="1400">
+                          <a:solidFill>
+                            <a:schemeClr val="tx1"/>
+                          </a:solidFill>
+                          <a:latin typeface="Arial" panose="020B0604020202020204" pitchFamily="34" charset="0"/>
+                          <a:cs typeface="Times New Roman" panose="02020603050405020304" pitchFamily="18" charset="0"/>
+                        </a:defRPr>
+                      </a:lvl6pPr>
+                      <a:lvl7pPr fontAlgn="base">
+                        <a:spcBef>
+                          <a:spcPct val="20000"/>
+                        </a:spcBef>
+                        <a:spcAft>
+                          <a:spcPct val="0"/>
+                        </a:spcAft>
+                        <a:buFont typeface="Wingdings" panose="05000000000000000000" pitchFamily="2" charset="2"/>
+                        <a:defRPr sz="1400">
+                          <a:solidFill>
+                            <a:schemeClr val="tx1"/>
+                          </a:solidFill>
+                          <a:latin typeface="Arial" panose="020B0604020202020204" pitchFamily="34" charset="0"/>
+                          <a:cs typeface="Times New Roman" panose="02020603050405020304" pitchFamily="18" charset="0"/>
+                        </a:defRPr>
+                      </a:lvl7pPr>
+                      <a:lvl8pPr fontAlgn="base">
+                        <a:spcBef>
+                          <a:spcPct val="20000"/>
+                        </a:spcBef>
+                        <a:spcAft>
+                          <a:spcPct val="0"/>
+                        </a:spcAft>
+                        <a:buFont typeface="Wingdings" panose="05000000000000000000" pitchFamily="2" charset="2"/>
+                        <a:defRPr sz="1400">
+                          <a:solidFill>
+                            <a:schemeClr val="tx1"/>
+                          </a:solidFill>
+                          <a:latin typeface="Arial" panose="020B0604020202020204" pitchFamily="34" charset="0"/>
+                          <a:cs typeface="Times New Roman" panose="02020603050405020304" pitchFamily="18" charset="0"/>
+                        </a:defRPr>
+                      </a:lvl8pPr>
+                      <a:lvl9pPr fontAlgn="base">
+                        <a:spcBef>
+                          <a:spcPct val="20000"/>
+                        </a:spcBef>
+                        <a:spcAft>
+                          <a:spcPct val="0"/>
+                        </a:spcAft>
+                        <a:buFont typeface="Wingdings" panose="05000000000000000000" pitchFamily="2" charset="2"/>
+                        <a:defRPr sz="1400">
+                          <a:solidFill>
+                            <a:schemeClr val="tx1"/>
+                          </a:solidFill>
+                          <a:latin typeface="Arial" panose="020B0604020202020204" pitchFamily="34" charset="0"/>
+                          <a:cs typeface="Times New Roman" panose="02020603050405020304" pitchFamily="18" charset="0"/>
+                        </a:defRPr>
+                      </a:lvl9pPr>
+                    </a:lstStyle>
+                    <a:p>
+                      <a:pPr marL="0" marR="0" lvl="0" indent="0" algn="l" defTabSz="914400" rtl="0" eaLnBrk="1" fontAlgn="base" latinLnBrk="0" hangingPunct="1">
+                        <a:lnSpc>
+                          <a:spcPct val="100000"/>
+                        </a:lnSpc>
+                        <a:spcBef>
+                          <a:spcPct val="20000"/>
+                        </a:spcBef>
+                        <a:spcAft>
+                          <a:spcPct val="0"/>
+                        </a:spcAft>
+                        <a:buClrTx/>
+                        <a:buSzTx/>
+                        <a:buFont typeface="Wingdings" panose="05000000000000000000" pitchFamily="2" charset="2"/>
+                        <a:buNone/>
+                        <a:tabLst/>
+                      </a:pPr>
+                      <a:endParaRPr kumimoji="0" lang="zh-CN" altLang="zh-CN" sz="1200" b="0" i="0" u="none" strike="noStrike" cap="none" normalizeH="0" baseline="0" smtClean="0">
+                        <a:ln>
+                          <a:noFill/>
+                        </a:ln>
+                        <a:solidFill>
+                          <a:schemeClr val="tx2"/>
+                        </a:solidFill>
+                        <a:effectLst/>
+                        <a:latin typeface="Arial" panose="020B0604020202020204" pitchFamily="34" charset="0"/>
+                        <a:cs typeface="Times New Roman" panose="02020603050405020304" pitchFamily="18" charset="0"/>
+                      </a:endParaRPr>
+                    </a:p>
+                  </a:txBody>
+                  <a:tcPr horzOverflow="overflow">
+                    <a:lnL w="12700" cap="flat" cmpd="sng" algn="ctr">
+                      <a:solidFill>
+                        <a:schemeClr val="tx1"/>
+                      </a:solidFill>
+                      <a:prstDash val="solid"/>
+                      <a:round/>
+                      <a:headEnd type="none" w="med" len="med"/>
+                      <a:tailEnd type="none" w="med" len="med"/>
+                    </a:lnL>
+                    <a:lnR w="28575" cap="flat" cmpd="sng" algn="ctr">
+                      <a:solidFill>
+                        <a:schemeClr val="tx1"/>
+                      </a:solidFill>
+                      <a:prstDash val="solid"/>
+                      <a:round/>
+                      <a:headEnd type="none" w="med" len="med"/>
+                      <a:tailEnd type="none" w="med" len="med"/>
+                    </a:lnR>
+                    <a:lnT w="12700" cap="flat" cmpd="sng" algn="ctr">
+                      <a:solidFill>
+                        <a:schemeClr val="tx1"/>
+                      </a:solidFill>
+                      <a:prstDash val="solid"/>
+                      <a:round/>
+                      <a:headEnd type="none" w="med" len="med"/>
+                      <a:tailEnd type="none" w="med" len="med"/>
+                    </a:lnT>
+                    <a:lnB w="12700" cap="flat" cmpd="sng" algn="ctr">
+                      <a:solidFill>
+                        <a:schemeClr val="tx1"/>
+                      </a:solidFill>
+                      <a:prstDash val="solid"/>
+                      <a:round/>
+                      <a:headEnd type="none" w="med" len="med"/>
+                      <a:tailEnd type="none" w="med" len="med"/>
+                    </a:lnB>
+                    <a:lnTlToBr>
+                      <a:noFill/>
+                    </a:lnTlToBr>
+                    <a:lnBlToTr>
+                      <a:noFill/>
+                    </a:lnBlToTr>
+                    <a:noFill/>
+                  </a:tcPr>
+                </a:tc>
+              </a:tr>
+              <a:tr h="282575">
+                <a:tc>
+                  <a:txBody>
+                    <a:bodyPr/>
+                    <a:lstStyle>
+                      <a:lvl1pPr>
+                        <a:spcBef>
+                          <a:spcPct val="20000"/>
+                        </a:spcBef>
+                        <a:buFont typeface="Wingdings" panose="05000000000000000000" pitchFamily="2" charset="2"/>
+                        <a:defRPr sz="2400">
+                          <a:solidFill>
+                            <a:schemeClr val="tx2"/>
+                          </a:solidFill>
+                          <a:latin typeface="Arial" panose="020B0604020202020204" pitchFamily="34" charset="0"/>
+                          <a:cs typeface="Times New Roman" panose="02020603050405020304" pitchFamily="18" charset="0"/>
+                        </a:defRPr>
+                      </a:lvl1pPr>
+                      <a:lvl2pPr>
+                        <a:spcBef>
+                          <a:spcPct val="20000"/>
+                        </a:spcBef>
+                        <a:buFont typeface="Wingdings" panose="05000000000000000000" pitchFamily="2" charset="2"/>
+                        <a:defRPr sz="2000">
+                          <a:solidFill>
+                            <a:schemeClr val="tx1"/>
+                          </a:solidFill>
+                          <a:latin typeface="Arial" panose="020B0604020202020204" pitchFamily="34" charset="0"/>
+                          <a:cs typeface="Times New Roman" panose="02020603050405020304" pitchFamily="18" charset="0"/>
+                        </a:defRPr>
+                      </a:lvl2pPr>
+                      <a:lvl3pPr>
+                        <a:spcBef>
+                          <a:spcPct val="20000"/>
+                        </a:spcBef>
+                        <a:buFont typeface="Wingdings" panose="05000000000000000000" pitchFamily="2" charset="2"/>
+                        <a:defRPr>
+                          <a:solidFill>
+                            <a:schemeClr val="tx1"/>
+                          </a:solidFill>
+                          <a:latin typeface="Arial" panose="020B0604020202020204" pitchFamily="34" charset="0"/>
+                          <a:cs typeface="Times New Roman" panose="02020603050405020304" pitchFamily="18" charset="0"/>
+                        </a:defRPr>
+                      </a:lvl3pPr>
+                      <a:lvl4pPr>
+                        <a:spcBef>
+                          <a:spcPct val="20000"/>
+                        </a:spcBef>
+                        <a:buFont typeface="Wingdings" panose="05000000000000000000" pitchFamily="2" charset="2"/>
+                        <a:defRPr sz="1600">
+                          <a:solidFill>
+                            <a:schemeClr val="tx1"/>
+                          </a:solidFill>
+                          <a:latin typeface="Arial" panose="020B0604020202020204" pitchFamily="34" charset="0"/>
+                          <a:cs typeface="Times New Roman" panose="02020603050405020304" pitchFamily="18" charset="0"/>
+                        </a:defRPr>
+                      </a:lvl4pPr>
+                      <a:lvl5pPr>
+                        <a:spcBef>
+                          <a:spcPct val="20000"/>
+                        </a:spcBef>
+                        <a:buFont typeface="Wingdings" panose="05000000000000000000" pitchFamily="2" charset="2"/>
+                        <a:defRPr sz="1400">
+                          <a:solidFill>
+                            <a:schemeClr val="tx1"/>
+                          </a:solidFill>
+                          <a:latin typeface="Arial" panose="020B0604020202020204" pitchFamily="34" charset="0"/>
+                          <a:cs typeface="Times New Roman" panose="02020603050405020304" pitchFamily="18" charset="0"/>
+                        </a:defRPr>
+                      </a:lvl5pPr>
+                      <a:lvl6pPr fontAlgn="base">
+                        <a:spcBef>
+                          <a:spcPct val="20000"/>
+                        </a:spcBef>
+                        <a:spcAft>
+                          <a:spcPct val="0"/>
+                        </a:spcAft>
+                        <a:buFont typeface="Wingdings" panose="05000000000000000000" pitchFamily="2" charset="2"/>
+                        <a:defRPr sz="1400">
+                          <a:solidFill>
+                            <a:schemeClr val="tx1"/>
+                          </a:solidFill>
+                          <a:latin typeface="Arial" panose="020B0604020202020204" pitchFamily="34" charset="0"/>
+                          <a:cs typeface="Times New Roman" panose="02020603050405020304" pitchFamily="18" charset="0"/>
+                        </a:defRPr>
+                      </a:lvl6pPr>
+                      <a:lvl7pPr fontAlgn="base">
+                        <a:spcBef>
+                          <a:spcPct val="20000"/>
+                        </a:spcBef>
+                        <a:spcAft>
+                          <a:spcPct val="0"/>
+                        </a:spcAft>
+                        <a:buFont typeface="Wingdings" panose="05000000000000000000" pitchFamily="2" charset="2"/>
+                        <a:defRPr sz="1400">
+                          <a:solidFill>
+                            <a:schemeClr val="tx1"/>
+                          </a:solidFill>
+                          <a:latin typeface="Arial" panose="020B0604020202020204" pitchFamily="34" charset="0"/>
+                          <a:cs typeface="Times New Roman" panose="02020603050405020304" pitchFamily="18" charset="0"/>
+                        </a:defRPr>
+                      </a:lvl7pPr>
+                      <a:lvl8pPr fontAlgn="base">
+                        <a:spcBef>
+                          <a:spcPct val="20000"/>
+                        </a:spcBef>
+                        <a:spcAft>
+                          <a:spcPct val="0"/>
+                        </a:spcAft>
+                        <a:buFont typeface="Wingdings" panose="05000000000000000000" pitchFamily="2" charset="2"/>
+                        <a:defRPr sz="1400">
+                          <a:solidFill>
+                            <a:schemeClr val="tx1"/>
+                          </a:solidFill>
+                          <a:latin typeface="Arial" panose="020B0604020202020204" pitchFamily="34" charset="0"/>
+                          <a:cs typeface="Times New Roman" panose="02020603050405020304" pitchFamily="18" charset="0"/>
+                        </a:defRPr>
+                      </a:lvl8pPr>
+                      <a:lvl9pPr fontAlgn="base">
+                        <a:spcBef>
+                          <a:spcPct val="20000"/>
+                        </a:spcBef>
+                        <a:spcAft>
+                          <a:spcPct val="0"/>
+                        </a:spcAft>
+                        <a:buFont typeface="Wingdings" panose="05000000000000000000" pitchFamily="2" charset="2"/>
+                        <a:defRPr sz="1400">
+                          <a:solidFill>
+                            <a:schemeClr val="tx1"/>
+                          </a:solidFill>
+                          <a:latin typeface="Arial" panose="020B0604020202020204" pitchFamily="34" charset="0"/>
+                          <a:cs typeface="Times New Roman" panose="02020603050405020304" pitchFamily="18" charset="0"/>
+                        </a:defRPr>
+                      </a:lvl9pPr>
+                    </a:lstStyle>
+                    <a:p>
+                      <a:pPr marL="0" marR="0" lvl="0" indent="0" algn="l" defTabSz="914400" rtl="0" eaLnBrk="1" fontAlgn="base" latinLnBrk="0" hangingPunct="1">
+                        <a:lnSpc>
+                          <a:spcPct val="100000"/>
+                        </a:lnSpc>
+                        <a:spcBef>
+                          <a:spcPct val="20000"/>
+                        </a:spcBef>
+                        <a:spcAft>
+                          <a:spcPct val="0"/>
+                        </a:spcAft>
+                        <a:buClrTx/>
+                        <a:buSzTx/>
+                        <a:buFont typeface="Wingdings" panose="05000000000000000000" pitchFamily="2" charset="2"/>
+                        <a:buNone/>
+                        <a:tabLst/>
+                      </a:pPr>
+                      <a:r>
+                        <a:rPr kumimoji="0" lang="en-US" altLang="zh-CN" sz="1200" b="1" i="0" u="none" strike="noStrike" cap="none" normalizeH="0" baseline="0" smtClean="0">
+                          <a:ln>
+                            <a:noFill/>
+                          </a:ln>
+                          <a:solidFill>
+                            <a:schemeClr val="tx2"/>
+                          </a:solidFill>
+                          <a:effectLst/>
+                          <a:latin typeface="Arial" panose="020B0604020202020204" pitchFamily="34" charset="0"/>
+                          <a:ea typeface="宋体" panose="02010600030101010101" pitchFamily="2" charset="-122"/>
+                          <a:cs typeface="Times New Roman" panose="02020603050405020304" pitchFamily="18" charset="0"/>
+                        </a:rPr>
+                        <a:t>2</a:t>
+                      </a:r>
+                    </a:p>
+                  </a:txBody>
+                  <a:tcPr horzOverflow="overflow">
+                    <a:lnL w="28575" cap="flat" cmpd="sng" algn="ctr">
+                      <a:solidFill>
+                        <a:schemeClr val="tx1"/>
+                      </a:solidFill>
+                      <a:prstDash val="solid"/>
+                      <a:round/>
+                      <a:headEnd type="none" w="med" len="med"/>
+                      <a:tailEnd type="none" w="med" len="med"/>
+                    </a:lnL>
+                    <a:lnR w="12700" cap="flat" cmpd="sng" algn="ctr">
+                      <a:solidFill>
+                        <a:schemeClr val="tx1"/>
+                      </a:solidFill>
+                      <a:prstDash val="solid"/>
+                      <a:round/>
+                      <a:headEnd type="none" w="med" len="med"/>
+                      <a:tailEnd type="none" w="med" len="med"/>
+                    </a:lnR>
+                    <a:lnT w="12700" cap="flat" cmpd="sng" algn="ctr">
+                      <a:solidFill>
+                        <a:schemeClr val="tx1"/>
+                      </a:solidFill>
+                      <a:prstDash val="solid"/>
+                      <a:round/>
+                      <a:headEnd type="none" w="med" len="med"/>
+                      <a:tailEnd type="none" w="med" len="med"/>
+                    </a:lnT>
+                    <a:lnB w="12700" cap="flat" cmpd="sng" algn="ctr">
+                      <a:solidFill>
+                        <a:schemeClr val="tx1"/>
+                      </a:solidFill>
+                      <a:prstDash val="solid"/>
+                      <a:round/>
+                      <a:headEnd type="none" w="med" len="med"/>
+                      <a:tailEnd type="none" w="med" len="med"/>
+                    </a:lnB>
+                    <a:lnTlToBr>
+                      <a:noFill/>
+                    </a:lnTlToBr>
+                    <a:lnBlToTr>
+                      <a:noFill/>
+                    </a:lnBlToTr>
+                    <a:noFill/>
+                  </a:tcPr>
+                </a:tc>
+                <a:tc>
+                  <a:txBody>
+                    <a:bodyPr/>
+                    <a:lstStyle>
+                      <a:lvl1pPr>
+                        <a:spcBef>
+                          <a:spcPct val="20000"/>
+                        </a:spcBef>
+                        <a:buFont typeface="Wingdings" panose="05000000000000000000" pitchFamily="2" charset="2"/>
+                        <a:defRPr sz="2400">
+                          <a:solidFill>
+                            <a:schemeClr val="tx2"/>
+                          </a:solidFill>
+                          <a:latin typeface="Arial" panose="020B0604020202020204" pitchFamily="34" charset="0"/>
+                          <a:cs typeface="Times New Roman" panose="02020603050405020304" pitchFamily="18" charset="0"/>
+                        </a:defRPr>
+                      </a:lvl1pPr>
+                      <a:lvl2pPr>
+                        <a:spcBef>
+                          <a:spcPct val="20000"/>
+                        </a:spcBef>
+                        <a:buFont typeface="Wingdings" panose="05000000000000000000" pitchFamily="2" charset="2"/>
+                        <a:defRPr sz="2000">
+                          <a:solidFill>
+                            <a:schemeClr val="tx1"/>
+                          </a:solidFill>
+                          <a:latin typeface="Arial" panose="020B0604020202020204" pitchFamily="34" charset="0"/>
+                          <a:cs typeface="Times New Roman" panose="02020603050405020304" pitchFamily="18" charset="0"/>
+                        </a:defRPr>
+                      </a:lvl2pPr>
+                      <a:lvl3pPr>
+                        <a:spcBef>
+                          <a:spcPct val="20000"/>
+                        </a:spcBef>
+                        <a:buFont typeface="Wingdings" panose="05000000000000000000" pitchFamily="2" charset="2"/>
+                        <a:defRPr>
+                          <a:solidFill>
+                            <a:schemeClr val="tx1"/>
+                          </a:solidFill>
+                          <a:latin typeface="Arial" panose="020B0604020202020204" pitchFamily="34" charset="0"/>
+                          <a:cs typeface="Times New Roman" panose="02020603050405020304" pitchFamily="18" charset="0"/>
+                        </a:defRPr>
+                      </a:lvl3pPr>
+                      <a:lvl4pPr>
+                        <a:spcBef>
+                          <a:spcPct val="20000"/>
+                        </a:spcBef>
+                        <a:buFont typeface="Wingdings" panose="05000000000000000000" pitchFamily="2" charset="2"/>
+                        <a:defRPr sz="1600">
+                          <a:solidFill>
+                            <a:schemeClr val="tx1"/>
+                          </a:solidFill>
+                          <a:latin typeface="Arial" panose="020B0604020202020204" pitchFamily="34" charset="0"/>
+                          <a:cs typeface="Times New Roman" panose="02020603050405020304" pitchFamily="18" charset="0"/>
+                        </a:defRPr>
+                      </a:lvl4pPr>
+                      <a:lvl5pPr>
+                        <a:spcBef>
+                          <a:spcPct val="20000"/>
+                        </a:spcBef>
+                        <a:buFont typeface="Wingdings" panose="05000000000000000000" pitchFamily="2" charset="2"/>
+                        <a:defRPr sz="1400">
+                          <a:solidFill>
+                            <a:schemeClr val="tx1"/>
+                          </a:solidFill>
+                          <a:latin typeface="Arial" panose="020B0604020202020204" pitchFamily="34" charset="0"/>
+                          <a:cs typeface="Times New Roman" panose="02020603050405020304" pitchFamily="18" charset="0"/>
+                        </a:defRPr>
+                      </a:lvl5pPr>
+                      <a:lvl6pPr fontAlgn="base">
+                        <a:spcBef>
+                          <a:spcPct val="20000"/>
+                        </a:spcBef>
+                        <a:spcAft>
+                          <a:spcPct val="0"/>
+                        </a:spcAft>
+                        <a:buFont typeface="Wingdings" panose="05000000000000000000" pitchFamily="2" charset="2"/>
+                        <a:defRPr sz="1400">
+                          <a:solidFill>
+                            <a:schemeClr val="tx1"/>
+                          </a:solidFill>
+                          <a:latin typeface="Arial" panose="020B0604020202020204" pitchFamily="34" charset="0"/>
+                          <a:cs typeface="Times New Roman" panose="02020603050405020304" pitchFamily="18" charset="0"/>
+                        </a:defRPr>
+                      </a:lvl6pPr>
+                      <a:lvl7pPr fontAlgn="base">
+                        <a:spcBef>
+                          <a:spcPct val="20000"/>
+                        </a:spcBef>
+                        <a:spcAft>
+                          <a:spcPct val="0"/>
+                        </a:spcAft>
+                        <a:buFont typeface="Wingdings" panose="05000000000000000000" pitchFamily="2" charset="2"/>
+                        <a:defRPr sz="1400">
+                          <a:solidFill>
+                            <a:schemeClr val="tx1"/>
+                          </a:solidFill>
+                          <a:latin typeface="Arial" panose="020B0604020202020204" pitchFamily="34" charset="0"/>
+                          <a:cs typeface="Times New Roman" panose="02020603050405020304" pitchFamily="18" charset="0"/>
+                        </a:defRPr>
+                      </a:lvl7pPr>
+                      <a:lvl8pPr fontAlgn="base">
+                        <a:spcBef>
+                          <a:spcPct val="20000"/>
+                        </a:spcBef>
+                        <a:spcAft>
+                          <a:spcPct val="0"/>
+                        </a:spcAft>
+                        <a:buFont typeface="Wingdings" panose="05000000000000000000" pitchFamily="2" charset="2"/>
+                        <a:defRPr sz="1400">
+                          <a:solidFill>
+                            <a:schemeClr val="tx1"/>
+                          </a:solidFill>
+                          <a:latin typeface="Arial" panose="020B0604020202020204" pitchFamily="34" charset="0"/>
+                          <a:cs typeface="Times New Roman" panose="02020603050405020304" pitchFamily="18" charset="0"/>
+                        </a:defRPr>
+                      </a:lvl8pPr>
+                      <a:lvl9pPr fontAlgn="base">
+                        <a:spcBef>
+                          <a:spcPct val="20000"/>
+                        </a:spcBef>
+                        <a:spcAft>
+                          <a:spcPct val="0"/>
+                        </a:spcAft>
+                        <a:buFont typeface="Wingdings" panose="05000000000000000000" pitchFamily="2" charset="2"/>
+                        <a:defRPr sz="1400">
+                          <a:solidFill>
+                            <a:schemeClr val="tx1"/>
+                          </a:solidFill>
+                          <a:latin typeface="Arial" panose="020B0604020202020204" pitchFamily="34" charset="0"/>
+                          <a:cs typeface="Times New Roman" panose="02020603050405020304" pitchFamily="18" charset="0"/>
+                        </a:defRPr>
+                      </a:lvl9pPr>
+                    </a:lstStyle>
+                    <a:p>
+                      <a:pPr marL="0" marR="0" lvl="0" indent="0" algn="l" defTabSz="914400" rtl="0" eaLnBrk="1" fontAlgn="base" latinLnBrk="0" hangingPunct="1">
+                        <a:lnSpc>
+                          <a:spcPct val="100000"/>
+                        </a:lnSpc>
+                        <a:spcBef>
+                          <a:spcPct val="20000"/>
+                        </a:spcBef>
+                        <a:spcAft>
+                          <a:spcPct val="0"/>
+                        </a:spcAft>
+                        <a:buClrTx/>
+                        <a:buSzTx/>
+                        <a:buFont typeface="Wingdings" panose="05000000000000000000" pitchFamily="2" charset="2"/>
+                        <a:buNone/>
+                        <a:tabLst/>
+                      </a:pPr>
+                      <a:endParaRPr kumimoji="0" lang="zh-CN" altLang="zh-CN" sz="1200" b="0" i="0" u="none" strike="noStrike" cap="none" normalizeH="0" baseline="0" smtClean="0">
+                        <a:ln>
+                          <a:noFill/>
+                        </a:ln>
+                        <a:solidFill>
+                          <a:schemeClr val="tx2"/>
+                        </a:solidFill>
+                        <a:effectLst/>
+                        <a:latin typeface="Arial" panose="020B0604020202020204" pitchFamily="34" charset="0"/>
+                        <a:cs typeface="Times New Roman" panose="02020603050405020304" pitchFamily="18" charset="0"/>
+                      </a:endParaRPr>
+                    </a:p>
+                  </a:txBody>
+                  <a:tcPr horzOverflow="overflow">
+                    <a:lnL w="12700" cap="flat" cmpd="sng" algn="ctr">
+                      <a:solidFill>
+                        <a:schemeClr val="tx1"/>
+                      </a:solidFill>
+                      <a:prstDash val="solid"/>
+                      <a:round/>
+                      <a:headEnd type="none" w="med" len="med"/>
+                      <a:tailEnd type="none" w="med" len="med"/>
+                    </a:lnL>
+                    <a:lnR w="28575" cap="flat" cmpd="sng" algn="ctr">
+                      <a:solidFill>
+                        <a:schemeClr val="tx1"/>
+                      </a:solidFill>
+                      <a:prstDash val="solid"/>
+                      <a:round/>
+                      <a:headEnd type="none" w="med" len="med"/>
+                      <a:tailEnd type="none" w="med" len="med"/>
+                    </a:lnR>
+                    <a:lnT w="12700" cap="flat" cmpd="sng" algn="ctr">
+                      <a:solidFill>
+                        <a:schemeClr val="tx1"/>
+                      </a:solidFill>
+                      <a:prstDash val="solid"/>
+                      <a:round/>
+                      <a:headEnd type="none" w="med" len="med"/>
+                      <a:tailEnd type="none" w="med" len="med"/>
+                    </a:lnT>
+                    <a:lnB w="12700" cap="flat" cmpd="sng" algn="ctr">
+                      <a:solidFill>
+                        <a:schemeClr val="tx1"/>
+                      </a:solidFill>
+                      <a:prstDash val="solid"/>
+                      <a:round/>
+                      <a:headEnd type="none" w="med" len="med"/>
+                      <a:tailEnd type="none" w="med" len="med"/>
+                    </a:lnB>
+                    <a:lnTlToBr>
+                      <a:noFill/>
+                    </a:lnTlToBr>
+                    <a:lnBlToTr>
+                      <a:noFill/>
+                    </a:lnBlToTr>
+                    <a:noFill/>
+                  </a:tcPr>
+                </a:tc>
+              </a:tr>
+              <a:tr h="282575">
+                <a:tc>
+                  <a:txBody>
+                    <a:bodyPr/>
+                    <a:lstStyle>
+                      <a:lvl1pPr>
+                        <a:spcBef>
+                          <a:spcPct val="20000"/>
+                        </a:spcBef>
+                        <a:buFont typeface="Wingdings" panose="05000000000000000000" pitchFamily="2" charset="2"/>
+                        <a:defRPr sz="2400">
+                          <a:solidFill>
+                            <a:schemeClr val="tx2"/>
+                          </a:solidFill>
+                          <a:latin typeface="Arial" panose="020B0604020202020204" pitchFamily="34" charset="0"/>
+                          <a:cs typeface="Times New Roman" panose="02020603050405020304" pitchFamily="18" charset="0"/>
+                        </a:defRPr>
+                      </a:lvl1pPr>
+                      <a:lvl2pPr>
+                        <a:spcBef>
+                          <a:spcPct val="20000"/>
+                        </a:spcBef>
+                        <a:buFont typeface="Wingdings" panose="05000000000000000000" pitchFamily="2" charset="2"/>
+                        <a:defRPr sz="2000">
+                          <a:solidFill>
+                            <a:schemeClr val="tx1"/>
+                          </a:solidFill>
+                          <a:latin typeface="Arial" panose="020B0604020202020204" pitchFamily="34" charset="0"/>
+                          <a:cs typeface="Times New Roman" panose="02020603050405020304" pitchFamily="18" charset="0"/>
+                        </a:defRPr>
+                      </a:lvl2pPr>
+                      <a:lvl3pPr>
+                        <a:spcBef>
+                          <a:spcPct val="20000"/>
+                        </a:spcBef>
+                        <a:buFont typeface="Wingdings" panose="05000000000000000000" pitchFamily="2" charset="2"/>
+                        <a:defRPr>
+                          <a:solidFill>
+                            <a:schemeClr val="tx1"/>
+                          </a:solidFill>
+                          <a:latin typeface="Arial" panose="020B0604020202020204" pitchFamily="34" charset="0"/>
+                          <a:cs typeface="Times New Roman" panose="02020603050405020304" pitchFamily="18" charset="0"/>
+                        </a:defRPr>
+                      </a:lvl3pPr>
+                      <a:lvl4pPr>
+                        <a:spcBef>
+                          <a:spcPct val="20000"/>
+                        </a:spcBef>
+                        <a:buFont typeface="Wingdings" panose="05000000000000000000" pitchFamily="2" charset="2"/>
+                        <a:defRPr sz="1600">
+                          <a:solidFill>
+                            <a:schemeClr val="tx1"/>
+                          </a:solidFill>
+                          <a:latin typeface="Arial" panose="020B0604020202020204" pitchFamily="34" charset="0"/>
+                          <a:cs typeface="Times New Roman" panose="02020603050405020304" pitchFamily="18" charset="0"/>
+                        </a:defRPr>
+                      </a:lvl4pPr>
+                      <a:lvl5pPr>
+                        <a:spcBef>
+                          <a:spcPct val="20000"/>
+                        </a:spcBef>
+                        <a:buFont typeface="Wingdings" panose="05000000000000000000" pitchFamily="2" charset="2"/>
+                        <a:defRPr sz="1400">
+                          <a:solidFill>
+                            <a:schemeClr val="tx1"/>
+                          </a:solidFill>
+                          <a:latin typeface="Arial" panose="020B0604020202020204" pitchFamily="34" charset="0"/>
+                          <a:cs typeface="Times New Roman" panose="02020603050405020304" pitchFamily="18" charset="0"/>
+                        </a:defRPr>
+                      </a:lvl5pPr>
+                      <a:lvl6pPr fontAlgn="base">
+                        <a:spcBef>
+                          <a:spcPct val="20000"/>
+                        </a:spcBef>
+                        <a:spcAft>
+                          <a:spcPct val="0"/>
+                        </a:spcAft>
+                        <a:buFont typeface="Wingdings" panose="05000000000000000000" pitchFamily="2" charset="2"/>
+                        <a:defRPr sz="1400">
+                          <a:solidFill>
+                            <a:schemeClr val="tx1"/>
+                          </a:solidFill>
+                          <a:latin typeface="Arial" panose="020B0604020202020204" pitchFamily="34" charset="0"/>
+                          <a:cs typeface="Times New Roman" panose="02020603050405020304" pitchFamily="18" charset="0"/>
+                        </a:defRPr>
+                      </a:lvl6pPr>
+                      <a:lvl7pPr fontAlgn="base">
+                        <a:spcBef>
+                          <a:spcPct val="20000"/>
+                        </a:spcBef>
+                        <a:spcAft>
+                          <a:spcPct val="0"/>
+                        </a:spcAft>
+                        <a:buFont typeface="Wingdings" panose="05000000000000000000" pitchFamily="2" charset="2"/>
+                        <a:defRPr sz="1400">
+                          <a:solidFill>
+                            <a:schemeClr val="tx1"/>
+                          </a:solidFill>
+                          <a:latin typeface="Arial" panose="020B0604020202020204" pitchFamily="34" charset="0"/>
+                          <a:cs typeface="Times New Roman" panose="02020603050405020304" pitchFamily="18" charset="0"/>
+                        </a:defRPr>
+                      </a:lvl7pPr>
+                      <a:lvl8pPr fontAlgn="base">
+                        <a:spcBef>
+                          <a:spcPct val="20000"/>
+                        </a:spcBef>
+                        <a:spcAft>
+                          <a:spcPct val="0"/>
+                        </a:spcAft>
+                        <a:buFont typeface="Wingdings" panose="05000000000000000000" pitchFamily="2" charset="2"/>
+                        <a:defRPr sz="1400">
+                          <a:solidFill>
+                            <a:schemeClr val="tx1"/>
+                          </a:solidFill>
+                          <a:latin typeface="Arial" panose="020B0604020202020204" pitchFamily="34" charset="0"/>
+                          <a:cs typeface="Times New Roman" panose="02020603050405020304" pitchFamily="18" charset="0"/>
+                        </a:defRPr>
+                      </a:lvl8pPr>
+                      <a:lvl9pPr fontAlgn="base">
+                        <a:spcBef>
+                          <a:spcPct val="20000"/>
+                        </a:spcBef>
+                        <a:spcAft>
+                          <a:spcPct val="0"/>
+                        </a:spcAft>
+                        <a:buFont typeface="Wingdings" panose="05000000000000000000" pitchFamily="2" charset="2"/>
+                        <a:defRPr sz="1400">
+                          <a:solidFill>
+                            <a:schemeClr val="tx1"/>
+                          </a:solidFill>
+                          <a:latin typeface="Arial" panose="020B0604020202020204" pitchFamily="34" charset="0"/>
+                          <a:cs typeface="Times New Roman" panose="02020603050405020304" pitchFamily="18" charset="0"/>
+                        </a:defRPr>
+                      </a:lvl9pPr>
+                    </a:lstStyle>
+                    <a:p>
+                      <a:pPr marL="0" marR="0" lvl="0" indent="0" algn="l" defTabSz="914400" rtl="0" eaLnBrk="1" fontAlgn="base" latinLnBrk="0" hangingPunct="1">
+                        <a:lnSpc>
+                          <a:spcPct val="100000"/>
+                        </a:lnSpc>
+                        <a:spcBef>
+                          <a:spcPct val="20000"/>
+                        </a:spcBef>
+                        <a:spcAft>
+                          <a:spcPct val="0"/>
+                        </a:spcAft>
+                        <a:buClrTx/>
+                        <a:buSzTx/>
+                        <a:buFont typeface="Wingdings" panose="05000000000000000000" pitchFamily="2" charset="2"/>
+                        <a:buNone/>
+                        <a:tabLst/>
+                      </a:pPr>
+                      <a:r>
+                        <a:rPr kumimoji="0" lang="en-US" altLang="zh-CN" sz="1200" b="1" i="0" u="none" strike="noStrike" cap="none" normalizeH="0" baseline="0" smtClean="0">
+                          <a:ln>
+                            <a:noFill/>
+                          </a:ln>
+                          <a:solidFill>
+                            <a:schemeClr val="tx2"/>
+                          </a:solidFill>
+                          <a:effectLst/>
+                          <a:latin typeface="Arial" panose="020B0604020202020204" pitchFamily="34" charset="0"/>
+                          <a:ea typeface="宋体" panose="02010600030101010101" pitchFamily="2" charset="-122"/>
+                          <a:cs typeface="Times New Roman" panose="02020603050405020304" pitchFamily="18" charset="0"/>
+                        </a:rPr>
+                        <a:t>3</a:t>
+                      </a:r>
+                    </a:p>
+                  </a:txBody>
+                  <a:tcPr horzOverflow="overflow">
+                    <a:lnL w="28575" cap="flat" cmpd="sng" algn="ctr">
+                      <a:solidFill>
+                        <a:schemeClr val="tx1"/>
+                      </a:solidFill>
+                      <a:prstDash val="solid"/>
+                      <a:round/>
+                      <a:headEnd type="none" w="med" len="med"/>
+                      <a:tailEnd type="none" w="med" len="med"/>
+                    </a:lnL>
+                    <a:lnR w="12700" cap="flat" cmpd="sng" algn="ctr">
+                      <a:solidFill>
+                        <a:schemeClr val="tx1"/>
+                      </a:solidFill>
+                      <a:prstDash val="solid"/>
+                      <a:round/>
+                      <a:headEnd type="none" w="med" len="med"/>
+                      <a:tailEnd type="none" w="med" len="med"/>
+                    </a:lnR>
+                    <a:lnT w="12700" cap="flat" cmpd="sng" algn="ctr">
+                      <a:solidFill>
+                        <a:schemeClr val="tx1"/>
+                      </a:solidFill>
+                      <a:prstDash val="solid"/>
+                      <a:round/>
+                      <a:headEnd type="none" w="med" len="med"/>
+                      <a:tailEnd type="none" w="med" len="med"/>
+                    </a:lnT>
+                    <a:lnB w="12700" cap="flat" cmpd="sng" algn="ctr">
+                      <a:solidFill>
+                        <a:schemeClr val="tx1"/>
+                      </a:solidFill>
+                      <a:prstDash val="solid"/>
+                      <a:round/>
+                      <a:headEnd type="none" w="med" len="med"/>
+                      <a:tailEnd type="none" w="med" len="med"/>
+                    </a:lnB>
+                    <a:lnTlToBr>
+                      <a:noFill/>
+                    </a:lnTlToBr>
+                    <a:lnBlToTr>
+                      <a:noFill/>
+                    </a:lnBlToTr>
+                    <a:noFill/>
+                  </a:tcPr>
+                </a:tc>
+                <a:tc>
+                  <a:txBody>
+                    <a:bodyPr/>
+                    <a:lstStyle>
+                      <a:lvl1pPr>
+                        <a:spcBef>
+                          <a:spcPct val="20000"/>
+                        </a:spcBef>
+                        <a:buFont typeface="Wingdings" panose="05000000000000000000" pitchFamily="2" charset="2"/>
+                        <a:defRPr sz="2400">
+                          <a:solidFill>
+                            <a:schemeClr val="tx2"/>
+                          </a:solidFill>
+                          <a:latin typeface="Arial" panose="020B0604020202020204" pitchFamily="34" charset="0"/>
+                          <a:cs typeface="Times New Roman" panose="02020603050405020304" pitchFamily="18" charset="0"/>
+                        </a:defRPr>
+                      </a:lvl1pPr>
+                      <a:lvl2pPr>
+                        <a:spcBef>
+                          <a:spcPct val="20000"/>
+                        </a:spcBef>
+                        <a:buFont typeface="Wingdings" panose="05000000000000000000" pitchFamily="2" charset="2"/>
+                        <a:defRPr sz="2000">
+                          <a:solidFill>
+                            <a:schemeClr val="tx1"/>
+                          </a:solidFill>
+                          <a:latin typeface="Arial" panose="020B0604020202020204" pitchFamily="34" charset="0"/>
+                          <a:cs typeface="Times New Roman" panose="02020603050405020304" pitchFamily="18" charset="0"/>
+                        </a:defRPr>
+                      </a:lvl2pPr>
+                      <a:lvl3pPr>
+                        <a:spcBef>
+                          <a:spcPct val="20000"/>
+                        </a:spcBef>
+                        <a:buFont typeface="Wingdings" panose="05000000000000000000" pitchFamily="2" charset="2"/>
+                        <a:defRPr>
+                          <a:solidFill>
+                            <a:schemeClr val="tx1"/>
+                          </a:solidFill>
+                          <a:latin typeface="Arial" panose="020B0604020202020204" pitchFamily="34" charset="0"/>
+                          <a:cs typeface="Times New Roman" panose="02020603050405020304" pitchFamily="18" charset="0"/>
+                        </a:defRPr>
+                      </a:lvl3pPr>
+                      <a:lvl4pPr>
+                        <a:spcBef>
+                          <a:spcPct val="20000"/>
+                        </a:spcBef>
+                        <a:buFont typeface="Wingdings" panose="05000000000000000000" pitchFamily="2" charset="2"/>
+                        <a:defRPr sz="1600">
+                          <a:solidFill>
+                            <a:schemeClr val="tx1"/>
+                          </a:solidFill>
+                          <a:latin typeface="Arial" panose="020B0604020202020204" pitchFamily="34" charset="0"/>
+                          <a:cs typeface="Times New Roman" panose="02020603050405020304" pitchFamily="18" charset="0"/>
+                        </a:defRPr>
+                      </a:lvl4pPr>
+                      <a:lvl5pPr>
+                        <a:spcBef>
+                          <a:spcPct val="20000"/>
+                        </a:spcBef>
+                        <a:buFont typeface="Wingdings" panose="05000000000000000000" pitchFamily="2" charset="2"/>
+                        <a:defRPr sz="1400">
+                          <a:solidFill>
+                            <a:schemeClr val="tx1"/>
+                          </a:solidFill>
+                          <a:latin typeface="Arial" panose="020B0604020202020204" pitchFamily="34" charset="0"/>
+                          <a:cs typeface="Times New Roman" panose="02020603050405020304" pitchFamily="18" charset="0"/>
+                        </a:defRPr>
+                      </a:lvl5pPr>
+                      <a:lvl6pPr fontAlgn="base">
+                        <a:spcBef>
+                          <a:spcPct val="20000"/>
+                        </a:spcBef>
+                        <a:spcAft>
+                          <a:spcPct val="0"/>
+                        </a:spcAft>
+                        <a:buFont typeface="Wingdings" panose="05000000000000000000" pitchFamily="2" charset="2"/>
+                        <a:defRPr sz="1400">
+                          <a:solidFill>
+                            <a:schemeClr val="tx1"/>
+                          </a:solidFill>
+                          <a:latin typeface="Arial" panose="020B0604020202020204" pitchFamily="34" charset="0"/>
+                          <a:cs typeface="Times New Roman" panose="02020603050405020304" pitchFamily="18" charset="0"/>
+                        </a:defRPr>
+                      </a:lvl6pPr>
+                      <a:lvl7pPr fontAlgn="base">
+                        <a:spcBef>
+                          <a:spcPct val="20000"/>
+                        </a:spcBef>
+                        <a:spcAft>
+                          <a:spcPct val="0"/>
+                        </a:spcAft>
+                        <a:buFont typeface="Wingdings" panose="05000000000000000000" pitchFamily="2" charset="2"/>
+                        <a:defRPr sz="1400">
+                          <a:solidFill>
+                            <a:schemeClr val="tx1"/>
+                          </a:solidFill>
+                          <a:latin typeface="Arial" panose="020B0604020202020204" pitchFamily="34" charset="0"/>
+                          <a:cs typeface="Times New Roman" panose="02020603050405020304" pitchFamily="18" charset="0"/>
+                        </a:defRPr>
+                      </a:lvl7pPr>
+                      <a:lvl8pPr fontAlgn="base">
+                        <a:spcBef>
+                          <a:spcPct val="20000"/>
+                        </a:spcBef>
+                        <a:spcAft>
+                          <a:spcPct val="0"/>
+                        </a:spcAft>
+                        <a:buFont typeface="Wingdings" panose="05000000000000000000" pitchFamily="2" charset="2"/>
+                        <a:defRPr sz="1400">
+                          <a:solidFill>
+                            <a:schemeClr val="tx1"/>
+                          </a:solidFill>
+                          <a:latin typeface="Arial" panose="020B0604020202020204" pitchFamily="34" charset="0"/>
+                          <a:cs typeface="Times New Roman" panose="02020603050405020304" pitchFamily="18" charset="0"/>
+                        </a:defRPr>
+                      </a:lvl8pPr>
+                      <a:lvl9pPr fontAlgn="base">
+                        <a:spcBef>
+                          <a:spcPct val="20000"/>
+                        </a:spcBef>
+                        <a:spcAft>
+                          <a:spcPct val="0"/>
+                        </a:spcAft>
+                        <a:buFont typeface="Wingdings" panose="05000000000000000000" pitchFamily="2" charset="2"/>
+                        <a:defRPr sz="1400">
+                          <a:solidFill>
+                            <a:schemeClr val="tx1"/>
+                          </a:solidFill>
+                          <a:latin typeface="Arial" panose="020B0604020202020204" pitchFamily="34" charset="0"/>
+                          <a:cs typeface="Times New Roman" panose="02020603050405020304" pitchFamily="18" charset="0"/>
+                        </a:defRPr>
+                      </a:lvl9pPr>
+                    </a:lstStyle>
+                    <a:p>
+                      <a:pPr marL="0" marR="0" lvl="0" indent="0" algn="l" defTabSz="914400" rtl="0" eaLnBrk="1" fontAlgn="base" latinLnBrk="0" hangingPunct="1">
+                        <a:lnSpc>
+                          <a:spcPct val="100000"/>
+                        </a:lnSpc>
+                        <a:spcBef>
+                          <a:spcPct val="20000"/>
+                        </a:spcBef>
+                        <a:spcAft>
+                          <a:spcPct val="0"/>
+                        </a:spcAft>
+                        <a:buClrTx/>
+                        <a:buSzTx/>
+                        <a:buFont typeface="Wingdings" panose="05000000000000000000" pitchFamily="2" charset="2"/>
+                        <a:buNone/>
+                        <a:tabLst/>
+                      </a:pPr>
+                      <a:endParaRPr kumimoji="0" lang="zh-CN" altLang="zh-CN" sz="1200" b="0" i="0" u="none" strike="noStrike" cap="none" normalizeH="0" baseline="0" smtClean="0">
+                        <a:ln>
+                          <a:noFill/>
+                        </a:ln>
+                        <a:solidFill>
+                          <a:schemeClr val="tx2"/>
+                        </a:solidFill>
+                        <a:effectLst/>
+                        <a:latin typeface="Arial" panose="020B0604020202020204" pitchFamily="34" charset="0"/>
+                        <a:cs typeface="Times New Roman" panose="02020603050405020304" pitchFamily="18" charset="0"/>
+                      </a:endParaRPr>
+                    </a:p>
+                  </a:txBody>
+                  <a:tcPr horzOverflow="overflow">
+                    <a:lnL w="12700" cap="flat" cmpd="sng" algn="ctr">
+                      <a:solidFill>
+                        <a:schemeClr val="tx1"/>
+                      </a:solidFill>
+                      <a:prstDash val="solid"/>
+                      <a:round/>
+                      <a:headEnd type="none" w="med" len="med"/>
+                      <a:tailEnd type="none" w="med" len="med"/>
+                    </a:lnL>
+                    <a:lnR w="28575" cap="flat" cmpd="sng" algn="ctr">
+                      <a:solidFill>
+                        <a:schemeClr val="tx1"/>
+                      </a:solidFill>
+                      <a:prstDash val="solid"/>
+                      <a:round/>
+                      <a:headEnd type="none" w="med" len="med"/>
+                      <a:tailEnd type="none" w="med" len="med"/>
+                    </a:lnR>
+                    <a:lnT w="12700" cap="flat" cmpd="sng" algn="ctr">
+                      <a:solidFill>
+                        <a:schemeClr val="tx1"/>
+                      </a:solidFill>
+                      <a:prstDash val="solid"/>
+                      <a:round/>
+                      <a:headEnd type="none" w="med" len="med"/>
+                      <a:tailEnd type="none" w="med" len="med"/>
+                    </a:lnT>
+                    <a:lnB w="12700" cap="flat" cmpd="sng" algn="ctr">
+                      <a:solidFill>
+                        <a:schemeClr val="tx1"/>
+                      </a:solidFill>
+                      <a:prstDash val="solid"/>
+                      <a:round/>
+                      <a:headEnd type="none" w="med" len="med"/>
+                      <a:tailEnd type="none" w="med" len="med"/>
+                    </a:lnB>
+                    <a:lnTlToBr>
+                      <a:noFill/>
+                    </a:lnTlToBr>
+                    <a:lnBlToTr>
+                      <a:noFill/>
+                    </a:lnBlToTr>
+                    <a:noFill/>
+                  </a:tcPr>
+                </a:tc>
+              </a:tr>
+              <a:tr h="282575">
+                <a:tc>
+                  <a:txBody>
+                    <a:bodyPr/>
+                    <a:lstStyle>
+                      <a:lvl1pPr>
+                        <a:spcBef>
+                          <a:spcPct val="20000"/>
+                        </a:spcBef>
+                        <a:buFont typeface="Wingdings" panose="05000000000000000000" pitchFamily="2" charset="2"/>
+                        <a:defRPr sz="2400">
+                          <a:solidFill>
+                            <a:schemeClr val="tx2"/>
+                          </a:solidFill>
+                          <a:latin typeface="Arial" panose="020B0604020202020204" pitchFamily="34" charset="0"/>
+                          <a:cs typeface="Times New Roman" panose="02020603050405020304" pitchFamily="18" charset="0"/>
+                        </a:defRPr>
+                      </a:lvl1pPr>
+                      <a:lvl2pPr>
+                        <a:spcBef>
+                          <a:spcPct val="20000"/>
+                        </a:spcBef>
+                        <a:buFont typeface="Wingdings" panose="05000000000000000000" pitchFamily="2" charset="2"/>
+                        <a:defRPr sz="2000">
+                          <a:solidFill>
+                            <a:schemeClr val="tx1"/>
+                          </a:solidFill>
+                          <a:latin typeface="Arial" panose="020B0604020202020204" pitchFamily="34" charset="0"/>
+                          <a:cs typeface="Times New Roman" panose="02020603050405020304" pitchFamily="18" charset="0"/>
+                        </a:defRPr>
+                      </a:lvl2pPr>
+                      <a:lvl3pPr>
+                        <a:spcBef>
+                          <a:spcPct val="20000"/>
+                        </a:spcBef>
+                        <a:buFont typeface="Wingdings" panose="05000000000000000000" pitchFamily="2" charset="2"/>
+                        <a:defRPr>
+                          <a:solidFill>
+                            <a:schemeClr val="tx1"/>
+                          </a:solidFill>
+                          <a:latin typeface="Arial" panose="020B0604020202020204" pitchFamily="34" charset="0"/>
+                          <a:cs typeface="Times New Roman" panose="02020603050405020304" pitchFamily="18" charset="0"/>
+                        </a:defRPr>
+                      </a:lvl3pPr>
+                      <a:lvl4pPr>
+                        <a:spcBef>
+                          <a:spcPct val="20000"/>
+                        </a:spcBef>
+                        <a:buFont typeface="Wingdings" panose="05000000000000000000" pitchFamily="2" charset="2"/>
+                        <a:defRPr sz="1600">
+                          <a:solidFill>
+                            <a:schemeClr val="tx1"/>
+                          </a:solidFill>
+                          <a:latin typeface="Arial" panose="020B0604020202020204" pitchFamily="34" charset="0"/>
+                          <a:cs typeface="Times New Roman" panose="02020603050405020304" pitchFamily="18" charset="0"/>
+                        </a:defRPr>
+                      </a:lvl4pPr>
+                      <a:lvl5pPr>
+                        <a:spcBef>
+                          <a:spcPct val="20000"/>
+                        </a:spcBef>
+                        <a:buFont typeface="Wingdings" panose="05000000000000000000" pitchFamily="2" charset="2"/>
+                        <a:defRPr sz="1400">
+                          <a:solidFill>
+                            <a:schemeClr val="tx1"/>
+                          </a:solidFill>
+                          <a:latin typeface="Arial" panose="020B0604020202020204" pitchFamily="34" charset="0"/>
+                          <a:cs typeface="Times New Roman" panose="02020603050405020304" pitchFamily="18" charset="0"/>
+                        </a:defRPr>
+                      </a:lvl5pPr>
+                      <a:lvl6pPr fontAlgn="base">
+                        <a:spcBef>
+                          <a:spcPct val="20000"/>
+                        </a:spcBef>
+                        <a:spcAft>
+                          <a:spcPct val="0"/>
+                        </a:spcAft>
+                        <a:buFont typeface="Wingdings" panose="05000000000000000000" pitchFamily="2" charset="2"/>
+                        <a:defRPr sz="1400">
+                          <a:solidFill>
+                            <a:schemeClr val="tx1"/>
+                          </a:solidFill>
+                          <a:latin typeface="Arial" panose="020B0604020202020204" pitchFamily="34" charset="0"/>
+                          <a:cs typeface="Times New Roman" panose="02020603050405020304" pitchFamily="18" charset="0"/>
+                        </a:defRPr>
+                      </a:lvl6pPr>
+                      <a:lvl7pPr fontAlgn="base">
+                        <a:spcBef>
+                          <a:spcPct val="20000"/>
+                        </a:spcBef>
+                        <a:spcAft>
+                          <a:spcPct val="0"/>
+                        </a:spcAft>
+                        <a:buFont typeface="Wingdings" panose="05000000000000000000" pitchFamily="2" charset="2"/>
+                        <a:defRPr sz="1400">
+                          <a:solidFill>
+                            <a:schemeClr val="tx1"/>
+                          </a:solidFill>
+                          <a:latin typeface="Arial" panose="020B0604020202020204" pitchFamily="34" charset="0"/>
+                          <a:cs typeface="Times New Roman" panose="02020603050405020304" pitchFamily="18" charset="0"/>
+                        </a:defRPr>
+                      </a:lvl7pPr>
+                      <a:lvl8pPr fontAlgn="base">
+                        <a:spcBef>
+                          <a:spcPct val="20000"/>
+                        </a:spcBef>
+                        <a:spcAft>
+                          <a:spcPct val="0"/>
+                        </a:spcAft>
+                        <a:buFont typeface="Wingdings" panose="05000000000000000000" pitchFamily="2" charset="2"/>
+                        <a:defRPr sz="1400">
+                          <a:solidFill>
+                            <a:schemeClr val="tx1"/>
+                          </a:solidFill>
+                          <a:latin typeface="Arial" panose="020B0604020202020204" pitchFamily="34" charset="0"/>
+                          <a:cs typeface="Times New Roman" panose="02020603050405020304" pitchFamily="18" charset="0"/>
+                        </a:defRPr>
+                      </a:lvl8pPr>
+                      <a:lvl9pPr fontAlgn="base">
+                        <a:spcBef>
+                          <a:spcPct val="20000"/>
+                        </a:spcBef>
+                        <a:spcAft>
+                          <a:spcPct val="0"/>
+                        </a:spcAft>
+                        <a:buFont typeface="Wingdings" panose="05000000000000000000" pitchFamily="2" charset="2"/>
+                        <a:defRPr sz="1400">
+                          <a:solidFill>
+                            <a:schemeClr val="tx1"/>
+                          </a:solidFill>
+                          <a:latin typeface="Arial" panose="020B0604020202020204" pitchFamily="34" charset="0"/>
+                          <a:cs typeface="Times New Roman" panose="02020603050405020304" pitchFamily="18" charset="0"/>
+                        </a:defRPr>
+                      </a:lvl9pPr>
+                    </a:lstStyle>
+                    <a:p>
+                      <a:pPr marL="0" marR="0" lvl="0" indent="0" algn="l" defTabSz="914400" rtl="0" eaLnBrk="1" fontAlgn="base" latinLnBrk="0" hangingPunct="1">
+                        <a:lnSpc>
+                          <a:spcPct val="100000"/>
+                        </a:lnSpc>
+                        <a:spcBef>
+                          <a:spcPct val="20000"/>
+                        </a:spcBef>
+                        <a:spcAft>
+                          <a:spcPct val="0"/>
+                        </a:spcAft>
+                        <a:buClrTx/>
+                        <a:buSzTx/>
+                        <a:buFont typeface="Wingdings" panose="05000000000000000000" pitchFamily="2" charset="2"/>
+                        <a:buNone/>
+                        <a:tabLst/>
+                      </a:pPr>
+                      <a:r>
+                        <a:rPr kumimoji="0" lang="en-US" altLang="zh-CN" sz="1200" b="1" i="0" u="none" strike="noStrike" cap="none" normalizeH="0" baseline="0" smtClean="0">
+                          <a:ln>
+                            <a:noFill/>
+                          </a:ln>
+                          <a:solidFill>
+                            <a:schemeClr val="tx2"/>
+                          </a:solidFill>
+                          <a:effectLst/>
+                          <a:latin typeface="Arial" panose="020B0604020202020204" pitchFamily="34" charset="0"/>
+                          <a:ea typeface="宋体" panose="02010600030101010101" pitchFamily="2" charset="-122"/>
+                          <a:cs typeface="Times New Roman" panose="02020603050405020304" pitchFamily="18" charset="0"/>
+                        </a:rPr>
+                        <a:t>4</a:t>
+                      </a:r>
+                    </a:p>
+                  </a:txBody>
+                  <a:tcPr horzOverflow="overflow">
+                    <a:lnL w="28575" cap="flat" cmpd="sng" algn="ctr">
+                      <a:solidFill>
+                        <a:schemeClr val="tx1"/>
+                      </a:solidFill>
+                      <a:prstDash val="solid"/>
+                      <a:round/>
+                      <a:headEnd type="none" w="med" len="med"/>
+                      <a:tailEnd type="none" w="med" len="med"/>
+                    </a:lnL>
+                    <a:lnR w="12700" cap="flat" cmpd="sng" algn="ctr">
+                      <a:solidFill>
+                        <a:schemeClr val="tx1"/>
+                      </a:solidFill>
+                      <a:prstDash val="solid"/>
+                      <a:round/>
+                      <a:headEnd type="none" w="med" len="med"/>
+                      <a:tailEnd type="none" w="med" len="med"/>
+                    </a:lnR>
+                    <a:lnT w="12700" cap="flat" cmpd="sng" algn="ctr">
+                      <a:solidFill>
+                        <a:schemeClr val="tx1"/>
+                      </a:solidFill>
+                      <a:prstDash val="solid"/>
+                      <a:round/>
+                      <a:headEnd type="none" w="med" len="med"/>
+                      <a:tailEnd type="none" w="med" len="med"/>
+                    </a:lnT>
+                    <a:lnB w="12700" cap="flat" cmpd="sng" algn="ctr">
+                      <a:solidFill>
+                        <a:schemeClr val="tx1"/>
+                      </a:solidFill>
+                      <a:prstDash val="solid"/>
+                      <a:round/>
+                      <a:headEnd type="none" w="med" len="med"/>
+                      <a:tailEnd type="none" w="med" len="med"/>
+                    </a:lnB>
+                    <a:lnTlToBr>
+                      <a:noFill/>
+                    </a:lnTlToBr>
+                    <a:lnBlToTr>
+                      <a:noFill/>
+                    </a:lnBlToTr>
+                    <a:noFill/>
+                  </a:tcPr>
+                </a:tc>
+                <a:tc>
+                  <a:txBody>
+                    <a:bodyPr/>
+                    <a:lstStyle>
+                      <a:lvl1pPr>
+                        <a:spcBef>
+                          <a:spcPct val="20000"/>
+                        </a:spcBef>
+                        <a:buFont typeface="Wingdings" panose="05000000000000000000" pitchFamily="2" charset="2"/>
+                        <a:defRPr sz="2400">
+                          <a:solidFill>
+                            <a:schemeClr val="tx2"/>
+                          </a:solidFill>
+                          <a:latin typeface="Arial" panose="020B0604020202020204" pitchFamily="34" charset="0"/>
+                          <a:cs typeface="Times New Roman" panose="02020603050405020304" pitchFamily="18" charset="0"/>
+                        </a:defRPr>
+                      </a:lvl1pPr>
+                      <a:lvl2pPr>
+                        <a:spcBef>
+                          <a:spcPct val="20000"/>
+                        </a:spcBef>
+                        <a:buFont typeface="Wingdings" panose="05000000000000000000" pitchFamily="2" charset="2"/>
+                        <a:defRPr sz="2000">
+                          <a:solidFill>
+                            <a:schemeClr val="tx1"/>
+                          </a:solidFill>
+                          <a:latin typeface="Arial" panose="020B0604020202020204" pitchFamily="34" charset="0"/>
+                          <a:cs typeface="Times New Roman" panose="02020603050405020304" pitchFamily="18" charset="0"/>
+                        </a:defRPr>
+                      </a:lvl2pPr>
+                      <a:lvl3pPr>
+                        <a:spcBef>
+                          <a:spcPct val="20000"/>
+                        </a:spcBef>
+                        <a:buFont typeface="Wingdings" panose="05000000000000000000" pitchFamily="2" charset="2"/>
+                        <a:defRPr>
+                          <a:solidFill>
+                            <a:schemeClr val="tx1"/>
+                          </a:solidFill>
+                          <a:latin typeface="Arial" panose="020B0604020202020204" pitchFamily="34" charset="0"/>
+                          <a:cs typeface="Times New Roman" panose="02020603050405020304" pitchFamily="18" charset="0"/>
+                        </a:defRPr>
+                      </a:lvl3pPr>
+                      <a:lvl4pPr>
+                        <a:spcBef>
+                          <a:spcPct val="20000"/>
+                        </a:spcBef>
+                        <a:buFont typeface="Wingdings" panose="05000000000000000000" pitchFamily="2" charset="2"/>
+                        <a:defRPr sz="1600">
+                          <a:solidFill>
+                            <a:schemeClr val="tx1"/>
+                          </a:solidFill>
+                          <a:latin typeface="Arial" panose="020B0604020202020204" pitchFamily="34" charset="0"/>
+                          <a:cs typeface="Times New Roman" panose="02020603050405020304" pitchFamily="18" charset="0"/>
+                        </a:defRPr>
+                      </a:lvl4pPr>
+                      <a:lvl5pPr>
+                        <a:spcBef>
+                          <a:spcPct val="20000"/>
+                        </a:spcBef>
+                        <a:buFont typeface="Wingdings" panose="05000000000000000000" pitchFamily="2" charset="2"/>
+                        <a:defRPr sz="1400">
+                          <a:solidFill>
+                            <a:schemeClr val="tx1"/>
+                          </a:solidFill>
+                          <a:latin typeface="Arial" panose="020B0604020202020204" pitchFamily="34" charset="0"/>
+                          <a:cs typeface="Times New Roman" panose="02020603050405020304" pitchFamily="18" charset="0"/>
+                        </a:defRPr>
+                      </a:lvl5pPr>
+                      <a:lvl6pPr fontAlgn="base">
+                        <a:spcBef>
+                          <a:spcPct val="20000"/>
+                        </a:spcBef>
+                        <a:spcAft>
+                          <a:spcPct val="0"/>
+                        </a:spcAft>
+                        <a:buFont typeface="Wingdings" panose="05000000000000000000" pitchFamily="2" charset="2"/>
+                        <a:defRPr sz="1400">
+                          <a:solidFill>
+                            <a:schemeClr val="tx1"/>
+                          </a:solidFill>
+                          <a:latin typeface="Arial" panose="020B0604020202020204" pitchFamily="34" charset="0"/>
+                          <a:cs typeface="Times New Roman" panose="02020603050405020304" pitchFamily="18" charset="0"/>
+                        </a:defRPr>
+                      </a:lvl6pPr>
+                      <a:lvl7pPr fontAlgn="base">
+                        <a:spcBef>
+                          <a:spcPct val="20000"/>
+                        </a:spcBef>
+                        <a:spcAft>
+                          <a:spcPct val="0"/>
+                        </a:spcAft>
+                        <a:buFont typeface="Wingdings" panose="05000000000000000000" pitchFamily="2" charset="2"/>
+                        <a:defRPr sz="1400">
+                          <a:solidFill>
+                            <a:schemeClr val="tx1"/>
+                          </a:solidFill>
+                          <a:latin typeface="Arial" panose="020B0604020202020204" pitchFamily="34" charset="0"/>
+                          <a:cs typeface="Times New Roman" panose="02020603050405020304" pitchFamily="18" charset="0"/>
+                        </a:defRPr>
+                      </a:lvl7pPr>
+                      <a:lvl8pPr fontAlgn="base">
+                        <a:spcBef>
+                          <a:spcPct val="20000"/>
+                        </a:spcBef>
+                        <a:spcAft>
+                          <a:spcPct val="0"/>
+                        </a:spcAft>
+                        <a:buFont typeface="Wingdings" panose="05000000000000000000" pitchFamily="2" charset="2"/>
+                        <a:defRPr sz="1400">
+                          <a:solidFill>
+                            <a:schemeClr val="tx1"/>
+                          </a:solidFill>
+                          <a:latin typeface="Arial" panose="020B0604020202020204" pitchFamily="34" charset="0"/>
+                          <a:cs typeface="Times New Roman" panose="02020603050405020304" pitchFamily="18" charset="0"/>
+                        </a:defRPr>
+                      </a:lvl8pPr>
+                      <a:lvl9pPr fontAlgn="base">
+                        <a:spcBef>
+                          <a:spcPct val="20000"/>
+                        </a:spcBef>
+                        <a:spcAft>
+                          <a:spcPct val="0"/>
+                        </a:spcAft>
+                        <a:buFont typeface="Wingdings" panose="05000000000000000000" pitchFamily="2" charset="2"/>
+                        <a:defRPr sz="1400">
+                          <a:solidFill>
+                            <a:schemeClr val="tx1"/>
+                          </a:solidFill>
+                          <a:latin typeface="Arial" panose="020B0604020202020204" pitchFamily="34" charset="0"/>
+                          <a:cs typeface="Times New Roman" panose="02020603050405020304" pitchFamily="18" charset="0"/>
+                        </a:defRPr>
+                      </a:lvl9pPr>
+                    </a:lstStyle>
+                    <a:p>
+                      <a:pPr marL="0" marR="0" lvl="0" indent="0" algn="l" defTabSz="914400" rtl="0" eaLnBrk="1" fontAlgn="base" latinLnBrk="0" hangingPunct="1">
+                        <a:lnSpc>
+                          <a:spcPct val="100000"/>
+                        </a:lnSpc>
+                        <a:spcBef>
+                          <a:spcPct val="20000"/>
+                        </a:spcBef>
+                        <a:spcAft>
+                          <a:spcPct val="0"/>
+                        </a:spcAft>
+                        <a:buClrTx/>
+                        <a:buSzTx/>
+                        <a:buFont typeface="Wingdings" panose="05000000000000000000" pitchFamily="2" charset="2"/>
+                        <a:buNone/>
+                        <a:tabLst/>
+                      </a:pPr>
+                      <a:endParaRPr kumimoji="0" lang="zh-CN" altLang="zh-CN" sz="1200" b="0" i="0" u="none" strike="noStrike" cap="none" normalizeH="0" baseline="0" smtClean="0">
+                        <a:ln>
+                          <a:noFill/>
+                        </a:ln>
+                        <a:solidFill>
+                          <a:schemeClr val="tx2"/>
+                        </a:solidFill>
+                        <a:effectLst/>
+                        <a:latin typeface="Arial" panose="020B0604020202020204" pitchFamily="34" charset="0"/>
+                        <a:cs typeface="Times New Roman" panose="02020603050405020304" pitchFamily="18" charset="0"/>
+                      </a:endParaRPr>
+                    </a:p>
+                  </a:txBody>
+                  <a:tcPr horzOverflow="overflow">
+                    <a:lnL w="12700" cap="flat" cmpd="sng" algn="ctr">
+                      <a:solidFill>
+                        <a:schemeClr val="tx1"/>
+                      </a:solidFill>
+                      <a:prstDash val="solid"/>
+                      <a:round/>
+                      <a:headEnd type="none" w="med" len="med"/>
+                      <a:tailEnd type="none" w="med" len="med"/>
+                    </a:lnL>
+                    <a:lnR w="28575" cap="flat" cmpd="sng" algn="ctr">
+                      <a:solidFill>
+                        <a:schemeClr val="tx1"/>
+                      </a:solidFill>
+                      <a:prstDash val="solid"/>
+                      <a:round/>
+                      <a:headEnd type="none" w="med" len="med"/>
+                      <a:tailEnd type="none" w="med" len="med"/>
+                    </a:lnR>
+                    <a:lnT w="12700" cap="flat" cmpd="sng" algn="ctr">
+                      <a:solidFill>
+                        <a:schemeClr val="tx1"/>
+                      </a:solidFill>
+                      <a:prstDash val="solid"/>
+                      <a:round/>
+                      <a:headEnd type="none" w="med" len="med"/>
+                      <a:tailEnd type="none" w="med" len="med"/>
+                    </a:lnT>
+                    <a:lnB w="12700" cap="flat" cmpd="sng" algn="ctr">
+                      <a:solidFill>
+                        <a:schemeClr val="tx1"/>
+                      </a:solidFill>
+                      <a:prstDash val="solid"/>
+                      <a:round/>
+                      <a:headEnd type="none" w="med" len="med"/>
+                      <a:tailEnd type="none" w="med" len="med"/>
+                    </a:lnB>
+                    <a:lnTlToBr>
+                      <a:noFill/>
+                    </a:lnTlToBr>
+                    <a:lnBlToTr>
+                      <a:noFill/>
+                    </a:lnBlToTr>
+                    <a:noFill/>
+                  </a:tcPr>
+                </a:tc>
+              </a:tr>
+              <a:tr h="284163">
+                <a:tc>
+                  <a:txBody>
+                    <a:bodyPr/>
+                    <a:lstStyle>
+                      <a:lvl1pPr>
+                        <a:spcBef>
+                          <a:spcPct val="20000"/>
+                        </a:spcBef>
+                        <a:buFont typeface="Wingdings" panose="05000000000000000000" pitchFamily="2" charset="2"/>
+                        <a:defRPr sz="2400">
+                          <a:solidFill>
+                            <a:schemeClr val="tx2"/>
+                          </a:solidFill>
+                          <a:latin typeface="Arial" panose="020B0604020202020204" pitchFamily="34" charset="0"/>
+                          <a:cs typeface="Times New Roman" panose="02020603050405020304" pitchFamily="18" charset="0"/>
+                        </a:defRPr>
+                      </a:lvl1pPr>
+                      <a:lvl2pPr>
+                        <a:spcBef>
+                          <a:spcPct val="20000"/>
+                        </a:spcBef>
+                        <a:buFont typeface="Wingdings" panose="05000000000000000000" pitchFamily="2" charset="2"/>
+                        <a:defRPr sz="2000">
+                          <a:solidFill>
+                            <a:schemeClr val="tx1"/>
+                          </a:solidFill>
+                          <a:latin typeface="Arial" panose="020B0604020202020204" pitchFamily="34" charset="0"/>
+                          <a:cs typeface="Times New Roman" panose="02020603050405020304" pitchFamily="18" charset="0"/>
+                        </a:defRPr>
+                      </a:lvl2pPr>
+                      <a:lvl3pPr>
+                        <a:spcBef>
+                          <a:spcPct val="20000"/>
+                        </a:spcBef>
+                        <a:buFont typeface="Wingdings" panose="05000000000000000000" pitchFamily="2" charset="2"/>
+                        <a:defRPr>
+                          <a:solidFill>
+                            <a:schemeClr val="tx1"/>
+                          </a:solidFill>
+                          <a:latin typeface="Arial" panose="020B0604020202020204" pitchFamily="34" charset="0"/>
+                          <a:cs typeface="Times New Roman" panose="02020603050405020304" pitchFamily="18" charset="0"/>
+                        </a:defRPr>
+                      </a:lvl3pPr>
+                      <a:lvl4pPr>
+                        <a:spcBef>
+                          <a:spcPct val="20000"/>
+                        </a:spcBef>
+                        <a:buFont typeface="Wingdings" panose="05000000000000000000" pitchFamily="2" charset="2"/>
+                        <a:defRPr sz="1600">
+                          <a:solidFill>
+                            <a:schemeClr val="tx1"/>
+                          </a:solidFill>
+                          <a:latin typeface="Arial" panose="020B0604020202020204" pitchFamily="34" charset="0"/>
+                          <a:cs typeface="Times New Roman" panose="02020603050405020304" pitchFamily="18" charset="0"/>
+                        </a:defRPr>
+                      </a:lvl4pPr>
+                      <a:lvl5pPr>
+                        <a:spcBef>
+                          <a:spcPct val="20000"/>
+                        </a:spcBef>
+                        <a:buFont typeface="Wingdings" panose="05000000000000000000" pitchFamily="2" charset="2"/>
+                        <a:defRPr sz="1400">
+                          <a:solidFill>
+                            <a:schemeClr val="tx1"/>
+                          </a:solidFill>
+                          <a:latin typeface="Arial" panose="020B0604020202020204" pitchFamily="34" charset="0"/>
+                          <a:cs typeface="Times New Roman" panose="02020603050405020304" pitchFamily="18" charset="0"/>
+                        </a:defRPr>
+                      </a:lvl5pPr>
+                      <a:lvl6pPr fontAlgn="base">
+                        <a:spcBef>
+                          <a:spcPct val="20000"/>
+                        </a:spcBef>
+                        <a:spcAft>
+                          <a:spcPct val="0"/>
+                        </a:spcAft>
+                        <a:buFont typeface="Wingdings" panose="05000000000000000000" pitchFamily="2" charset="2"/>
+                        <a:defRPr sz="1400">
+                          <a:solidFill>
+                            <a:schemeClr val="tx1"/>
+                          </a:solidFill>
+                          <a:latin typeface="Arial" panose="020B0604020202020204" pitchFamily="34" charset="0"/>
+                          <a:cs typeface="Times New Roman" panose="02020603050405020304" pitchFamily="18" charset="0"/>
+                        </a:defRPr>
+                      </a:lvl6pPr>
+                      <a:lvl7pPr fontAlgn="base">
+                        <a:spcBef>
+                          <a:spcPct val="20000"/>
+                        </a:spcBef>
+                        <a:spcAft>
+                          <a:spcPct val="0"/>
+                        </a:spcAft>
+                        <a:buFont typeface="Wingdings" panose="05000000000000000000" pitchFamily="2" charset="2"/>
+                        <a:defRPr sz="1400">
+                          <a:solidFill>
+                            <a:schemeClr val="tx1"/>
+                          </a:solidFill>
+                          <a:latin typeface="Arial" panose="020B0604020202020204" pitchFamily="34" charset="0"/>
+                          <a:cs typeface="Times New Roman" panose="02020603050405020304" pitchFamily="18" charset="0"/>
+                        </a:defRPr>
+                      </a:lvl7pPr>
+                      <a:lvl8pPr fontAlgn="base">
+                        <a:spcBef>
+                          <a:spcPct val="20000"/>
+                        </a:spcBef>
+                        <a:spcAft>
+                          <a:spcPct val="0"/>
+                        </a:spcAft>
+                        <a:buFont typeface="Wingdings" panose="05000000000000000000" pitchFamily="2" charset="2"/>
+                        <a:defRPr sz="1400">
+                          <a:solidFill>
+                            <a:schemeClr val="tx1"/>
+                          </a:solidFill>
+                          <a:latin typeface="Arial" panose="020B0604020202020204" pitchFamily="34" charset="0"/>
+                          <a:cs typeface="Times New Roman" panose="02020603050405020304" pitchFamily="18" charset="0"/>
+                        </a:defRPr>
+                      </a:lvl8pPr>
+                      <a:lvl9pPr fontAlgn="base">
+                        <a:spcBef>
+                          <a:spcPct val="20000"/>
+                        </a:spcBef>
+                        <a:spcAft>
+                          <a:spcPct val="0"/>
+                        </a:spcAft>
+                        <a:buFont typeface="Wingdings" panose="05000000000000000000" pitchFamily="2" charset="2"/>
+                        <a:defRPr sz="1400">
+                          <a:solidFill>
+                            <a:schemeClr val="tx1"/>
+                          </a:solidFill>
+                          <a:latin typeface="Arial" panose="020B0604020202020204" pitchFamily="34" charset="0"/>
+                          <a:cs typeface="Times New Roman" panose="02020603050405020304" pitchFamily="18" charset="0"/>
+                        </a:defRPr>
+                      </a:lvl9pPr>
+                    </a:lstStyle>
+                    <a:p>
+                      <a:pPr marL="0" marR="0" lvl="0" indent="0" algn="l" defTabSz="914400" rtl="0" eaLnBrk="1" fontAlgn="base" latinLnBrk="0" hangingPunct="1">
+                        <a:lnSpc>
+                          <a:spcPct val="100000"/>
+                        </a:lnSpc>
+                        <a:spcBef>
+                          <a:spcPct val="20000"/>
+                        </a:spcBef>
+                        <a:spcAft>
+                          <a:spcPct val="0"/>
+                        </a:spcAft>
+                        <a:buClrTx/>
+                        <a:buSzTx/>
+                        <a:buFont typeface="Wingdings" panose="05000000000000000000" pitchFamily="2" charset="2"/>
+                        <a:buNone/>
+                        <a:tabLst/>
+                      </a:pPr>
+                      <a:r>
+                        <a:rPr kumimoji="0" lang="en-US" altLang="zh-CN" sz="1200" b="1" i="0" u="none" strike="noStrike" cap="none" normalizeH="0" baseline="0" smtClean="0">
+                          <a:ln>
+                            <a:noFill/>
+                          </a:ln>
+                          <a:solidFill>
+                            <a:schemeClr val="tx2"/>
+                          </a:solidFill>
+                          <a:effectLst/>
+                          <a:latin typeface="Arial" panose="020B0604020202020204" pitchFamily="34" charset="0"/>
+                          <a:ea typeface="宋体" panose="02010600030101010101" pitchFamily="2" charset="-122"/>
+                          <a:cs typeface="Times New Roman" panose="02020603050405020304" pitchFamily="18" charset="0"/>
+                        </a:rPr>
+                        <a:t>5</a:t>
+                      </a:r>
+                    </a:p>
+                  </a:txBody>
+                  <a:tcPr horzOverflow="overflow">
+                    <a:lnL w="28575" cap="flat" cmpd="sng" algn="ctr">
+                      <a:solidFill>
+                        <a:schemeClr val="tx1"/>
+                      </a:solidFill>
+                      <a:prstDash val="solid"/>
+                      <a:round/>
+                      <a:headEnd type="none" w="med" len="med"/>
+                      <a:tailEnd type="none" w="med" len="med"/>
+                    </a:lnL>
+                    <a:lnR w="12700" cap="flat" cmpd="sng" algn="ctr">
+                      <a:solidFill>
+                        <a:schemeClr val="tx1"/>
+                      </a:solidFill>
+                      <a:prstDash val="solid"/>
+                      <a:round/>
+                      <a:headEnd type="none" w="med" len="med"/>
+                      <a:tailEnd type="none" w="med" len="med"/>
+                    </a:lnR>
+                    <a:lnT w="12700" cap="flat" cmpd="sng" algn="ctr">
+                      <a:solidFill>
+                        <a:schemeClr val="tx1"/>
+                      </a:solidFill>
+                      <a:prstDash val="solid"/>
+                      <a:round/>
+                      <a:headEnd type="none" w="med" len="med"/>
+                      <a:tailEnd type="none" w="med" len="med"/>
+                    </a:lnT>
+                    <a:lnB w="12700" cap="flat" cmpd="sng" algn="ctr">
+                      <a:solidFill>
+                        <a:schemeClr val="tx1"/>
+                      </a:solidFill>
+                      <a:prstDash val="solid"/>
+                      <a:round/>
+                      <a:headEnd type="none" w="med" len="med"/>
+                      <a:tailEnd type="none" w="med" len="med"/>
+                    </a:lnB>
+                    <a:lnTlToBr>
+                      <a:noFill/>
+                    </a:lnTlToBr>
+                    <a:lnBlToTr>
+                      <a:noFill/>
+                    </a:lnBlToTr>
+                    <a:noFill/>
+                  </a:tcPr>
+                </a:tc>
+                <a:tc>
+                  <a:txBody>
+                    <a:bodyPr/>
+                    <a:lstStyle>
+                      <a:lvl1pPr>
+                        <a:spcBef>
+                          <a:spcPct val="20000"/>
+                        </a:spcBef>
+                        <a:buFont typeface="Wingdings" panose="05000000000000000000" pitchFamily="2" charset="2"/>
+                        <a:defRPr sz="2400">
+                          <a:solidFill>
+                            <a:schemeClr val="tx2"/>
+                          </a:solidFill>
+                          <a:latin typeface="Arial" panose="020B0604020202020204" pitchFamily="34" charset="0"/>
+                          <a:cs typeface="Times New Roman" panose="02020603050405020304" pitchFamily="18" charset="0"/>
+                        </a:defRPr>
+                      </a:lvl1pPr>
+                      <a:lvl2pPr>
+                        <a:spcBef>
+                          <a:spcPct val="20000"/>
+                        </a:spcBef>
+                        <a:buFont typeface="Wingdings" panose="05000000000000000000" pitchFamily="2" charset="2"/>
+                        <a:defRPr sz="2000">
+                          <a:solidFill>
+                            <a:schemeClr val="tx1"/>
+                          </a:solidFill>
+                          <a:latin typeface="Arial" panose="020B0604020202020204" pitchFamily="34" charset="0"/>
+                          <a:cs typeface="Times New Roman" panose="02020603050405020304" pitchFamily="18" charset="0"/>
+                        </a:defRPr>
+                      </a:lvl2pPr>
+                      <a:lvl3pPr>
+                        <a:spcBef>
+                          <a:spcPct val="20000"/>
+                        </a:spcBef>
+                        <a:buFont typeface="Wingdings" panose="05000000000000000000" pitchFamily="2" charset="2"/>
+                        <a:defRPr>
+                          <a:solidFill>
+                            <a:schemeClr val="tx1"/>
+                          </a:solidFill>
+                          <a:latin typeface="Arial" panose="020B0604020202020204" pitchFamily="34" charset="0"/>
+                          <a:cs typeface="Times New Roman" panose="02020603050405020304" pitchFamily="18" charset="0"/>
+                        </a:defRPr>
+                      </a:lvl3pPr>
+                      <a:lvl4pPr>
+                        <a:spcBef>
+                          <a:spcPct val="20000"/>
+                        </a:spcBef>
+                        <a:buFont typeface="Wingdings" panose="05000000000000000000" pitchFamily="2" charset="2"/>
+                        <a:defRPr sz="1600">
+                          <a:solidFill>
+                            <a:schemeClr val="tx1"/>
+                          </a:solidFill>
+                          <a:latin typeface="Arial" panose="020B0604020202020204" pitchFamily="34" charset="0"/>
+                          <a:cs typeface="Times New Roman" panose="02020603050405020304" pitchFamily="18" charset="0"/>
+                        </a:defRPr>
+                      </a:lvl4pPr>
+                      <a:lvl5pPr>
+                        <a:spcBef>
+                          <a:spcPct val="20000"/>
+                        </a:spcBef>
+                        <a:buFont typeface="Wingdings" panose="05000000000000000000" pitchFamily="2" charset="2"/>
+                        <a:defRPr sz="1400">
+                          <a:solidFill>
+                            <a:schemeClr val="tx1"/>
+                          </a:solidFill>
+                          <a:latin typeface="Arial" panose="020B0604020202020204" pitchFamily="34" charset="0"/>
+                          <a:cs typeface="Times New Roman" panose="02020603050405020304" pitchFamily="18" charset="0"/>
+                        </a:defRPr>
+                      </a:lvl5pPr>
+                      <a:lvl6pPr fontAlgn="base">
+                        <a:spcBef>
+                          <a:spcPct val="20000"/>
+                        </a:spcBef>
+                        <a:spcAft>
+                          <a:spcPct val="0"/>
+                        </a:spcAft>
+                        <a:buFont typeface="Wingdings" panose="05000000000000000000" pitchFamily="2" charset="2"/>
+                        <a:defRPr sz="1400">
+                          <a:solidFill>
+                            <a:schemeClr val="tx1"/>
+                          </a:solidFill>
+                          <a:latin typeface="Arial" panose="020B0604020202020204" pitchFamily="34" charset="0"/>
+                          <a:cs typeface="Times New Roman" panose="02020603050405020304" pitchFamily="18" charset="0"/>
+                        </a:defRPr>
+                      </a:lvl6pPr>
+                      <a:lvl7pPr fontAlgn="base">
+                        <a:spcBef>
+                          <a:spcPct val="20000"/>
+                        </a:spcBef>
+                        <a:spcAft>
+                          <a:spcPct val="0"/>
+                        </a:spcAft>
+                        <a:buFont typeface="Wingdings" panose="05000000000000000000" pitchFamily="2" charset="2"/>
+                        <a:defRPr sz="1400">
+                          <a:solidFill>
+                            <a:schemeClr val="tx1"/>
+                          </a:solidFill>
+                          <a:latin typeface="Arial" panose="020B0604020202020204" pitchFamily="34" charset="0"/>
+                          <a:cs typeface="Times New Roman" panose="02020603050405020304" pitchFamily="18" charset="0"/>
+                        </a:defRPr>
+                      </a:lvl7pPr>
+                      <a:lvl8pPr fontAlgn="base">
+                        <a:spcBef>
+                          <a:spcPct val="20000"/>
+                        </a:spcBef>
+                        <a:spcAft>
+                          <a:spcPct val="0"/>
+                        </a:spcAft>
+                        <a:buFont typeface="Wingdings" panose="05000000000000000000" pitchFamily="2" charset="2"/>
+                        <a:defRPr sz="1400">
+                          <a:solidFill>
+                            <a:schemeClr val="tx1"/>
+                          </a:solidFill>
+                          <a:latin typeface="Arial" panose="020B0604020202020204" pitchFamily="34" charset="0"/>
+                          <a:cs typeface="Times New Roman" panose="02020603050405020304" pitchFamily="18" charset="0"/>
+                        </a:defRPr>
+                      </a:lvl8pPr>
+                      <a:lvl9pPr fontAlgn="base">
+                        <a:spcBef>
+                          <a:spcPct val="20000"/>
+                        </a:spcBef>
+                        <a:spcAft>
+                          <a:spcPct val="0"/>
+                        </a:spcAft>
+                        <a:buFont typeface="Wingdings" panose="05000000000000000000" pitchFamily="2" charset="2"/>
+                        <a:defRPr sz="1400">
+                          <a:solidFill>
+                            <a:schemeClr val="tx1"/>
+                          </a:solidFill>
+                          <a:latin typeface="Arial" panose="020B0604020202020204" pitchFamily="34" charset="0"/>
+                          <a:cs typeface="Times New Roman" panose="02020603050405020304" pitchFamily="18" charset="0"/>
+                        </a:defRPr>
+                      </a:lvl9pPr>
+                    </a:lstStyle>
+                    <a:p>
+                      <a:pPr marL="0" marR="0" lvl="0" indent="0" algn="l" defTabSz="914400" rtl="0" eaLnBrk="1" fontAlgn="base" latinLnBrk="0" hangingPunct="1">
+                        <a:lnSpc>
+                          <a:spcPct val="100000"/>
+                        </a:lnSpc>
+                        <a:spcBef>
+                          <a:spcPct val="20000"/>
+                        </a:spcBef>
+                        <a:spcAft>
+                          <a:spcPct val="0"/>
+                        </a:spcAft>
+                        <a:buClrTx/>
+                        <a:buSzTx/>
+                        <a:buFont typeface="Wingdings" panose="05000000000000000000" pitchFamily="2" charset="2"/>
+                        <a:buNone/>
+                        <a:tabLst/>
+                      </a:pPr>
+                      <a:endParaRPr kumimoji="0" lang="zh-CN" altLang="zh-CN" sz="1200" b="0" i="0" u="none" strike="noStrike" cap="none" normalizeH="0" baseline="0" dirty="0" smtClean="0">
+                        <a:ln>
+                          <a:noFill/>
+                        </a:ln>
+                        <a:solidFill>
+                          <a:schemeClr val="tx2"/>
+                        </a:solidFill>
+                        <a:effectLst/>
+                        <a:latin typeface="Arial" panose="020B0604020202020204" pitchFamily="34" charset="0"/>
+                        <a:cs typeface="Times New Roman" panose="02020603050405020304" pitchFamily="18" charset="0"/>
+                      </a:endParaRPr>
+                    </a:p>
+                  </a:txBody>
+                  <a:tcPr horzOverflow="overflow">
+                    <a:lnL w="12700" cap="flat" cmpd="sng" algn="ctr">
+                      <a:solidFill>
+                        <a:schemeClr val="tx1"/>
+                      </a:solidFill>
+                      <a:prstDash val="solid"/>
+                      <a:round/>
+                      <a:headEnd type="none" w="med" len="med"/>
+                      <a:tailEnd type="none" w="med" len="med"/>
+                    </a:lnL>
+                    <a:lnR w="28575" cap="flat" cmpd="sng" algn="ctr">
+                      <a:solidFill>
+                        <a:schemeClr val="tx1"/>
+                      </a:solidFill>
+                      <a:prstDash val="solid"/>
+                      <a:round/>
+                      <a:headEnd type="none" w="med" len="med"/>
+                      <a:tailEnd type="none" w="med" len="med"/>
+                    </a:lnR>
+                    <a:lnT w="12700" cap="flat" cmpd="sng" algn="ctr">
+                      <a:solidFill>
+                        <a:schemeClr val="tx1"/>
+                      </a:solidFill>
+                      <a:prstDash val="solid"/>
+                      <a:round/>
+                      <a:headEnd type="none" w="med" len="med"/>
+                      <a:tailEnd type="none" w="med" len="med"/>
+                    </a:lnT>
+                    <a:lnB w="12700" cap="flat" cmpd="sng" algn="ctr">
+                      <a:solidFill>
+                        <a:schemeClr val="tx1"/>
+                      </a:solidFill>
+                      <a:prstDash val="solid"/>
+                      <a:round/>
+                      <a:headEnd type="none" w="med" len="med"/>
+                      <a:tailEnd type="none" w="med" len="med"/>
+                    </a:lnB>
+                    <a:lnTlToBr>
+                      <a:noFill/>
+                    </a:lnTlToBr>
+                    <a:lnBlToTr>
+                      <a:noFill/>
+                    </a:lnBlToTr>
+                    <a:noFill/>
+                  </a:tcPr>
+                </a:tc>
+              </a:tr>
+              <a:tr h="282575">
+                <a:tc>
+                  <a:txBody>
+                    <a:bodyPr/>
+                    <a:lstStyle>
+                      <a:lvl1pPr>
+                        <a:spcBef>
+                          <a:spcPct val="20000"/>
+                        </a:spcBef>
+                        <a:buFont typeface="Wingdings" panose="05000000000000000000" pitchFamily="2" charset="2"/>
+                        <a:defRPr sz="2400">
+                          <a:solidFill>
+                            <a:schemeClr val="tx2"/>
+                          </a:solidFill>
+                          <a:latin typeface="Arial" panose="020B0604020202020204" pitchFamily="34" charset="0"/>
+                          <a:cs typeface="Times New Roman" panose="02020603050405020304" pitchFamily="18" charset="0"/>
+                        </a:defRPr>
+                      </a:lvl1pPr>
+                      <a:lvl2pPr>
+                        <a:spcBef>
+                          <a:spcPct val="20000"/>
+                        </a:spcBef>
+                        <a:buFont typeface="Wingdings" panose="05000000000000000000" pitchFamily="2" charset="2"/>
+                        <a:defRPr sz="2000">
+                          <a:solidFill>
+                            <a:schemeClr val="tx1"/>
+                          </a:solidFill>
+                          <a:latin typeface="Arial" panose="020B0604020202020204" pitchFamily="34" charset="0"/>
+                          <a:cs typeface="Times New Roman" panose="02020603050405020304" pitchFamily="18" charset="0"/>
+                        </a:defRPr>
+                      </a:lvl2pPr>
+                      <a:lvl3pPr>
+                        <a:spcBef>
+                          <a:spcPct val="20000"/>
+                        </a:spcBef>
+                        <a:buFont typeface="Wingdings" panose="05000000000000000000" pitchFamily="2" charset="2"/>
+                        <a:defRPr>
+                          <a:solidFill>
+                            <a:schemeClr val="tx1"/>
+                          </a:solidFill>
+                          <a:latin typeface="Arial" panose="020B0604020202020204" pitchFamily="34" charset="0"/>
+                          <a:cs typeface="Times New Roman" panose="02020603050405020304" pitchFamily="18" charset="0"/>
+                        </a:defRPr>
+                      </a:lvl3pPr>
+                      <a:lvl4pPr>
+                        <a:spcBef>
+                          <a:spcPct val="20000"/>
+                        </a:spcBef>
+                        <a:buFont typeface="Wingdings" panose="05000000000000000000" pitchFamily="2" charset="2"/>
+                        <a:defRPr sz="1600">
+                          <a:solidFill>
+                            <a:schemeClr val="tx1"/>
+                          </a:solidFill>
+                          <a:latin typeface="Arial" panose="020B0604020202020204" pitchFamily="34" charset="0"/>
+                          <a:cs typeface="Times New Roman" panose="02020603050405020304" pitchFamily="18" charset="0"/>
+                        </a:defRPr>
+                      </a:lvl4pPr>
+                      <a:lvl5pPr>
+                        <a:spcBef>
+                          <a:spcPct val="20000"/>
+                        </a:spcBef>
+                        <a:buFont typeface="Wingdings" panose="05000000000000000000" pitchFamily="2" charset="2"/>
+                        <a:defRPr sz="1400">
+                          <a:solidFill>
+                            <a:schemeClr val="tx1"/>
+                          </a:solidFill>
+                          <a:latin typeface="Arial" panose="020B0604020202020204" pitchFamily="34" charset="0"/>
+                          <a:cs typeface="Times New Roman" panose="02020603050405020304" pitchFamily="18" charset="0"/>
+                        </a:defRPr>
+                      </a:lvl5pPr>
+                      <a:lvl6pPr fontAlgn="base">
+                        <a:spcBef>
+                          <a:spcPct val="20000"/>
+                        </a:spcBef>
+                        <a:spcAft>
+                          <a:spcPct val="0"/>
+                        </a:spcAft>
+                        <a:buFont typeface="Wingdings" panose="05000000000000000000" pitchFamily="2" charset="2"/>
+                        <a:defRPr sz="1400">
+                          <a:solidFill>
+                            <a:schemeClr val="tx1"/>
+                          </a:solidFill>
+                          <a:latin typeface="Arial" panose="020B0604020202020204" pitchFamily="34" charset="0"/>
+                          <a:cs typeface="Times New Roman" panose="02020603050405020304" pitchFamily="18" charset="0"/>
+                        </a:defRPr>
+                      </a:lvl6pPr>
+                      <a:lvl7pPr fontAlgn="base">
+                        <a:spcBef>
+                          <a:spcPct val="20000"/>
+                        </a:spcBef>
+                        <a:spcAft>
+                          <a:spcPct val="0"/>
+                        </a:spcAft>
+                        <a:buFont typeface="Wingdings" panose="05000000000000000000" pitchFamily="2" charset="2"/>
+                        <a:defRPr sz="1400">
+                          <a:solidFill>
+                            <a:schemeClr val="tx1"/>
+                          </a:solidFill>
+                          <a:latin typeface="Arial" panose="020B0604020202020204" pitchFamily="34" charset="0"/>
+                          <a:cs typeface="Times New Roman" panose="02020603050405020304" pitchFamily="18" charset="0"/>
+                        </a:defRPr>
+                      </a:lvl7pPr>
+                      <a:lvl8pPr fontAlgn="base">
+                        <a:spcBef>
+                          <a:spcPct val="20000"/>
+                        </a:spcBef>
+                        <a:spcAft>
+                          <a:spcPct val="0"/>
+                        </a:spcAft>
+                        <a:buFont typeface="Wingdings" panose="05000000000000000000" pitchFamily="2" charset="2"/>
+                        <a:defRPr sz="1400">
+                          <a:solidFill>
+                            <a:schemeClr val="tx1"/>
+                          </a:solidFill>
+                          <a:latin typeface="Arial" panose="020B0604020202020204" pitchFamily="34" charset="0"/>
+                          <a:cs typeface="Times New Roman" panose="02020603050405020304" pitchFamily="18" charset="0"/>
+                        </a:defRPr>
+                      </a:lvl8pPr>
+                      <a:lvl9pPr fontAlgn="base">
+                        <a:spcBef>
+                          <a:spcPct val="20000"/>
+                        </a:spcBef>
+                        <a:spcAft>
+                          <a:spcPct val="0"/>
+                        </a:spcAft>
+                        <a:buFont typeface="Wingdings" panose="05000000000000000000" pitchFamily="2" charset="2"/>
+                        <a:defRPr sz="1400">
+                          <a:solidFill>
+                            <a:schemeClr val="tx1"/>
+                          </a:solidFill>
+                          <a:latin typeface="Arial" panose="020B0604020202020204" pitchFamily="34" charset="0"/>
+                          <a:cs typeface="Times New Roman" panose="02020603050405020304" pitchFamily="18" charset="0"/>
+                        </a:defRPr>
+                      </a:lvl9pPr>
+                    </a:lstStyle>
+                    <a:p>
+                      <a:pPr marL="0" marR="0" lvl="0" indent="0" algn="l" defTabSz="914400" rtl="0" eaLnBrk="1" fontAlgn="base" latinLnBrk="0" hangingPunct="1">
+                        <a:lnSpc>
+                          <a:spcPct val="100000"/>
+                        </a:lnSpc>
+                        <a:spcBef>
+                          <a:spcPct val="20000"/>
+                        </a:spcBef>
+                        <a:spcAft>
+                          <a:spcPct val="0"/>
+                        </a:spcAft>
+                        <a:buClrTx/>
+                        <a:buSzTx/>
+                        <a:buFont typeface="Wingdings" panose="05000000000000000000" pitchFamily="2" charset="2"/>
+                        <a:buNone/>
+                        <a:tabLst/>
+                      </a:pPr>
+                      <a:r>
+                        <a:rPr kumimoji="0" lang="en-US" altLang="zh-CN" sz="1200" b="1" i="0" u="none" strike="noStrike" cap="none" normalizeH="0" baseline="0" dirty="0" smtClean="0">
+                          <a:ln>
+                            <a:noFill/>
+                          </a:ln>
+                          <a:solidFill>
+                            <a:schemeClr val="tx2"/>
+                          </a:solidFill>
+                          <a:effectLst/>
+                          <a:latin typeface="Arial" panose="020B0604020202020204" pitchFamily="34" charset="0"/>
+                          <a:ea typeface="宋体" panose="02010600030101010101" pitchFamily="2" charset="-122"/>
+                          <a:cs typeface="Times New Roman" panose="02020603050405020304" pitchFamily="18" charset="0"/>
+                        </a:rPr>
+                        <a:t>6</a:t>
+                      </a:r>
+                    </a:p>
+                  </a:txBody>
+                  <a:tcPr horzOverflow="overflow">
+                    <a:lnL w="28575" cap="flat" cmpd="sng" algn="ctr">
+                      <a:solidFill>
+                        <a:schemeClr val="tx1"/>
+                      </a:solidFill>
+                      <a:prstDash val="solid"/>
+                      <a:round/>
+                      <a:headEnd type="none" w="med" len="med"/>
+                      <a:tailEnd type="none" w="med" len="med"/>
+                    </a:lnL>
+                    <a:lnR w="12700" cap="flat" cmpd="sng" algn="ctr">
+                      <a:solidFill>
+                        <a:schemeClr val="tx1"/>
+                      </a:solidFill>
+                      <a:prstDash val="solid"/>
+                      <a:round/>
+                      <a:headEnd type="none" w="med" len="med"/>
+                      <a:tailEnd type="none" w="med" len="med"/>
+                    </a:lnR>
+                    <a:lnT w="12700" cap="flat" cmpd="sng" algn="ctr">
+                      <a:solidFill>
+                        <a:schemeClr val="tx1"/>
+                      </a:solidFill>
+                      <a:prstDash val="solid"/>
+                      <a:round/>
+                      <a:headEnd type="none" w="med" len="med"/>
+                      <a:tailEnd type="none" w="med" len="med"/>
+                    </a:lnT>
+                    <a:lnB w="28575" cap="flat" cmpd="sng" algn="ctr">
+                      <a:solidFill>
+                        <a:schemeClr val="tx1"/>
+                      </a:solidFill>
+                      <a:prstDash val="solid"/>
+                      <a:round/>
+                      <a:headEnd type="none" w="med" len="med"/>
+                      <a:tailEnd type="none" w="med" len="med"/>
+                    </a:lnB>
+                    <a:lnTlToBr>
+                      <a:noFill/>
+                    </a:lnTlToBr>
+                    <a:lnBlToTr>
+                      <a:noFill/>
+                    </a:lnBlToTr>
+                    <a:noFill/>
+                  </a:tcPr>
+                </a:tc>
+                <a:tc>
+                  <a:txBody>
+                    <a:bodyPr/>
+                    <a:lstStyle>
+                      <a:lvl1pPr>
+                        <a:spcBef>
+                          <a:spcPct val="20000"/>
+                        </a:spcBef>
+                        <a:buFont typeface="Wingdings" panose="05000000000000000000" pitchFamily="2" charset="2"/>
+                        <a:defRPr sz="2400">
+                          <a:solidFill>
+                            <a:schemeClr val="tx2"/>
+                          </a:solidFill>
+                          <a:latin typeface="Arial" panose="020B0604020202020204" pitchFamily="34" charset="0"/>
+                          <a:cs typeface="Times New Roman" panose="02020603050405020304" pitchFamily="18" charset="0"/>
+                        </a:defRPr>
+                      </a:lvl1pPr>
+                      <a:lvl2pPr>
+                        <a:spcBef>
+                          <a:spcPct val="20000"/>
+                        </a:spcBef>
+                        <a:buFont typeface="Wingdings" panose="05000000000000000000" pitchFamily="2" charset="2"/>
+                        <a:defRPr sz="2000">
+                          <a:solidFill>
+                            <a:schemeClr val="tx1"/>
+                          </a:solidFill>
+                          <a:latin typeface="Arial" panose="020B0604020202020204" pitchFamily="34" charset="0"/>
+                          <a:cs typeface="Times New Roman" panose="02020603050405020304" pitchFamily="18" charset="0"/>
+                        </a:defRPr>
+                      </a:lvl2pPr>
+                      <a:lvl3pPr>
+                        <a:spcBef>
+                          <a:spcPct val="20000"/>
+                        </a:spcBef>
+                        <a:buFont typeface="Wingdings" panose="05000000000000000000" pitchFamily="2" charset="2"/>
+                        <a:defRPr>
+                          <a:solidFill>
+                            <a:schemeClr val="tx1"/>
+                          </a:solidFill>
+                          <a:latin typeface="Arial" panose="020B0604020202020204" pitchFamily="34" charset="0"/>
+                          <a:cs typeface="Times New Roman" panose="02020603050405020304" pitchFamily="18" charset="0"/>
+                        </a:defRPr>
+                      </a:lvl3pPr>
+                      <a:lvl4pPr>
+                        <a:spcBef>
+                          <a:spcPct val="20000"/>
+                        </a:spcBef>
+                        <a:buFont typeface="Wingdings" panose="05000000000000000000" pitchFamily="2" charset="2"/>
+                        <a:defRPr sz="1600">
+                          <a:solidFill>
+                            <a:schemeClr val="tx1"/>
+                          </a:solidFill>
+                          <a:latin typeface="Arial" panose="020B0604020202020204" pitchFamily="34" charset="0"/>
+                          <a:cs typeface="Times New Roman" panose="02020603050405020304" pitchFamily="18" charset="0"/>
+                        </a:defRPr>
+                      </a:lvl4pPr>
+                      <a:lvl5pPr>
+                        <a:spcBef>
+                          <a:spcPct val="20000"/>
+                        </a:spcBef>
+                        <a:buFont typeface="Wingdings" panose="05000000000000000000" pitchFamily="2" charset="2"/>
+                        <a:defRPr sz="1400">
+                          <a:solidFill>
+                            <a:schemeClr val="tx1"/>
+                          </a:solidFill>
+                          <a:latin typeface="Arial" panose="020B0604020202020204" pitchFamily="34" charset="0"/>
+                          <a:cs typeface="Times New Roman" panose="02020603050405020304" pitchFamily="18" charset="0"/>
+                        </a:defRPr>
+                      </a:lvl5pPr>
+                      <a:lvl6pPr fontAlgn="base">
+                        <a:spcBef>
+                          <a:spcPct val="20000"/>
+                        </a:spcBef>
+                        <a:spcAft>
+                          <a:spcPct val="0"/>
+                        </a:spcAft>
+                        <a:buFont typeface="Wingdings" panose="05000000000000000000" pitchFamily="2" charset="2"/>
+                        <a:defRPr sz="1400">
+                          <a:solidFill>
+                            <a:schemeClr val="tx1"/>
+                          </a:solidFill>
+                          <a:latin typeface="Arial" panose="020B0604020202020204" pitchFamily="34" charset="0"/>
+                          <a:cs typeface="Times New Roman" panose="02020603050405020304" pitchFamily="18" charset="0"/>
+                        </a:defRPr>
+                      </a:lvl6pPr>
+                      <a:lvl7pPr fontAlgn="base">
+                        <a:spcBef>
+                          <a:spcPct val="20000"/>
+                        </a:spcBef>
+                        <a:spcAft>
+                          <a:spcPct val="0"/>
+                        </a:spcAft>
+                        <a:buFont typeface="Wingdings" panose="05000000000000000000" pitchFamily="2" charset="2"/>
+                        <a:defRPr sz="1400">
+                          <a:solidFill>
+                            <a:schemeClr val="tx1"/>
+                          </a:solidFill>
+                          <a:latin typeface="Arial" panose="020B0604020202020204" pitchFamily="34" charset="0"/>
+                          <a:cs typeface="Times New Roman" panose="02020603050405020304" pitchFamily="18" charset="0"/>
+                        </a:defRPr>
+                      </a:lvl7pPr>
+                      <a:lvl8pPr fontAlgn="base">
+                        <a:spcBef>
+                          <a:spcPct val="20000"/>
+                        </a:spcBef>
+                        <a:spcAft>
+                          <a:spcPct val="0"/>
+                        </a:spcAft>
+                        <a:buFont typeface="Wingdings" panose="05000000000000000000" pitchFamily="2" charset="2"/>
+                        <a:defRPr sz="1400">
+                          <a:solidFill>
+                            <a:schemeClr val="tx1"/>
+                          </a:solidFill>
+                          <a:latin typeface="Arial" panose="020B0604020202020204" pitchFamily="34" charset="0"/>
+                          <a:cs typeface="Times New Roman" panose="02020603050405020304" pitchFamily="18" charset="0"/>
+                        </a:defRPr>
+                      </a:lvl8pPr>
+                      <a:lvl9pPr fontAlgn="base">
+                        <a:spcBef>
+                          <a:spcPct val="20000"/>
+                        </a:spcBef>
+                        <a:spcAft>
+                          <a:spcPct val="0"/>
+                        </a:spcAft>
+                        <a:buFont typeface="Wingdings" panose="05000000000000000000" pitchFamily="2" charset="2"/>
+                        <a:defRPr sz="1400">
+                          <a:solidFill>
+                            <a:schemeClr val="tx1"/>
+                          </a:solidFill>
+                          <a:latin typeface="Arial" panose="020B0604020202020204" pitchFamily="34" charset="0"/>
+                          <a:cs typeface="Times New Roman" panose="02020603050405020304" pitchFamily="18" charset="0"/>
+                        </a:defRPr>
+                      </a:lvl9pPr>
+                    </a:lstStyle>
+                    <a:p>
+                      <a:pPr marL="0" marR="0" lvl="0" indent="0" algn="l" defTabSz="914400" rtl="0" eaLnBrk="1" fontAlgn="base" latinLnBrk="0" hangingPunct="1">
+                        <a:lnSpc>
+                          <a:spcPct val="100000"/>
+                        </a:lnSpc>
+                        <a:spcBef>
+                          <a:spcPct val="20000"/>
+                        </a:spcBef>
+                        <a:spcAft>
+                          <a:spcPct val="0"/>
+                        </a:spcAft>
+                        <a:buClrTx/>
+                        <a:buSzTx/>
+                        <a:buFont typeface="Wingdings" panose="05000000000000000000" pitchFamily="2" charset="2"/>
+                        <a:buNone/>
+                        <a:tabLst/>
+                      </a:pPr>
+                      <a:endParaRPr kumimoji="0" lang="zh-CN" altLang="zh-CN" sz="1200" b="0" i="0" u="none" strike="noStrike" cap="none" normalizeH="0" baseline="0" dirty="0" smtClean="0">
+                        <a:ln>
+                          <a:noFill/>
+                        </a:ln>
+                        <a:solidFill>
+                          <a:schemeClr val="tx2"/>
+                        </a:solidFill>
+                        <a:effectLst/>
+                        <a:latin typeface="Arial" panose="020B0604020202020204" pitchFamily="34" charset="0"/>
+                        <a:cs typeface="Times New Roman" panose="02020603050405020304" pitchFamily="18" charset="0"/>
+                      </a:endParaRPr>
+                    </a:p>
+                  </a:txBody>
+                  <a:tcPr horzOverflow="overflow">
+                    <a:lnL w="12700" cap="flat" cmpd="sng" algn="ctr">
+                      <a:solidFill>
+                        <a:schemeClr val="tx1"/>
+                      </a:solidFill>
+                      <a:prstDash val="solid"/>
+                      <a:round/>
+                      <a:headEnd type="none" w="med" len="med"/>
+                      <a:tailEnd type="none" w="med" len="med"/>
+                    </a:lnL>
+                    <a:lnR w="28575" cap="flat" cmpd="sng" algn="ctr">
+                      <a:solidFill>
+                        <a:schemeClr val="tx1"/>
+                      </a:solidFill>
+                      <a:prstDash val="solid"/>
+                      <a:round/>
+                      <a:headEnd type="none" w="med" len="med"/>
+                      <a:tailEnd type="none" w="med" len="med"/>
+                    </a:lnR>
+                    <a:lnT w="12700" cap="flat" cmpd="sng" algn="ctr">
+                      <a:solidFill>
+                        <a:schemeClr val="tx1"/>
+                      </a:solidFill>
+                      <a:prstDash val="solid"/>
+                      <a:round/>
+                      <a:headEnd type="none" w="med" len="med"/>
+                      <a:tailEnd type="none" w="med" len="med"/>
+                    </a:lnT>
+                    <a:lnB w="28575" cap="flat" cmpd="sng" algn="ctr">
+                      <a:solidFill>
+                        <a:schemeClr val="tx1"/>
+                      </a:solidFill>
+                      <a:prstDash val="solid"/>
+                      <a:round/>
+                      <a:headEnd type="none" w="med" len="med"/>
+                      <a:tailEnd type="none" w="med" len="med"/>
+                    </a:lnB>
+                    <a:lnTlToBr>
+                      <a:noFill/>
+                    </a:lnTlToBr>
+                    <a:lnBlToTr>
+                      <a:noFill/>
+                    </a:lnBlToTr>
+                    <a:noFill/>
+                  </a:tcPr>
+                </a:tc>
+              </a:tr>
+            </a:tbl>
+          </a:graphicData>
+        </a:graphic>
+      </p:graphicFrame>
+      <p:sp>
+        <p:nvSpPr>
+          <p:cNvPr id="57" name="Rectangle 46"/>
+          <p:cNvSpPr>
+            <a:spLocks noChangeArrowheads="1"/>
+          </p:cNvSpPr>
+          <p:nvPr/>
+        </p:nvSpPr>
+        <p:spPr bwMode="auto">
+          <a:xfrm>
+            <a:off x="3295650" y="3821251"/>
+            <a:ext cx="914400" cy="304800"/>
+          </a:xfrm>
+          <a:prstGeom prst="rect">
+            <a:avLst/>
+          </a:prstGeom>
+          <a:solidFill>
+            <a:schemeClr val="bg1"/>
+          </a:solidFill>
+          <a:ln w="9525">
+            <a:solidFill>
+              <a:schemeClr val="tx1"/>
+            </a:solidFill>
+            <a:miter lim="800000"/>
+            <a:headEnd/>
+            <a:tailEnd/>
+          </a:ln>
+          <a:effectLst/>
+          <a:extLst>
+            <a:ext uri="{AF507438-7753-43E0-B8FC-AC1667EBCBE1}">
+              <a14:hiddenEffects xmlns:a14="http://schemas.microsoft.com/office/drawing/2010/main">
+                <a:effectLst>
+                  <a:outerShdw dist="35921" dir="2700000" algn="ctr" rotWithShape="0">
+                    <a:schemeClr val="bg2"/>
+                  </a:outerShdw>
+                </a:effectLst>
+              </a14:hiddenEffects>
+            </a:ext>
+          </a:extLst>
+        </p:spPr>
+        <p:txBody>
+          <a:bodyPr wrap="none" anchor="ctr"/>
+          <a:lstStyle/>
+          <a:p>
+            <a:pPr algn="ctr"/>
+            <a:r>
+              <a:rPr lang="en-US" altLang="zh-CN" sz="1800">
+                <a:ea typeface="宋体" panose="02010600030101010101" pitchFamily="2" charset="-122"/>
+              </a:rPr>
+              <a:t>16</a:t>
+            </a:r>
+          </a:p>
+        </p:txBody>
+      </p:sp>
+      <p:sp>
+        <p:nvSpPr>
+          <p:cNvPr id="58" name="Line 48"/>
+          <p:cNvSpPr>
+            <a:spLocks noChangeShapeType="1"/>
+          </p:cNvSpPr>
+          <p:nvPr/>
+        </p:nvSpPr>
+        <p:spPr bwMode="auto">
+          <a:xfrm>
+            <a:off x="2762250" y="4002226"/>
+            <a:ext cx="533400" cy="0"/>
+          </a:xfrm>
+          <a:prstGeom prst="line">
+            <a:avLst/>
+          </a:prstGeom>
+          <a:noFill/>
+          <a:ln w="9525">
+            <a:solidFill>
+              <a:schemeClr val="tx1"/>
+            </a:solidFill>
+            <a:round/>
+            <a:headEnd/>
+            <a:tailEnd type="triangle" w="med" len="med"/>
+          </a:ln>
+          <a:effectLst/>
+          <a:extLst>
+            <a:ext uri="{909E8E84-426E-40DD-AFC4-6F175D3DCCD1}">
+              <a14:hiddenFill xmlns:a14="http://schemas.microsoft.com/office/drawing/2010/main">
+                <a:noFill/>
+              </a14:hiddenFill>
+            </a:ext>
+            <a:ext uri="{AF507438-7753-43E0-B8FC-AC1667EBCBE1}">
+              <a14:hiddenEffects xmlns:a14="http://schemas.microsoft.com/office/drawing/2010/main">
+                <a:effectLst>
+                  <a:outerShdw dist="35921" dir="2700000" algn="ctr" rotWithShape="0">
+                    <a:schemeClr val="bg2"/>
+                  </a:outerShdw>
+                </a:effectLst>
+              </a14:hiddenEffects>
+            </a:ext>
+          </a:extLst>
+        </p:spPr>
+        <p:txBody>
+          <a:bodyPr/>
+          <a:lstStyle/>
+          <a:p>
+            <a:endParaRPr lang="zh-CN" altLang="en-US"/>
+          </a:p>
+        </p:txBody>
+      </p:sp>
+      <p:sp>
+        <p:nvSpPr>
+          <p:cNvPr id="59" name="Rectangle 54"/>
+          <p:cNvSpPr>
+            <a:spLocks noChangeArrowheads="1"/>
+          </p:cNvSpPr>
+          <p:nvPr/>
+        </p:nvSpPr>
+        <p:spPr bwMode="auto">
+          <a:xfrm>
+            <a:off x="3295650" y="4964251"/>
+            <a:ext cx="914400" cy="304800"/>
+          </a:xfrm>
+          <a:prstGeom prst="rect">
+            <a:avLst/>
+          </a:prstGeom>
+          <a:solidFill>
+            <a:schemeClr val="bg1"/>
+          </a:solidFill>
+          <a:ln w="9525">
+            <a:solidFill>
+              <a:schemeClr val="tx1"/>
+            </a:solidFill>
+            <a:miter lim="800000"/>
+            <a:headEnd/>
+            <a:tailEnd/>
+          </a:ln>
+          <a:effectLst/>
+          <a:extLst>
+            <a:ext uri="{AF507438-7753-43E0-B8FC-AC1667EBCBE1}">
+              <a14:hiddenEffects xmlns:a14="http://schemas.microsoft.com/office/drawing/2010/main">
+                <a:effectLst>
+                  <a:outerShdw dist="35921" dir="2700000" algn="ctr" rotWithShape="0">
+                    <a:schemeClr val="bg2"/>
+                  </a:outerShdw>
+                </a:effectLst>
+              </a14:hiddenEffects>
+            </a:ext>
+          </a:extLst>
+        </p:spPr>
+        <p:txBody>
+          <a:bodyPr wrap="none" anchor="ctr"/>
+          <a:lstStyle/>
+          <a:p>
+            <a:pPr algn="ctr"/>
+            <a:r>
+              <a:rPr lang="en-US" altLang="zh-CN" sz="1800">
+                <a:ea typeface="宋体" panose="02010600030101010101" pitchFamily="2" charset="-122"/>
+              </a:rPr>
+              <a:t>48</a:t>
+            </a:r>
+          </a:p>
+        </p:txBody>
+      </p:sp>
+      <p:sp>
+        <p:nvSpPr>
+          <p:cNvPr id="60" name="Rectangle 55"/>
+          <p:cNvSpPr>
+            <a:spLocks noChangeArrowheads="1"/>
+          </p:cNvSpPr>
+          <p:nvPr/>
+        </p:nvSpPr>
+        <p:spPr bwMode="auto">
+          <a:xfrm>
+            <a:off x="4438650" y="4964251"/>
+            <a:ext cx="914400" cy="304800"/>
+          </a:xfrm>
+          <a:prstGeom prst="rect">
+            <a:avLst/>
+          </a:prstGeom>
+          <a:solidFill>
+            <a:schemeClr val="bg1"/>
+          </a:solidFill>
+          <a:ln w="9525">
+            <a:solidFill>
+              <a:schemeClr val="tx1"/>
+            </a:solidFill>
+            <a:miter lim="800000"/>
+            <a:headEnd/>
+            <a:tailEnd/>
+          </a:ln>
+          <a:effectLst/>
+          <a:extLst>
+            <a:ext uri="{AF507438-7753-43E0-B8FC-AC1667EBCBE1}">
+              <a14:hiddenEffects xmlns:a14="http://schemas.microsoft.com/office/drawing/2010/main">
+                <a:effectLst>
+                  <a:outerShdw dist="35921" dir="2700000" algn="ctr" rotWithShape="0">
+                    <a:schemeClr val="bg2"/>
+                  </a:outerShdw>
+                </a:effectLst>
+              </a14:hiddenEffects>
+            </a:ext>
+          </a:extLst>
+        </p:spPr>
+        <p:txBody>
+          <a:bodyPr wrap="none" anchor="ctr"/>
+          <a:lstStyle/>
+          <a:p>
+            <a:pPr algn="ctr"/>
+            <a:r>
+              <a:rPr lang="en-US" altLang="zh-CN" sz="1800">
+                <a:ea typeface="宋体" panose="02010600030101010101" pitchFamily="2" charset="-122"/>
+              </a:rPr>
+              <a:t>48</a:t>
+            </a:r>
+          </a:p>
+        </p:txBody>
+      </p:sp>
+      <p:sp>
+        <p:nvSpPr>
+          <p:cNvPr id="61" name="Line 56"/>
+          <p:cNvSpPr>
+            <a:spLocks noChangeShapeType="1"/>
+          </p:cNvSpPr>
+          <p:nvPr/>
+        </p:nvSpPr>
+        <p:spPr bwMode="auto">
+          <a:xfrm>
+            <a:off x="2762250" y="5145226"/>
+            <a:ext cx="533400" cy="0"/>
+          </a:xfrm>
+          <a:prstGeom prst="line">
+            <a:avLst/>
+          </a:prstGeom>
+          <a:noFill/>
+          <a:ln w="9525">
+            <a:solidFill>
+              <a:schemeClr val="tx1"/>
+            </a:solidFill>
+            <a:round/>
+            <a:headEnd/>
+            <a:tailEnd type="triangle" w="med" len="med"/>
+          </a:ln>
+          <a:effectLst/>
+          <a:extLst>
+            <a:ext uri="{909E8E84-426E-40DD-AFC4-6F175D3DCCD1}">
+              <a14:hiddenFill xmlns:a14="http://schemas.microsoft.com/office/drawing/2010/main">
+                <a:noFill/>
+              </a14:hiddenFill>
+            </a:ext>
+            <a:ext uri="{AF507438-7753-43E0-B8FC-AC1667EBCBE1}">
+              <a14:hiddenEffects xmlns:a14="http://schemas.microsoft.com/office/drawing/2010/main">
+                <a:effectLst>
+                  <a:outerShdw dist="35921" dir="2700000" algn="ctr" rotWithShape="0">
+                    <a:schemeClr val="bg2"/>
+                  </a:outerShdw>
+                </a:effectLst>
+              </a14:hiddenEffects>
+            </a:ext>
+          </a:extLst>
+        </p:spPr>
+        <p:txBody>
+          <a:bodyPr/>
+          <a:lstStyle/>
+          <a:p>
+            <a:endParaRPr lang="zh-CN" altLang="en-US"/>
+          </a:p>
+        </p:txBody>
+      </p:sp>
+      <p:sp>
+        <p:nvSpPr>
+          <p:cNvPr id="62" name="Line 57"/>
+          <p:cNvSpPr>
+            <a:spLocks noChangeShapeType="1"/>
+          </p:cNvSpPr>
+          <p:nvPr/>
+        </p:nvSpPr>
+        <p:spPr bwMode="auto">
+          <a:xfrm>
+            <a:off x="4210050" y="5145226"/>
+            <a:ext cx="228600" cy="0"/>
+          </a:xfrm>
+          <a:prstGeom prst="line">
+            <a:avLst/>
+          </a:prstGeom>
+          <a:noFill/>
+          <a:ln w="9525">
+            <a:solidFill>
+              <a:schemeClr val="tx1"/>
+            </a:solidFill>
+            <a:round/>
+            <a:headEnd/>
+            <a:tailEnd type="triangle" w="med" len="med"/>
+          </a:ln>
+          <a:effectLst/>
+          <a:extLst>
+            <a:ext uri="{909E8E84-426E-40DD-AFC4-6F175D3DCCD1}">
+              <a14:hiddenFill xmlns:a14="http://schemas.microsoft.com/office/drawing/2010/main">
+                <a:noFill/>
+              </a14:hiddenFill>
+            </a:ext>
+            <a:ext uri="{AF507438-7753-43E0-B8FC-AC1667EBCBE1}">
+              <a14:hiddenEffects xmlns:a14="http://schemas.microsoft.com/office/drawing/2010/main">
+                <a:effectLst>
+                  <a:outerShdw dist="35921" dir="2700000" algn="ctr" rotWithShape="0">
+                    <a:schemeClr val="bg2"/>
+                  </a:outerShdw>
+                </a:effectLst>
+              </a14:hiddenEffects>
+            </a:ext>
+          </a:extLst>
+        </p:spPr>
+        <p:txBody>
+          <a:bodyPr/>
+          <a:lstStyle/>
+          <a:p>
+            <a:endParaRPr lang="zh-CN" altLang="en-US"/>
+          </a:p>
+        </p:txBody>
+      </p:sp>
+    </p:spTree>
+    <p:extLst>
+      <p:ext uri="{BB962C8B-B14F-4D97-AF65-F5344CB8AC3E}">
+        <p14:creationId xmlns:p14="http://schemas.microsoft.com/office/powerpoint/2010/main" val="2935535765"/>
+      </p:ext>
+    </p:extLst>
+  </p:cSld>
+  <p:clrMapOvr>
+    <a:masterClrMapping/>
+  </p:clrMapOvr>
+  <p:timing>
+    <p:tnLst>
+      <p:par>
+        <p:cTn id="1" dur="indefinite" restart="never" nodeType="tmRoot"/>
+      </p:par>
+    </p:tnLst>
+  </p:timing>
+</p:sld>
+</file>
+
+<file path=ppt/slides/slide11.xml><?xml version="1.0" encoding="utf-8"?>
 <p:sld xmlns:a="http://schemas.openxmlformats.org/drawingml/2006/main" xmlns:r="http://schemas.openxmlformats.org/officeDocument/2006/relationships" xmlns:p="http://schemas.openxmlformats.org/presentationml/2006/main">
   <p:cSld>
     <p:spTree>
@@ -8322,7 +11870,7 @@
 </p:sld>
 </file>
 
-<file path=ppt/slides/slide11.xml><?xml version="1.0" encoding="utf-8"?>
+<file path=ppt/slides/slide12.xml><?xml version="1.0" encoding="utf-8"?>
 <p:sld xmlns:a="http://schemas.openxmlformats.org/drawingml/2006/main" xmlns:r="http://schemas.openxmlformats.org/officeDocument/2006/relationships" xmlns:p="http://schemas.openxmlformats.org/presentationml/2006/main">
   <p:cSld>
     <p:spTree>
@@ -9777,7 +13325,7 @@
 </p:sld>
 </file>
 
-<file path=ppt/slides/slide12.xml><?xml version="1.0" encoding="utf-8"?>
+<file path=ppt/slides/slide13.xml><?xml version="1.0" encoding="utf-8"?>
 <p:sld xmlns:a="http://schemas.openxmlformats.org/drawingml/2006/main" xmlns:r="http://schemas.openxmlformats.org/officeDocument/2006/relationships" xmlns:p="http://schemas.openxmlformats.org/presentationml/2006/main">
   <p:cSld>
     <p:spTree>
@@ -10222,7 +13770,7 @@
 </p:sld>
 </file>
 
-<file path=ppt/slides/slide13.xml><?xml version="1.0" encoding="utf-8"?>
+<file path=ppt/slides/slide14.xml><?xml version="1.0" encoding="utf-8"?>
 <p:sld xmlns:a="http://schemas.openxmlformats.org/drawingml/2006/main" xmlns:r="http://schemas.openxmlformats.org/officeDocument/2006/relationships" xmlns:p="http://schemas.openxmlformats.org/presentationml/2006/main">
   <p:cSld>
     <p:spTree>
@@ -11704,7 +15252,7 @@
 </p:sld>
 </file>
 
-<file path=ppt/slides/slide14.xml><?xml version="1.0" encoding="utf-8"?>
+<file path=ppt/slides/slide15.xml><?xml version="1.0" encoding="utf-8"?>
 <p:sld xmlns:a="http://schemas.openxmlformats.org/drawingml/2006/main" xmlns:r="http://schemas.openxmlformats.org/officeDocument/2006/relationships" xmlns:p="http://schemas.openxmlformats.org/presentationml/2006/main">
   <p:cSld>
     <p:spTree>
@@ -13046,7 +16594,7 @@
 </p:sld>
 </file>
 
-<file path=ppt/slides/slide15.xml><?xml version="1.0" encoding="utf-8"?>
+<file path=ppt/slides/slide16.xml><?xml version="1.0" encoding="utf-8"?>
 <p:sld xmlns:a="http://schemas.openxmlformats.org/drawingml/2006/main" xmlns:r="http://schemas.openxmlformats.org/officeDocument/2006/relationships" xmlns:p="http://schemas.openxmlformats.org/presentationml/2006/main">
   <p:cSld>
     <p:spTree>
@@ -13131,7 +16679,7 @@
         <p:spPr>
           <a:xfrm>
             <a:off x="981259" y="1561237"/>
-            <a:ext cx="8734425" cy="3693319"/>
+            <a:ext cx="8734425" cy="4247317"/>
           </a:xfrm>
           <a:prstGeom prst="rect">
             <a:avLst/>
@@ -13262,13 +16810,35 @@
               <a:rPr lang="en-US" altLang="zh-CN" b="1" dirty="0">
                 <a:hlinkClick r:id="rId2"/>
               </a:rPr>
-              <a:t> 04 </a:t>
-            </a:r>
-            <a:r>
-              <a:rPr lang="en-US" altLang="zh-CN" b="1" dirty="0" smtClean="0">
+              <a:t> </a:t>
+            </a:r>
+            <a:r>
+              <a:rPr lang="en-US" altLang="zh-CN" b="1">
+                <a:hlinkClick r:id="rId2"/>
+              </a:rPr>
+              <a:t>04 </a:t>
+            </a:r>
+            <a:r>
+              <a:rPr lang="en-US" altLang="zh-CN" b="1" smtClean="0">
                 <a:hlinkClick r:id="rId2"/>
               </a:rPr>
               <a:t>Presentation</a:t>
+            </a:r>
+            <a:endParaRPr lang="en-US" altLang="zh-CN" b="1" smtClean="0"/>
+          </a:p>
+          <a:p>
+            <a:pPr marL="285750" lvl="0" indent="-285750" algn="just">
+              <a:spcAft>
+                <a:spcPts val="0"/>
+              </a:spcAft>
+              <a:buFont typeface="Arial" panose="020B0604020202020204" pitchFamily="34" charset="0"/>
+              <a:buChar char="•"/>
+            </a:pPr>
+            <a:r>
+              <a:rPr lang="en-US" altLang="zh-CN" b="1" smtClean="0">
+                <a:hlinkClick r:id="rId3"/>
+              </a:rPr>
+              <a:t>Third Generation Exploitation</a:t>
             </a:r>
             <a:endParaRPr lang="en-US" altLang="zh-CN" b="1" dirty="0" smtClean="0"/>
           </a:p>
@@ -13279,25 +16849,31 @@
             </a:pPr>
             <a:r>
               <a:rPr lang="en-GB" altLang="zh-CN" b="1" dirty="0">
-                <a:hlinkClick r:id="rId3"/>
+                <a:hlinkClick r:id="rId4"/>
               </a:rPr>
               <a:t>Windows Heap </a:t>
             </a:r>
             <a:r>
               <a:rPr lang="en-GB" altLang="zh-CN" b="1" dirty="0" smtClean="0">
-                <a:hlinkClick r:id="rId3"/>
+                <a:hlinkClick r:id="rId4"/>
               </a:rPr>
-              <a:t>Overflows - </a:t>
-            </a:r>
-            <a:r>
-              <a:rPr lang="en-US" altLang="zh-CN" kern="100" dirty="0" smtClean="0">
+              <a:t>Overflows </a:t>
+            </a:r>
+            <a:r>
+              <a:rPr lang="en-GB" altLang="zh-CN" b="1" smtClean="0">
+                <a:hlinkClick r:id="rId4"/>
+              </a:rPr>
+              <a:t>- </a:t>
+            </a:r>
+            <a:r>
+              <a:rPr lang="en-US" altLang="zh-CN" kern="100" smtClean="0">
                 <a:latin typeface="Consolas" panose="020B0609020204030204" pitchFamily="49" charset="0"/>
                 <a:cs typeface="Times New Roman" panose="02020603050405020304" pitchFamily="18" charset="0"/>
-                <a:hlinkClick r:id="rId3"/>
+                <a:hlinkClick r:id="rId4"/>
               </a:rPr>
               <a:t>bh-win-04-Litchfield</a:t>
             </a:r>
-            <a:endParaRPr lang="en-US" altLang="zh-CN" kern="100" dirty="0" smtClean="0">
+            <a:endParaRPr lang="en-US" altLang="zh-CN" kern="100" smtClean="0">
               <a:latin typeface="Consolas" panose="020B0609020204030204" pitchFamily="49" charset="0"/>
               <a:cs typeface="Times New Roman" panose="02020603050405020304" pitchFamily="18" charset="0"/>
             </a:endParaRPr>
@@ -13308,12 +16884,38 @@
               <a:buChar char="•"/>
             </a:pPr>
             <a:r>
+              <a:rPr lang="en-US" altLang="zh-CN" kern="100" smtClean="0">
+                <a:latin typeface="Consolas" panose="020B0609020204030204" pitchFamily="49" charset="0"/>
+                <a:cs typeface="Times New Roman" panose="02020603050405020304" pitchFamily="18" charset="0"/>
+                <a:hlinkClick r:id="rId5"/>
+              </a:rPr>
+              <a:t>Reliable Windows Heap Exploits</a:t>
+            </a:r>
+            <a:endParaRPr lang="en-US" altLang="zh-CN" kern="100" smtClean="0">
+              <a:latin typeface="Consolas" panose="020B0609020204030204" pitchFamily="49" charset="0"/>
+              <a:cs typeface="Times New Roman" panose="02020603050405020304" pitchFamily="18" charset="0"/>
+            </a:endParaRPr>
+          </a:p>
+          <a:p>
+            <a:pPr marL="285750" indent="-285750" algn="just">
+              <a:buFont typeface="Arial" panose="020B0604020202020204" pitchFamily="34" charset="0"/>
+              <a:buChar char="•"/>
+            </a:pPr>
+            <a:r>
+              <a:rPr lang="en-US" altLang="zh-CN" b="1" kern="100" smtClean="0">
+                <a:latin typeface="Consolas" panose="020B0609020204030204" pitchFamily="49" charset="0"/>
+                <a:cs typeface="Times New Roman" panose="02020603050405020304" pitchFamily="18" charset="0"/>
+                <a:hlinkClick r:id="rId6"/>
+              </a:rPr>
+              <a:t>Understanding </a:t>
+            </a:r>
+            <a:r>
               <a:rPr lang="en-US" altLang="zh-CN" b="1" kern="100" dirty="0" smtClean="0">
                 <a:latin typeface="Consolas" panose="020B0609020204030204" pitchFamily="49" charset="0"/>
                 <a:cs typeface="Times New Roman" panose="02020603050405020304" pitchFamily="18" charset="0"/>
-                <a:hlinkClick r:id="rId4"/>
+                <a:hlinkClick r:id="rId6"/>
               </a:rPr>
-              <a:t>Understanding and bypassing Windows Heap Protection</a:t>
+              <a:t>and bypassing Windows Heap Protection</a:t>
             </a:r>
             <a:endParaRPr lang="en-US" altLang="zh-CN" b="1" kern="100" dirty="0" smtClean="0">
               <a:latin typeface="Consolas" panose="020B0609020204030204" pitchFamily="49" charset="0"/>
@@ -13329,7 +16931,7 @@
               <a:rPr lang="en-US" altLang="zh-CN" b="1" kern="100" dirty="0" smtClean="0">
                 <a:latin typeface="Consolas" panose="020B0609020204030204" pitchFamily="49" charset="0"/>
                 <a:cs typeface="Times New Roman" panose="02020603050405020304" pitchFamily="18" charset="0"/>
-                <a:hlinkClick r:id="rId5"/>
+                <a:hlinkClick r:id="rId7"/>
               </a:rPr>
               <a:t>Heap </a:t>
             </a:r>
@@ -13337,7 +16939,7 @@
               <a:rPr lang="en-US" altLang="zh-CN" b="1" kern="100" smtClean="0">
                 <a:latin typeface="Consolas" panose="020B0609020204030204" pitchFamily="49" charset="0"/>
                 <a:cs typeface="Times New Roman" panose="02020603050405020304" pitchFamily="18" charset="0"/>
-                <a:hlinkClick r:id="rId5"/>
+                <a:hlinkClick r:id="rId7"/>
               </a:rPr>
               <a:t>for humans 101</a:t>
             </a:r>
@@ -13355,7 +16957,7 @@
               <a:rPr lang="en-US" altLang="zh-CN" b="1" kern="100" smtClean="0">
                 <a:latin typeface="Consolas" panose="020B0609020204030204" pitchFamily="49" charset="0"/>
                 <a:cs typeface="Times New Roman" panose="02020603050405020304" pitchFamily="18" charset="0"/>
-                <a:hlinkClick r:id="rId6"/>
+                <a:hlinkClick r:id="rId8"/>
               </a:rPr>
               <a:t>Heap for humans 102</a:t>
             </a:r>
@@ -13373,7 +16975,7 @@
               <a:rPr lang="en-US" altLang="zh-CN" b="1" kern="100" smtClean="0">
                 <a:latin typeface="Consolas" panose="020B0609020204030204" pitchFamily="49" charset="0"/>
                 <a:cs typeface="Times New Roman" panose="02020603050405020304" pitchFamily="18" charset="0"/>
-                <a:hlinkClick r:id="rId7"/>
+                <a:hlinkClick r:id="rId9"/>
               </a:rPr>
               <a:t>Heap for humans 102.5</a:t>
             </a:r>
@@ -13391,7 +16993,7 @@
               <a:rPr lang="en-US" altLang="zh-CN" b="1" kern="100" smtClean="0">
                 <a:latin typeface="Consolas" panose="020B0609020204030204" pitchFamily="49" charset="0"/>
                 <a:cs typeface="Times New Roman" panose="02020603050405020304" pitchFamily="18" charset="0"/>
-                <a:hlinkClick r:id="rId8"/>
+                <a:hlinkClick r:id="rId10"/>
               </a:rPr>
               <a:t>Heap for humans 103</a:t>
             </a:r>
@@ -13409,7 +17011,7 @@
               <a:rPr lang="en-US" altLang="zh-CN" b="1" kern="100" smtClean="0">
                 <a:latin typeface="Consolas" panose="020B0609020204030204" pitchFamily="49" charset="0"/>
                 <a:cs typeface="Times New Roman" panose="02020603050405020304" pitchFamily="18" charset="0"/>
-                <a:hlinkClick r:id="rId9"/>
+                <a:hlinkClick r:id="rId11"/>
               </a:rPr>
               <a:t>Heap for humans 103.5</a:t>
             </a:r>
@@ -31360,7 +34962,7 @@
             </a:r>
             <a:r>
               <a:rPr lang="en-US" altLang="zh-CN" dirty="0" err="1" smtClean="0"/>
-              <a:t>lookaside</a:t>
+              <a:t>freelist</a:t>
             </a:r>
             <a:endParaRPr lang="zh-CN" altLang="en-US" dirty="0"/>
           </a:p>
@@ -31401,3459 +35003,34 @@
           </a:fontRef>
         </p:style>
       </p:cxnSp>
-      <p:sp>
-        <p:nvSpPr>
-          <p:cNvPr id="3" name="文本框 2"/>
-          <p:cNvSpPr txBox="1"/>
+      <p:pic>
+        <p:nvPicPr>
+          <p:cNvPr id="5" name="图片 4"/>
+          <p:cNvPicPr>
+            <a:picLocks noChangeAspect="1"/>
+          </p:cNvPicPr>
           <p:nvPr/>
-        </p:nvSpPr>
+        </p:nvPicPr>
+        <p:blipFill>
+          <a:blip r:embed="rId2"/>
+          <a:stretch>
+            <a:fillRect/>
+          </a:stretch>
+        </p:blipFill>
         <p:spPr>
           <a:xfrm>
-            <a:off x="981258" y="1533525"/>
-            <a:ext cx="8734425" cy="1754326"/>
+            <a:off x="1086565" y="1902857"/>
+            <a:ext cx="8523809" cy="3809524"/>
           </a:xfrm>
           <a:prstGeom prst="rect">
             <a:avLst/>
           </a:prstGeom>
-          <a:noFill/>
         </p:spPr>
-        <p:txBody>
-          <a:bodyPr wrap="square" rtlCol="0">
-            <a:spAutoFit/>
-          </a:bodyPr>
-          <a:lstStyle/>
-          <a:p>
-            <a:pPr marL="285750" indent="-285750">
-              <a:buFont typeface="Arial" panose="020B0604020202020204" pitchFamily="34" charset="0"/>
-              <a:buChar char="•"/>
-            </a:pPr>
-            <a:r>
-              <a:rPr lang="zh-CN" altLang="en-US" dirty="0" smtClean="0"/>
-              <a:t>用于快速分配和释放。</a:t>
-            </a:r>
-            <a:endParaRPr lang="en-US" altLang="zh-CN" dirty="0" smtClean="0"/>
-          </a:p>
-          <a:p>
-            <a:pPr marL="285750" indent="-285750">
-              <a:buFont typeface="Arial" panose="020B0604020202020204" pitchFamily="34" charset="0"/>
-              <a:buChar char="•"/>
-            </a:pPr>
-            <a:r>
-              <a:rPr lang="zh-CN" altLang="en-US" dirty="0" smtClean="0"/>
-              <a:t>由</a:t>
-            </a:r>
-            <a:r>
-              <a:rPr lang="en-US" altLang="zh-CN" dirty="0" smtClean="0"/>
-              <a:t>128</a:t>
-            </a:r>
-            <a:r>
-              <a:rPr lang="zh-CN" altLang="en-US" dirty="0" smtClean="0"/>
-              <a:t>个单链表组成，每个链表存放最多</a:t>
-            </a:r>
-            <a:r>
-              <a:rPr lang="en-US" altLang="zh-CN" dirty="0" smtClean="0"/>
-              <a:t>4</a:t>
-            </a:r>
-            <a:r>
-              <a:rPr lang="zh-CN" altLang="en-US" dirty="0" smtClean="0"/>
-              <a:t>个相同大小的“空闲”块（标记为</a:t>
-            </a:r>
-            <a:r>
-              <a:rPr lang="en-US" altLang="zh-CN" dirty="0" smtClean="0"/>
-              <a:t>busy</a:t>
-            </a:r>
-            <a:r>
-              <a:rPr lang="zh-CN" altLang="en-US" dirty="0" smtClean="0"/>
-              <a:t>态，避免合并操作）。</a:t>
-            </a:r>
-            <a:endParaRPr lang="en-US" altLang="zh-CN" dirty="0"/>
-          </a:p>
-          <a:p>
-            <a:pPr marL="285750" indent="-285750">
-              <a:buFont typeface="Arial" panose="020B0604020202020204" pitchFamily="34" charset="0"/>
-              <a:buChar char="•"/>
-            </a:pPr>
-            <a:r>
-              <a:rPr lang="zh-CN" altLang="en-US" dirty="0" smtClean="0"/>
-              <a:t>初始时</a:t>
-            </a:r>
-            <a:r>
-              <a:rPr lang="en-US" altLang="zh-CN" dirty="0" smtClean="0"/>
-              <a:t>128</a:t>
-            </a:r>
-            <a:r>
-              <a:rPr lang="zh-CN" altLang="en-US" dirty="0" smtClean="0"/>
-              <a:t>个单链表均为空。</a:t>
-            </a:r>
-            <a:endParaRPr lang="en-US" altLang="zh-CN" dirty="0" smtClean="0"/>
-          </a:p>
-          <a:p>
-            <a:pPr marL="285750" indent="-285750">
-              <a:buFont typeface="Arial" panose="020B0604020202020204" pitchFamily="34" charset="0"/>
-              <a:buChar char="•"/>
-            </a:pPr>
-            <a:r>
-              <a:rPr lang="en-US" altLang="zh-CN" dirty="0" err="1"/>
-              <a:t>l</a:t>
-            </a:r>
-            <a:r>
-              <a:rPr lang="en-US" altLang="zh-CN" dirty="0" err="1" smtClean="0"/>
-              <a:t>ookaside</a:t>
-            </a:r>
-            <a:r>
-              <a:rPr lang="zh-CN" altLang="en-US" dirty="0" smtClean="0"/>
-              <a:t>是否</a:t>
-            </a:r>
-            <a:r>
-              <a:rPr lang="en-US" altLang="zh-CN" dirty="0" smtClean="0"/>
-              <a:t>enable</a:t>
-            </a:r>
-            <a:r>
-              <a:rPr lang="zh-CN" altLang="en-US" dirty="0" smtClean="0"/>
-              <a:t>取决于环境与堆创建规格。</a:t>
-            </a:r>
-            <a:endParaRPr lang="en-US" altLang="zh-CN" dirty="0" smtClean="0"/>
-          </a:p>
-          <a:p>
-            <a:pPr marL="285750" indent="-285750">
-              <a:buFont typeface="Arial" panose="020B0604020202020204" pitchFamily="34" charset="0"/>
-              <a:buChar char="•"/>
-            </a:pPr>
-            <a:endParaRPr lang="en-US" altLang="zh-CN" dirty="0" smtClean="0"/>
-          </a:p>
-        </p:txBody>
-      </p:sp>
-      <p:graphicFrame>
-        <p:nvGraphicFramePr>
-          <p:cNvPr id="56" name="Group 60"/>
-          <p:cNvGraphicFramePr>
-            <a:graphicFrameLocks noGrp="1"/>
-          </p:cNvGraphicFramePr>
-          <p:nvPr>
-            <p:extLst>
-              <p:ext uri="{D42A27DB-BD31-4B8C-83A1-F6EECF244321}">
-                <p14:modId xmlns:p14="http://schemas.microsoft.com/office/powerpoint/2010/main" val="2326250353"/>
-              </p:ext>
-            </p:extLst>
-          </p:nvPr>
-        </p:nvGraphicFramePr>
-        <p:xfrm>
-          <a:off x="1314450" y="3287851"/>
-          <a:ext cx="1447800" cy="1981201"/>
-        </p:xfrm>
-        <a:graphic>
-          <a:graphicData uri="http://schemas.openxmlformats.org/drawingml/2006/table">
-            <a:tbl>
-              <a:tblPr/>
-              <a:tblGrid>
-                <a:gridCol w="723900"/>
-                <a:gridCol w="723900"/>
-              </a:tblGrid>
-              <a:tr h="282575">
-                <a:tc>
-                  <a:txBody>
-                    <a:bodyPr/>
-                    <a:lstStyle>
-                      <a:lvl1pPr>
-                        <a:spcBef>
-                          <a:spcPct val="20000"/>
-                        </a:spcBef>
-                        <a:buFont typeface="Wingdings" panose="05000000000000000000" pitchFamily="2" charset="2"/>
-                        <a:defRPr sz="2400">
-                          <a:solidFill>
-                            <a:schemeClr val="tx2"/>
-                          </a:solidFill>
-                          <a:latin typeface="Arial" panose="020B0604020202020204" pitchFamily="34" charset="0"/>
-                          <a:cs typeface="Times New Roman" panose="02020603050405020304" pitchFamily="18" charset="0"/>
-                        </a:defRPr>
-                      </a:lvl1pPr>
-                      <a:lvl2pPr>
-                        <a:spcBef>
-                          <a:spcPct val="20000"/>
-                        </a:spcBef>
-                        <a:buFont typeface="Wingdings" panose="05000000000000000000" pitchFamily="2" charset="2"/>
-                        <a:defRPr sz="2000">
-                          <a:solidFill>
-                            <a:schemeClr val="tx1"/>
-                          </a:solidFill>
-                          <a:latin typeface="Arial" panose="020B0604020202020204" pitchFamily="34" charset="0"/>
-                          <a:cs typeface="Times New Roman" panose="02020603050405020304" pitchFamily="18" charset="0"/>
-                        </a:defRPr>
-                      </a:lvl2pPr>
-                      <a:lvl3pPr>
-                        <a:spcBef>
-                          <a:spcPct val="20000"/>
-                        </a:spcBef>
-                        <a:buFont typeface="Wingdings" panose="05000000000000000000" pitchFamily="2" charset="2"/>
-                        <a:defRPr>
-                          <a:solidFill>
-                            <a:schemeClr val="tx1"/>
-                          </a:solidFill>
-                          <a:latin typeface="Arial" panose="020B0604020202020204" pitchFamily="34" charset="0"/>
-                          <a:cs typeface="Times New Roman" panose="02020603050405020304" pitchFamily="18" charset="0"/>
-                        </a:defRPr>
-                      </a:lvl3pPr>
-                      <a:lvl4pPr>
-                        <a:spcBef>
-                          <a:spcPct val="20000"/>
-                        </a:spcBef>
-                        <a:buFont typeface="Wingdings" panose="05000000000000000000" pitchFamily="2" charset="2"/>
-                        <a:defRPr sz="1600">
-                          <a:solidFill>
-                            <a:schemeClr val="tx1"/>
-                          </a:solidFill>
-                          <a:latin typeface="Arial" panose="020B0604020202020204" pitchFamily="34" charset="0"/>
-                          <a:cs typeface="Times New Roman" panose="02020603050405020304" pitchFamily="18" charset="0"/>
-                        </a:defRPr>
-                      </a:lvl4pPr>
-                      <a:lvl5pPr>
-                        <a:spcBef>
-                          <a:spcPct val="20000"/>
-                        </a:spcBef>
-                        <a:buFont typeface="Wingdings" panose="05000000000000000000" pitchFamily="2" charset="2"/>
-                        <a:defRPr sz="1400">
-                          <a:solidFill>
-                            <a:schemeClr val="tx1"/>
-                          </a:solidFill>
-                          <a:latin typeface="Arial" panose="020B0604020202020204" pitchFamily="34" charset="0"/>
-                          <a:cs typeface="Times New Roman" panose="02020603050405020304" pitchFamily="18" charset="0"/>
-                        </a:defRPr>
-                      </a:lvl5pPr>
-                      <a:lvl6pPr fontAlgn="base">
-                        <a:spcBef>
-                          <a:spcPct val="20000"/>
-                        </a:spcBef>
-                        <a:spcAft>
-                          <a:spcPct val="0"/>
-                        </a:spcAft>
-                        <a:buFont typeface="Wingdings" panose="05000000000000000000" pitchFamily="2" charset="2"/>
-                        <a:defRPr sz="1400">
-                          <a:solidFill>
-                            <a:schemeClr val="tx1"/>
-                          </a:solidFill>
-                          <a:latin typeface="Arial" panose="020B0604020202020204" pitchFamily="34" charset="0"/>
-                          <a:cs typeface="Times New Roman" panose="02020603050405020304" pitchFamily="18" charset="0"/>
-                        </a:defRPr>
-                      </a:lvl6pPr>
-                      <a:lvl7pPr fontAlgn="base">
-                        <a:spcBef>
-                          <a:spcPct val="20000"/>
-                        </a:spcBef>
-                        <a:spcAft>
-                          <a:spcPct val="0"/>
-                        </a:spcAft>
-                        <a:buFont typeface="Wingdings" panose="05000000000000000000" pitchFamily="2" charset="2"/>
-                        <a:defRPr sz="1400">
-                          <a:solidFill>
-                            <a:schemeClr val="tx1"/>
-                          </a:solidFill>
-                          <a:latin typeface="Arial" panose="020B0604020202020204" pitchFamily="34" charset="0"/>
-                          <a:cs typeface="Times New Roman" panose="02020603050405020304" pitchFamily="18" charset="0"/>
-                        </a:defRPr>
-                      </a:lvl7pPr>
-                      <a:lvl8pPr fontAlgn="base">
-                        <a:spcBef>
-                          <a:spcPct val="20000"/>
-                        </a:spcBef>
-                        <a:spcAft>
-                          <a:spcPct val="0"/>
-                        </a:spcAft>
-                        <a:buFont typeface="Wingdings" panose="05000000000000000000" pitchFamily="2" charset="2"/>
-                        <a:defRPr sz="1400">
-                          <a:solidFill>
-                            <a:schemeClr val="tx1"/>
-                          </a:solidFill>
-                          <a:latin typeface="Arial" panose="020B0604020202020204" pitchFamily="34" charset="0"/>
-                          <a:cs typeface="Times New Roman" panose="02020603050405020304" pitchFamily="18" charset="0"/>
-                        </a:defRPr>
-                      </a:lvl8pPr>
-                      <a:lvl9pPr fontAlgn="base">
-                        <a:spcBef>
-                          <a:spcPct val="20000"/>
-                        </a:spcBef>
-                        <a:spcAft>
-                          <a:spcPct val="0"/>
-                        </a:spcAft>
-                        <a:buFont typeface="Wingdings" panose="05000000000000000000" pitchFamily="2" charset="2"/>
-                        <a:defRPr sz="1400">
-                          <a:solidFill>
-                            <a:schemeClr val="tx1"/>
-                          </a:solidFill>
-                          <a:latin typeface="Arial" panose="020B0604020202020204" pitchFamily="34" charset="0"/>
-                          <a:cs typeface="Times New Roman" panose="02020603050405020304" pitchFamily="18" charset="0"/>
-                        </a:defRPr>
-                      </a:lvl9pPr>
-                    </a:lstStyle>
-                    <a:p>
-                      <a:pPr marL="0" marR="0" lvl="0" indent="0" algn="l" defTabSz="914400" rtl="0" eaLnBrk="1" fontAlgn="base" latinLnBrk="0" hangingPunct="1">
-                        <a:lnSpc>
-                          <a:spcPct val="100000"/>
-                        </a:lnSpc>
-                        <a:spcBef>
-                          <a:spcPct val="20000"/>
-                        </a:spcBef>
-                        <a:spcAft>
-                          <a:spcPct val="0"/>
-                        </a:spcAft>
-                        <a:buClrTx/>
-                        <a:buSzTx/>
-                        <a:buFont typeface="Wingdings" panose="05000000000000000000" pitchFamily="2" charset="2"/>
-                        <a:buNone/>
-                        <a:tabLst/>
-                      </a:pPr>
-                      <a:r>
-                        <a:rPr kumimoji="0" lang="en-US" altLang="zh-CN" sz="1200" b="1" i="0" u="none" strike="noStrike" cap="none" normalizeH="0" baseline="0" dirty="0" smtClean="0">
-                          <a:ln>
-                            <a:noFill/>
-                          </a:ln>
-                          <a:solidFill>
-                            <a:schemeClr val="tx2"/>
-                          </a:solidFill>
-                          <a:effectLst/>
-                          <a:latin typeface="Arial" panose="020B0604020202020204" pitchFamily="34" charset="0"/>
-                          <a:ea typeface="宋体" panose="02010600030101010101" pitchFamily="2" charset="-122"/>
-                          <a:cs typeface="Times New Roman" panose="02020603050405020304" pitchFamily="18" charset="0"/>
-                        </a:rPr>
-                        <a:t>0</a:t>
-                      </a:r>
-                    </a:p>
-                  </a:txBody>
-                  <a:tcPr horzOverflow="overflow">
-                    <a:lnL w="28575" cap="flat" cmpd="sng" algn="ctr">
-                      <a:solidFill>
-                        <a:schemeClr val="tx1"/>
-                      </a:solidFill>
-                      <a:prstDash val="solid"/>
-                      <a:round/>
-                      <a:headEnd type="none" w="med" len="med"/>
-                      <a:tailEnd type="none" w="med" len="med"/>
-                    </a:lnL>
-                    <a:lnR w="12700" cap="flat" cmpd="sng" algn="ctr">
-                      <a:solidFill>
-                        <a:schemeClr val="tx1"/>
-                      </a:solidFill>
-                      <a:prstDash val="solid"/>
-                      <a:round/>
-                      <a:headEnd type="none" w="med" len="med"/>
-                      <a:tailEnd type="none" w="med" len="med"/>
-                    </a:lnR>
-                    <a:lnT w="28575" cap="flat" cmpd="sng" algn="ctr">
-                      <a:solidFill>
-                        <a:schemeClr val="tx1"/>
-                      </a:solidFill>
-                      <a:prstDash val="solid"/>
-                      <a:round/>
-                      <a:headEnd type="none" w="med" len="med"/>
-                      <a:tailEnd type="none" w="med" len="med"/>
-                    </a:lnT>
-                    <a:lnB w="12700" cap="flat" cmpd="sng" algn="ctr">
-                      <a:solidFill>
-                        <a:schemeClr val="tx1"/>
-                      </a:solidFill>
-                      <a:prstDash val="solid"/>
-                      <a:round/>
-                      <a:headEnd type="none" w="med" len="med"/>
-                      <a:tailEnd type="none" w="med" len="med"/>
-                    </a:lnB>
-                    <a:lnTlToBr>
-                      <a:noFill/>
-                    </a:lnTlToBr>
-                    <a:lnBlToTr>
-                      <a:noFill/>
-                    </a:lnBlToTr>
-                    <a:noFill/>
-                  </a:tcPr>
-                </a:tc>
-                <a:tc>
-                  <a:txBody>
-                    <a:bodyPr/>
-                    <a:lstStyle>
-                      <a:lvl1pPr>
-                        <a:spcBef>
-                          <a:spcPct val="20000"/>
-                        </a:spcBef>
-                        <a:buFont typeface="Wingdings" panose="05000000000000000000" pitchFamily="2" charset="2"/>
-                        <a:defRPr sz="2400">
-                          <a:solidFill>
-                            <a:schemeClr val="tx2"/>
-                          </a:solidFill>
-                          <a:latin typeface="Arial" panose="020B0604020202020204" pitchFamily="34" charset="0"/>
-                          <a:cs typeface="Times New Roman" panose="02020603050405020304" pitchFamily="18" charset="0"/>
-                        </a:defRPr>
-                      </a:lvl1pPr>
-                      <a:lvl2pPr>
-                        <a:spcBef>
-                          <a:spcPct val="20000"/>
-                        </a:spcBef>
-                        <a:buFont typeface="Wingdings" panose="05000000000000000000" pitchFamily="2" charset="2"/>
-                        <a:defRPr sz="2000">
-                          <a:solidFill>
-                            <a:schemeClr val="tx1"/>
-                          </a:solidFill>
-                          <a:latin typeface="Arial" panose="020B0604020202020204" pitchFamily="34" charset="0"/>
-                          <a:cs typeface="Times New Roman" panose="02020603050405020304" pitchFamily="18" charset="0"/>
-                        </a:defRPr>
-                      </a:lvl2pPr>
-                      <a:lvl3pPr>
-                        <a:spcBef>
-                          <a:spcPct val="20000"/>
-                        </a:spcBef>
-                        <a:buFont typeface="Wingdings" panose="05000000000000000000" pitchFamily="2" charset="2"/>
-                        <a:defRPr>
-                          <a:solidFill>
-                            <a:schemeClr val="tx1"/>
-                          </a:solidFill>
-                          <a:latin typeface="Arial" panose="020B0604020202020204" pitchFamily="34" charset="0"/>
-                          <a:cs typeface="Times New Roman" panose="02020603050405020304" pitchFamily="18" charset="0"/>
-                        </a:defRPr>
-                      </a:lvl3pPr>
-                      <a:lvl4pPr>
-                        <a:spcBef>
-                          <a:spcPct val="20000"/>
-                        </a:spcBef>
-                        <a:buFont typeface="Wingdings" panose="05000000000000000000" pitchFamily="2" charset="2"/>
-                        <a:defRPr sz="1600">
-                          <a:solidFill>
-                            <a:schemeClr val="tx1"/>
-                          </a:solidFill>
-                          <a:latin typeface="Arial" panose="020B0604020202020204" pitchFamily="34" charset="0"/>
-                          <a:cs typeface="Times New Roman" panose="02020603050405020304" pitchFamily="18" charset="0"/>
-                        </a:defRPr>
-                      </a:lvl4pPr>
-                      <a:lvl5pPr>
-                        <a:spcBef>
-                          <a:spcPct val="20000"/>
-                        </a:spcBef>
-                        <a:buFont typeface="Wingdings" panose="05000000000000000000" pitchFamily="2" charset="2"/>
-                        <a:defRPr sz="1400">
-                          <a:solidFill>
-                            <a:schemeClr val="tx1"/>
-                          </a:solidFill>
-                          <a:latin typeface="Arial" panose="020B0604020202020204" pitchFamily="34" charset="0"/>
-                          <a:cs typeface="Times New Roman" panose="02020603050405020304" pitchFamily="18" charset="0"/>
-                        </a:defRPr>
-                      </a:lvl5pPr>
-                      <a:lvl6pPr fontAlgn="base">
-                        <a:spcBef>
-                          <a:spcPct val="20000"/>
-                        </a:spcBef>
-                        <a:spcAft>
-                          <a:spcPct val="0"/>
-                        </a:spcAft>
-                        <a:buFont typeface="Wingdings" panose="05000000000000000000" pitchFamily="2" charset="2"/>
-                        <a:defRPr sz="1400">
-                          <a:solidFill>
-                            <a:schemeClr val="tx1"/>
-                          </a:solidFill>
-                          <a:latin typeface="Arial" panose="020B0604020202020204" pitchFamily="34" charset="0"/>
-                          <a:cs typeface="Times New Roman" panose="02020603050405020304" pitchFamily="18" charset="0"/>
-                        </a:defRPr>
-                      </a:lvl6pPr>
-                      <a:lvl7pPr fontAlgn="base">
-                        <a:spcBef>
-                          <a:spcPct val="20000"/>
-                        </a:spcBef>
-                        <a:spcAft>
-                          <a:spcPct val="0"/>
-                        </a:spcAft>
-                        <a:buFont typeface="Wingdings" panose="05000000000000000000" pitchFamily="2" charset="2"/>
-                        <a:defRPr sz="1400">
-                          <a:solidFill>
-                            <a:schemeClr val="tx1"/>
-                          </a:solidFill>
-                          <a:latin typeface="Arial" panose="020B0604020202020204" pitchFamily="34" charset="0"/>
-                          <a:cs typeface="Times New Roman" panose="02020603050405020304" pitchFamily="18" charset="0"/>
-                        </a:defRPr>
-                      </a:lvl7pPr>
-                      <a:lvl8pPr fontAlgn="base">
-                        <a:spcBef>
-                          <a:spcPct val="20000"/>
-                        </a:spcBef>
-                        <a:spcAft>
-                          <a:spcPct val="0"/>
-                        </a:spcAft>
-                        <a:buFont typeface="Wingdings" panose="05000000000000000000" pitchFamily="2" charset="2"/>
-                        <a:defRPr sz="1400">
-                          <a:solidFill>
-                            <a:schemeClr val="tx1"/>
-                          </a:solidFill>
-                          <a:latin typeface="Arial" panose="020B0604020202020204" pitchFamily="34" charset="0"/>
-                          <a:cs typeface="Times New Roman" panose="02020603050405020304" pitchFamily="18" charset="0"/>
-                        </a:defRPr>
-                      </a:lvl8pPr>
-                      <a:lvl9pPr fontAlgn="base">
-                        <a:spcBef>
-                          <a:spcPct val="20000"/>
-                        </a:spcBef>
-                        <a:spcAft>
-                          <a:spcPct val="0"/>
-                        </a:spcAft>
-                        <a:buFont typeface="Wingdings" panose="05000000000000000000" pitchFamily="2" charset="2"/>
-                        <a:defRPr sz="1400">
-                          <a:solidFill>
-                            <a:schemeClr val="tx1"/>
-                          </a:solidFill>
-                          <a:latin typeface="Arial" panose="020B0604020202020204" pitchFamily="34" charset="0"/>
-                          <a:cs typeface="Times New Roman" panose="02020603050405020304" pitchFamily="18" charset="0"/>
-                        </a:defRPr>
-                      </a:lvl9pPr>
-                    </a:lstStyle>
-                    <a:p>
-                      <a:pPr marL="0" marR="0" lvl="0" indent="0" algn="l" defTabSz="914400" rtl="0" eaLnBrk="1" fontAlgn="base" latinLnBrk="0" hangingPunct="1">
-                        <a:lnSpc>
-                          <a:spcPct val="100000"/>
-                        </a:lnSpc>
-                        <a:spcBef>
-                          <a:spcPct val="20000"/>
-                        </a:spcBef>
-                        <a:spcAft>
-                          <a:spcPct val="0"/>
-                        </a:spcAft>
-                        <a:buClrTx/>
-                        <a:buSzTx/>
-                        <a:buFont typeface="Wingdings" panose="05000000000000000000" pitchFamily="2" charset="2"/>
-                        <a:buNone/>
-                        <a:tabLst/>
-                      </a:pPr>
-                      <a:endParaRPr kumimoji="0" lang="zh-CN" altLang="zh-CN" sz="1200" b="0" i="0" u="none" strike="noStrike" cap="none" normalizeH="0" baseline="0" smtClean="0">
-                        <a:ln>
-                          <a:noFill/>
-                        </a:ln>
-                        <a:solidFill>
-                          <a:schemeClr val="tx2"/>
-                        </a:solidFill>
-                        <a:effectLst/>
-                        <a:latin typeface="Arial" panose="020B0604020202020204" pitchFamily="34" charset="0"/>
-                        <a:cs typeface="Times New Roman" panose="02020603050405020304" pitchFamily="18" charset="0"/>
-                      </a:endParaRPr>
-                    </a:p>
-                  </a:txBody>
-                  <a:tcPr horzOverflow="overflow">
-                    <a:lnL w="12700" cap="flat" cmpd="sng" algn="ctr">
-                      <a:solidFill>
-                        <a:schemeClr val="tx1"/>
-                      </a:solidFill>
-                      <a:prstDash val="solid"/>
-                      <a:round/>
-                      <a:headEnd type="none" w="med" len="med"/>
-                      <a:tailEnd type="none" w="med" len="med"/>
-                    </a:lnL>
-                    <a:lnR w="28575" cap="flat" cmpd="sng" algn="ctr">
-                      <a:solidFill>
-                        <a:schemeClr val="tx1"/>
-                      </a:solidFill>
-                      <a:prstDash val="solid"/>
-                      <a:round/>
-                      <a:headEnd type="none" w="med" len="med"/>
-                      <a:tailEnd type="none" w="med" len="med"/>
-                    </a:lnR>
-                    <a:lnT w="28575" cap="flat" cmpd="sng" algn="ctr">
-                      <a:solidFill>
-                        <a:schemeClr val="tx1"/>
-                      </a:solidFill>
-                      <a:prstDash val="solid"/>
-                      <a:round/>
-                      <a:headEnd type="none" w="med" len="med"/>
-                      <a:tailEnd type="none" w="med" len="med"/>
-                    </a:lnT>
-                    <a:lnB w="12700" cap="flat" cmpd="sng" algn="ctr">
-                      <a:solidFill>
-                        <a:schemeClr val="tx1"/>
-                      </a:solidFill>
-                      <a:prstDash val="solid"/>
-                      <a:round/>
-                      <a:headEnd type="none" w="med" len="med"/>
-                      <a:tailEnd type="none" w="med" len="med"/>
-                    </a:lnB>
-                    <a:lnTlToBr>
-                      <a:noFill/>
-                    </a:lnTlToBr>
-                    <a:lnBlToTr>
-                      <a:noFill/>
-                    </a:lnBlToTr>
-                    <a:noFill/>
-                  </a:tcPr>
-                </a:tc>
-              </a:tr>
-              <a:tr h="284163">
-                <a:tc>
-                  <a:txBody>
-                    <a:bodyPr/>
-                    <a:lstStyle>
-                      <a:lvl1pPr>
-                        <a:spcBef>
-                          <a:spcPct val="20000"/>
-                        </a:spcBef>
-                        <a:buFont typeface="Wingdings" panose="05000000000000000000" pitchFamily="2" charset="2"/>
-                        <a:defRPr sz="2400">
-                          <a:solidFill>
-                            <a:schemeClr val="tx2"/>
-                          </a:solidFill>
-                          <a:latin typeface="Arial" panose="020B0604020202020204" pitchFamily="34" charset="0"/>
-                          <a:cs typeface="Times New Roman" panose="02020603050405020304" pitchFamily="18" charset="0"/>
-                        </a:defRPr>
-                      </a:lvl1pPr>
-                      <a:lvl2pPr>
-                        <a:spcBef>
-                          <a:spcPct val="20000"/>
-                        </a:spcBef>
-                        <a:buFont typeface="Wingdings" panose="05000000000000000000" pitchFamily="2" charset="2"/>
-                        <a:defRPr sz="2000">
-                          <a:solidFill>
-                            <a:schemeClr val="tx1"/>
-                          </a:solidFill>
-                          <a:latin typeface="Arial" panose="020B0604020202020204" pitchFamily="34" charset="0"/>
-                          <a:cs typeface="Times New Roman" panose="02020603050405020304" pitchFamily="18" charset="0"/>
-                        </a:defRPr>
-                      </a:lvl2pPr>
-                      <a:lvl3pPr>
-                        <a:spcBef>
-                          <a:spcPct val="20000"/>
-                        </a:spcBef>
-                        <a:buFont typeface="Wingdings" panose="05000000000000000000" pitchFamily="2" charset="2"/>
-                        <a:defRPr>
-                          <a:solidFill>
-                            <a:schemeClr val="tx1"/>
-                          </a:solidFill>
-                          <a:latin typeface="Arial" panose="020B0604020202020204" pitchFamily="34" charset="0"/>
-                          <a:cs typeface="Times New Roman" panose="02020603050405020304" pitchFamily="18" charset="0"/>
-                        </a:defRPr>
-                      </a:lvl3pPr>
-                      <a:lvl4pPr>
-                        <a:spcBef>
-                          <a:spcPct val="20000"/>
-                        </a:spcBef>
-                        <a:buFont typeface="Wingdings" panose="05000000000000000000" pitchFamily="2" charset="2"/>
-                        <a:defRPr sz="1600">
-                          <a:solidFill>
-                            <a:schemeClr val="tx1"/>
-                          </a:solidFill>
-                          <a:latin typeface="Arial" panose="020B0604020202020204" pitchFamily="34" charset="0"/>
-                          <a:cs typeface="Times New Roman" panose="02020603050405020304" pitchFamily="18" charset="0"/>
-                        </a:defRPr>
-                      </a:lvl4pPr>
-                      <a:lvl5pPr>
-                        <a:spcBef>
-                          <a:spcPct val="20000"/>
-                        </a:spcBef>
-                        <a:buFont typeface="Wingdings" panose="05000000000000000000" pitchFamily="2" charset="2"/>
-                        <a:defRPr sz="1400">
-                          <a:solidFill>
-                            <a:schemeClr val="tx1"/>
-                          </a:solidFill>
-                          <a:latin typeface="Arial" panose="020B0604020202020204" pitchFamily="34" charset="0"/>
-                          <a:cs typeface="Times New Roman" panose="02020603050405020304" pitchFamily="18" charset="0"/>
-                        </a:defRPr>
-                      </a:lvl5pPr>
-                      <a:lvl6pPr fontAlgn="base">
-                        <a:spcBef>
-                          <a:spcPct val="20000"/>
-                        </a:spcBef>
-                        <a:spcAft>
-                          <a:spcPct val="0"/>
-                        </a:spcAft>
-                        <a:buFont typeface="Wingdings" panose="05000000000000000000" pitchFamily="2" charset="2"/>
-                        <a:defRPr sz="1400">
-                          <a:solidFill>
-                            <a:schemeClr val="tx1"/>
-                          </a:solidFill>
-                          <a:latin typeface="Arial" panose="020B0604020202020204" pitchFamily="34" charset="0"/>
-                          <a:cs typeface="Times New Roman" panose="02020603050405020304" pitchFamily="18" charset="0"/>
-                        </a:defRPr>
-                      </a:lvl6pPr>
-                      <a:lvl7pPr fontAlgn="base">
-                        <a:spcBef>
-                          <a:spcPct val="20000"/>
-                        </a:spcBef>
-                        <a:spcAft>
-                          <a:spcPct val="0"/>
-                        </a:spcAft>
-                        <a:buFont typeface="Wingdings" panose="05000000000000000000" pitchFamily="2" charset="2"/>
-                        <a:defRPr sz="1400">
-                          <a:solidFill>
-                            <a:schemeClr val="tx1"/>
-                          </a:solidFill>
-                          <a:latin typeface="Arial" panose="020B0604020202020204" pitchFamily="34" charset="0"/>
-                          <a:cs typeface="Times New Roman" panose="02020603050405020304" pitchFamily="18" charset="0"/>
-                        </a:defRPr>
-                      </a:lvl7pPr>
-                      <a:lvl8pPr fontAlgn="base">
-                        <a:spcBef>
-                          <a:spcPct val="20000"/>
-                        </a:spcBef>
-                        <a:spcAft>
-                          <a:spcPct val="0"/>
-                        </a:spcAft>
-                        <a:buFont typeface="Wingdings" panose="05000000000000000000" pitchFamily="2" charset="2"/>
-                        <a:defRPr sz="1400">
-                          <a:solidFill>
-                            <a:schemeClr val="tx1"/>
-                          </a:solidFill>
-                          <a:latin typeface="Arial" panose="020B0604020202020204" pitchFamily="34" charset="0"/>
-                          <a:cs typeface="Times New Roman" panose="02020603050405020304" pitchFamily="18" charset="0"/>
-                        </a:defRPr>
-                      </a:lvl8pPr>
-                      <a:lvl9pPr fontAlgn="base">
-                        <a:spcBef>
-                          <a:spcPct val="20000"/>
-                        </a:spcBef>
-                        <a:spcAft>
-                          <a:spcPct val="0"/>
-                        </a:spcAft>
-                        <a:buFont typeface="Wingdings" panose="05000000000000000000" pitchFamily="2" charset="2"/>
-                        <a:defRPr sz="1400">
-                          <a:solidFill>
-                            <a:schemeClr val="tx1"/>
-                          </a:solidFill>
-                          <a:latin typeface="Arial" panose="020B0604020202020204" pitchFamily="34" charset="0"/>
-                          <a:cs typeface="Times New Roman" panose="02020603050405020304" pitchFamily="18" charset="0"/>
-                        </a:defRPr>
-                      </a:lvl9pPr>
-                    </a:lstStyle>
-                    <a:p>
-                      <a:pPr marL="0" marR="0" lvl="0" indent="0" algn="l" defTabSz="914400" rtl="0" eaLnBrk="1" fontAlgn="base" latinLnBrk="0" hangingPunct="1">
-                        <a:lnSpc>
-                          <a:spcPct val="100000"/>
-                        </a:lnSpc>
-                        <a:spcBef>
-                          <a:spcPct val="20000"/>
-                        </a:spcBef>
-                        <a:spcAft>
-                          <a:spcPct val="0"/>
-                        </a:spcAft>
-                        <a:buClrTx/>
-                        <a:buSzTx/>
-                        <a:buFont typeface="Wingdings" panose="05000000000000000000" pitchFamily="2" charset="2"/>
-                        <a:buNone/>
-                        <a:tabLst/>
-                      </a:pPr>
-                      <a:r>
-                        <a:rPr kumimoji="0" lang="en-US" altLang="zh-CN" sz="1200" b="1" i="0" u="none" strike="noStrike" cap="none" normalizeH="0" baseline="0" smtClean="0">
-                          <a:ln>
-                            <a:noFill/>
-                          </a:ln>
-                          <a:solidFill>
-                            <a:schemeClr val="tx2"/>
-                          </a:solidFill>
-                          <a:effectLst/>
-                          <a:latin typeface="Arial" panose="020B0604020202020204" pitchFamily="34" charset="0"/>
-                          <a:ea typeface="宋体" panose="02010600030101010101" pitchFamily="2" charset="-122"/>
-                          <a:cs typeface="Times New Roman" panose="02020603050405020304" pitchFamily="18" charset="0"/>
-                        </a:rPr>
-                        <a:t>1</a:t>
-                      </a:r>
-                    </a:p>
-                  </a:txBody>
-                  <a:tcPr horzOverflow="overflow">
-                    <a:lnL w="28575" cap="flat" cmpd="sng" algn="ctr">
-                      <a:solidFill>
-                        <a:schemeClr val="tx1"/>
-                      </a:solidFill>
-                      <a:prstDash val="solid"/>
-                      <a:round/>
-                      <a:headEnd type="none" w="med" len="med"/>
-                      <a:tailEnd type="none" w="med" len="med"/>
-                    </a:lnL>
-                    <a:lnR w="12700" cap="flat" cmpd="sng" algn="ctr">
-                      <a:solidFill>
-                        <a:schemeClr val="tx1"/>
-                      </a:solidFill>
-                      <a:prstDash val="solid"/>
-                      <a:round/>
-                      <a:headEnd type="none" w="med" len="med"/>
-                      <a:tailEnd type="none" w="med" len="med"/>
-                    </a:lnR>
-                    <a:lnT w="12700" cap="flat" cmpd="sng" algn="ctr">
-                      <a:solidFill>
-                        <a:schemeClr val="tx1"/>
-                      </a:solidFill>
-                      <a:prstDash val="solid"/>
-                      <a:round/>
-                      <a:headEnd type="none" w="med" len="med"/>
-                      <a:tailEnd type="none" w="med" len="med"/>
-                    </a:lnT>
-                    <a:lnB w="12700" cap="flat" cmpd="sng" algn="ctr">
-                      <a:solidFill>
-                        <a:schemeClr val="tx1"/>
-                      </a:solidFill>
-                      <a:prstDash val="solid"/>
-                      <a:round/>
-                      <a:headEnd type="none" w="med" len="med"/>
-                      <a:tailEnd type="none" w="med" len="med"/>
-                    </a:lnB>
-                    <a:lnTlToBr>
-                      <a:noFill/>
-                    </a:lnTlToBr>
-                    <a:lnBlToTr>
-                      <a:noFill/>
-                    </a:lnBlToTr>
-                    <a:noFill/>
-                  </a:tcPr>
-                </a:tc>
-                <a:tc>
-                  <a:txBody>
-                    <a:bodyPr/>
-                    <a:lstStyle>
-                      <a:lvl1pPr>
-                        <a:spcBef>
-                          <a:spcPct val="20000"/>
-                        </a:spcBef>
-                        <a:buFont typeface="Wingdings" panose="05000000000000000000" pitchFamily="2" charset="2"/>
-                        <a:defRPr sz="2400">
-                          <a:solidFill>
-                            <a:schemeClr val="tx2"/>
-                          </a:solidFill>
-                          <a:latin typeface="Arial" panose="020B0604020202020204" pitchFamily="34" charset="0"/>
-                          <a:cs typeface="Times New Roman" panose="02020603050405020304" pitchFamily="18" charset="0"/>
-                        </a:defRPr>
-                      </a:lvl1pPr>
-                      <a:lvl2pPr>
-                        <a:spcBef>
-                          <a:spcPct val="20000"/>
-                        </a:spcBef>
-                        <a:buFont typeface="Wingdings" panose="05000000000000000000" pitchFamily="2" charset="2"/>
-                        <a:defRPr sz="2000">
-                          <a:solidFill>
-                            <a:schemeClr val="tx1"/>
-                          </a:solidFill>
-                          <a:latin typeface="Arial" panose="020B0604020202020204" pitchFamily="34" charset="0"/>
-                          <a:cs typeface="Times New Roman" panose="02020603050405020304" pitchFamily="18" charset="0"/>
-                        </a:defRPr>
-                      </a:lvl2pPr>
-                      <a:lvl3pPr>
-                        <a:spcBef>
-                          <a:spcPct val="20000"/>
-                        </a:spcBef>
-                        <a:buFont typeface="Wingdings" panose="05000000000000000000" pitchFamily="2" charset="2"/>
-                        <a:defRPr>
-                          <a:solidFill>
-                            <a:schemeClr val="tx1"/>
-                          </a:solidFill>
-                          <a:latin typeface="Arial" panose="020B0604020202020204" pitchFamily="34" charset="0"/>
-                          <a:cs typeface="Times New Roman" panose="02020603050405020304" pitchFamily="18" charset="0"/>
-                        </a:defRPr>
-                      </a:lvl3pPr>
-                      <a:lvl4pPr>
-                        <a:spcBef>
-                          <a:spcPct val="20000"/>
-                        </a:spcBef>
-                        <a:buFont typeface="Wingdings" panose="05000000000000000000" pitchFamily="2" charset="2"/>
-                        <a:defRPr sz="1600">
-                          <a:solidFill>
-                            <a:schemeClr val="tx1"/>
-                          </a:solidFill>
-                          <a:latin typeface="Arial" panose="020B0604020202020204" pitchFamily="34" charset="0"/>
-                          <a:cs typeface="Times New Roman" panose="02020603050405020304" pitchFamily="18" charset="0"/>
-                        </a:defRPr>
-                      </a:lvl4pPr>
-                      <a:lvl5pPr>
-                        <a:spcBef>
-                          <a:spcPct val="20000"/>
-                        </a:spcBef>
-                        <a:buFont typeface="Wingdings" panose="05000000000000000000" pitchFamily="2" charset="2"/>
-                        <a:defRPr sz="1400">
-                          <a:solidFill>
-                            <a:schemeClr val="tx1"/>
-                          </a:solidFill>
-                          <a:latin typeface="Arial" panose="020B0604020202020204" pitchFamily="34" charset="0"/>
-                          <a:cs typeface="Times New Roman" panose="02020603050405020304" pitchFamily="18" charset="0"/>
-                        </a:defRPr>
-                      </a:lvl5pPr>
-                      <a:lvl6pPr fontAlgn="base">
-                        <a:spcBef>
-                          <a:spcPct val="20000"/>
-                        </a:spcBef>
-                        <a:spcAft>
-                          <a:spcPct val="0"/>
-                        </a:spcAft>
-                        <a:buFont typeface="Wingdings" panose="05000000000000000000" pitchFamily="2" charset="2"/>
-                        <a:defRPr sz="1400">
-                          <a:solidFill>
-                            <a:schemeClr val="tx1"/>
-                          </a:solidFill>
-                          <a:latin typeface="Arial" panose="020B0604020202020204" pitchFamily="34" charset="0"/>
-                          <a:cs typeface="Times New Roman" panose="02020603050405020304" pitchFamily="18" charset="0"/>
-                        </a:defRPr>
-                      </a:lvl6pPr>
-                      <a:lvl7pPr fontAlgn="base">
-                        <a:spcBef>
-                          <a:spcPct val="20000"/>
-                        </a:spcBef>
-                        <a:spcAft>
-                          <a:spcPct val="0"/>
-                        </a:spcAft>
-                        <a:buFont typeface="Wingdings" panose="05000000000000000000" pitchFamily="2" charset="2"/>
-                        <a:defRPr sz="1400">
-                          <a:solidFill>
-                            <a:schemeClr val="tx1"/>
-                          </a:solidFill>
-                          <a:latin typeface="Arial" panose="020B0604020202020204" pitchFamily="34" charset="0"/>
-                          <a:cs typeface="Times New Roman" panose="02020603050405020304" pitchFamily="18" charset="0"/>
-                        </a:defRPr>
-                      </a:lvl7pPr>
-                      <a:lvl8pPr fontAlgn="base">
-                        <a:spcBef>
-                          <a:spcPct val="20000"/>
-                        </a:spcBef>
-                        <a:spcAft>
-                          <a:spcPct val="0"/>
-                        </a:spcAft>
-                        <a:buFont typeface="Wingdings" panose="05000000000000000000" pitchFamily="2" charset="2"/>
-                        <a:defRPr sz="1400">
-                          <a:solidFill>
-                            <a:schemeClr val="tx1"/>
-                          </a:solidFill>
-                          <a:latin typeface="Arial" panose="020B0604020202020204" pitchFamily="34" charset="0"/>
-                          <a:cs typeface="Times New Roman" panose="02020603050405020304" pitchFamily="18" charset="0"/>
-                        </a:defRPr>
-                      </a:lvl8pPr>
-                      <a:lvl9pPr fontAlgn="base">
-                        <a:spcBef>
-                          <a:spcPct val="20000"/>
-                        </a:spcBef>
-                        <a:spcAft>
-                          <a:spcPct val="0"/>
-                        </a:spcAft>
-                        <a:buFont typeface="Wingdings" panose="05000000000000000000" pitchFamily="2" charset="2"/>
-                        <a:defRPr sz="1400">
-                          <a:solidFill>
-                            <a:schemeClr val="tx1"/>
-                          </a:solidFill>
-                          <a:latin typeface="Arial" panose="020B0604020202020204" pitchFamily="34" charset="0"/>
-                          <a:cs typeface="Times New Roman" panose="02020603050405020304" pitchFamily="18" charset="0"/>
-                        </a:defRPr>
-                      </a:lvl9pPr>
-                    </a:lstStyle>
-                    <a:p>
-                      <a:pPr marL="0" marR="0" lvl="0" indent="0" algn="l" defTabSz="914400" rtl="0" eaLnBrk="1" fontAlgn="base" latinLnBrk="0" hangingPunct="1">
-                        <a:lnSpc>
-                          <a:spcPct val="100000"/>
-                        </a:lnSpc>
-                        <a:spcBef>
-                          <a:spcPct val="20000"/>
-                        </a:spcBef>
-                        <a:spcAft>
-                          <a:spcPct val="0"/>
-                        </a:spcAft>
-                        <a:buClrTx/>
-                        <a:buSzTx/>
-                        <a:buFont typeface="Wingdings" panose="05000000000000000000" pitchFamily="2" charset="2"/>
-                        <a:buNone/>
-                        <a:tabLst/>
-                      </a:pPr>
-                      <a:endParaRPr kumimoji="0" lang="zh-CN" altLang="zh-CN" sz="1200" b="0" i="0" u="none" strike="noStrike" cap="none" normalizeH="0" baseline="0" smtClean="0">
-                        <a:ln>
-                          <a:noFill/>
-                        </a:ln>
-                        <a:solidFill>
-                          <a:schemeClr val="tx2"/>
-                        </a:solidFill>
-                        <a:effectLst/>
-                        <a:latin typeface="Arial" panose="020B0604020202020204" pitchFamily="34" charset="0"/>
-                        <a:cs typeface="Times New Roman" panose="02020603050405020304" pitchFamily="18" charset="0"/>
-                      </a:endParaRPr>
-                    </a:p>
-                  </a:txBody>
-                  <a:tcPr horzOverflow="overflow">
-                    <a:lnL w="12700" cap="flat" cmpd="sng" algn="ctr">
-                      <a:solidFill>
-                        <a:schemeClr val="tx1"/>
-                      </a:solidFill>
-                      <a:prstDash val="solid"/>
-                      <a:round/>
-                      <a:headEnd type="none" w="med" len="med"/>
-                      <a:tailEnd type="none" w="med" len="med"/>
-                    </a:lnL>
-                    <a:lnR w="28575" cap="flat" cmpd="sng" algn="ctr">
-                      <a:solidFill>
-                        <a:schemeClr val="tx1"/>
-                      </a:solidFill>
-                      <a:prstDash val="solid"/>
-                      <a:round/>
-                      <a:headEnd type="none" w="med" len="med"/>
-                      <a:tailEnd type="none" w="med" len="med"/>
-                    </a:lnR>
-                    <a:lnT w="12700" cap="flat" cmpd="sng" algn="ctr">
-                      <a:solidFill>
-                        <a:schemeClr val="tx1"/>
-                      </a:solidFill>
-                      <a:prstDash val="solid"/>
-                      <a:round/>
-                      <a:headEnd type="none" w="med" len="med"/>
-                      <a:tailEnd type="none" w="med" len="med"/>
-                    </a:lnT>
-                    <a:lnB w="12700" cap="flat" cmpd="sng" algn="ctr">
-                      <a:solidFill>
-                        <a:schemeClr val="tx1"/>
-                      </a:solidFill>
-                      <a:prstDash val="solid"/>
-                      <a:round/>
-                      <a:headEnd type="none" w="med" len="med"/>
-                      <a:tailEnd type="none" w="med" len="med"/>
-                    </a:lnB>
-                    <a:lnTlToBr>
-                      <a:noFill/>
-                    </a:lnTlToBr>
-                    <a:lnBlToTr>
-                      <a:noFill/>
-                    </a:lnBlToTr>
-                    <a:noFill/>
-                  </a:tcPr>
-                </a:tc>
-              </a:tr>
-              <a:tr h="282575">
-                <a:tc>
-                  <a:txBody>
-                    <a:bodyPr/>
-                    <a:lstStyle>
-                      <a:lvl1pPr>
-                        <a:spcBef>
-                          <a:spcPct val="20000"/>
-                        </a:spcBef>
-                        <a:buFont typeface="Wingdings" panose="05000000000000000000" pitchFamily="2" charset="2"/>
-                        <a:defRPr sz="2400">
-                          <a:solidFill>
-                            <a:schemeClr val="tx2"/>
-                          </a:solidFill>
-                          <a:latin typeface="Arial" panose="020B0604020202020204" pitchFamily="34" charset="0"/>
-                          <a:cs typeface="Times New Roman" panose="02020603050405020304" pitchFamily="18" charset="0"/>
-                        </a:defRPr>
-                      </a:lvl1pPr>
-                      <a:lvl2pPr>
-                        <a:spcBef>
-                          <a:spcPct val="20000"/>
-                        </a:spcBef>
-                        <a:buFont typeface="Wingdings" panose="05000000000000000000" pitchFamily="2" charset="2"/>
-                        <a:defRPr sz="2000">
-                          <a:solidFill>
-                            <a:schemeClr val="tx1"/>
-                          </a:solidFill>
-                          <a:latin typeface="Arial" panose="020B0604020202020204" pitchFamily="34" charset="0"/>
-                          <a:cs typeface="Times New Roman" panose="02020603050405020304" pitchFamily="18" charset="0"/>
-                        </a:defRPr>
-                      </a:lvl2pPr>
-                      <a:lvl3pPr>
-                        <a:spcBef>
-                          <a:spcPct val="20000"/>
-                        </a:spcBef>
-                        <a:buFont typeface="Wingdings" panose="05000000000000000000" pitchFamily="2" charset="2"/>
-                        <a:defRPr>
-                          <a:solidFill>
-                            <a:schemeClr val="tx1"/>
-                          </a:solidFill>
-                          <a:latin typeface="Arial" panose="020B0604020202020204" pitchFamily="34" charset="0"/>
-                          <a:cs typeface="Times New Roman" panose="02020603050405020304" pitchFamily="18" charset="0"/>
-                        </a:defRPr>
-                      </a:lvl3pPr>
-                      <a:lvl4pPr>
-                        <a:spcBef>
-                          <a:spcPct val="20000"/>
-                        </a:spcBef>
-                        <a:buFont typeface="Wingdings" panose="05000000000000000000" pitchFamily="2" charset="2"/>
-                        <a:defRPr sz="1600">
-                          <a:solidFill>
-                            <a:schemeClr val="tx1"/>
-                          </a:solidFill>
-                          <a:latin typeface="Arial" panose="020B0604020202020204" pitchFamily="34" charset="0"/>
-                          <a:cs typeface="Times New Roman" panose="02020603050405020304" pitchFamily="18" charset="0"/>
-                        </a:defRPr>
-                      </a:lvl4pPr>
-                      <a:lvl5pPr>
-                        <a:spcBef>
-                          <a:spcPct val="20000"/>
-                        </a:spcBef>
-                        <a:buFont typeface="Wingdings" panose="05000000000000000000" pitchFamily="2" charset="2"/>
-                        <a:defRPr sz="1400">
-                          <a:solidFill>
-                            <a:schemeClr val="tx1"/>
-                          </a:solidFill>
-                          <a:latin typeface="Arial" panose="020B0604020202020204" pitchFamily="34" charset="0"/>
-                          <a:cs typeface="Times New Roman" panose="02020603050405020304" pitchFamily="18" charset="0"/>
-                        </a:defRPr>
-                      </a:lvl5pPr>
-                      <a:lvl6pPr fontAlgn="base">
-                        <a:spcBef>
-                          <a:spcPct val="20000"/>
-                        </a:spcBef>
-                        <a:spcAft>
-                          <a:spcPct val="0"/>
-                        </a:spcAft>
-                        <a:buFont typeface="Wingdings" panose="05000000000000000000" pitchFamily="2" charset="2"/>
-                        <a:defRPr sz="1400">
-                          <a:solidFill>
-                            <a:schemeClr val="tx1"/>
-                          </a:solidFill>
-                          <a:latin typeface="Arial" panose="020B0604020202020204" pitchFamily="34" charset="0"/>
-                          <a:cs typeface="Times New Roman" panose="02020603050405020304" pitchFamily="18" charset="0"/>
-                        </a:defRPr>
-                      </a:lvl6pPr>
-                      <a:lvl7pPr fontAlgn="base">
-                        <a:spcBef>
-                          <a:spcPct val="20000"/>
-                        </a:spcBef>
-                        <a:spcAft>
-                          <a:spcPct val="0"/>
-                        </a:spcAft>
-                        <a:buFont typeface="Wingdings" panose="05000000000000000000" pitchFamily="2" charset="2"/>
-                        <a:defRPr sz="1400">
-                          <a:solidFill>
-                            <a:schemeClr val="tx1"/>
-                          </a:solidFill>
-                          <a:latin typeface="Arial" panose="020B0604020202020204" pitchFamily="34" charset="0"/>
-                          <a:cs typeface="Times New Roman" panose="02020603050405020304" pitchFamily="18" charset="0"/>
-                        </a:defRPr>
-                      </a:lvl7pPr>
-                      <a:lvl8pPr fontAlgn="base">
-                        <a:spcBef>
-                          <a:spcPct val="20000"/>
-                        </a:spcBef>
-                        <a:spcAft>
-                          <a:spcPct val="0"/>
-                        </a:spcAft>
-                        <a:buFont typeface="Wingdings" panose="05000000000000000000" pitchFamily="2" charset="2"/>
-                        <a:defRPr sz="1400">
-                          <a:solidFill>
-                            <a:schemeClr val="tx1"/>
-                          </a:solidFill>
-                          <a:latin typeface="Arial" panose="020B0604020202020204" pitchFamily="34" charset="0"/>
-                          <a:cs typeface="Times New Roman" panose="02020603050405020304" pitchFamily="18" charset="0"/>
-                        </a:defRPr>
-                      </a:lvl8pPr>
-                      <a:lvl9pPr fontAlgn="base">
-                        <a:spcBef>
-                          <a:spcPct val="20000"/>
-                        </a:spcBef>
-                        <a:spcAft>
-                          <a:spcPct val="0"/>
-                        </a:spcAft>
-                        <a:buFont typeface="Wingdings" panose="05000000000000000000" pitchFamily="2" charset="2"/>
-                        <a:defRPr sz="1400">
-                          <a:solidFill>
-                            <a:schemeClr val="tx1"/>
-                          </a:solidFill>
-                          <a:latin typeface="Arial" panose="020B0604020202020204" pitchFamily="34" charset="0"/>
-                          <a:cs typeface="Times New Roman" panose="02020603050405020304" pitchFamily="18" charset="0"/>
-                        </a:defRPr>
-                      </a:lvl9pPr>
-                    </a:lstStyle>
-                    <a:p>
-                      <a:pPr marL="0" marR="0" lvl="0" indent="0" algn="l" defTabSz="914400" rtl="0" eaLnBrk="1" fontAlgn="base" latinLnBrk="0" hangingPunct="1">
-                        <a:lnSpc>
-                          <a:spcPct val="100000"/>
-                        </a:lnSpc>
-                        <a:spcBef>
-                          <a:spcPct val="20000"/>
-                        </a:spcBef>
-                        <a:spcAft>
-                          <a:spcPct val="0"/>
-                        </a:spcAft>
-                        <a:buClrTx/>
-                        <a:buSzTx/>
-                        <a:buFont typeface="Wingdings" panose="05000000000000000000" pitchFamily="2" charset="2"/>
-                        <a:buNone/>
-                        <a:tabLst/>
-                      </a:pPr>
-                      <a:r>
-                        <a:rPr kumimoji="0" lang="en-US" altLang="zh-CN" sz="1200" b="1" i="0" u="none" strike="noStrike" cap="none" normalizeH="0" baseline="0" smtClean="0">
-                          <a:ln>
-                            <a:noFill/>
-                          </a:ln>
-                          <a:solidFill>
-                            <a:schemeClr val="tx2"/>
-                          </a:solidFill>
-                          <a:effectLst/>
-                          <a:latin typeface="Arial" panose="020B0604020202020204" pitchFamily="34" charset="0"/>
-                          <a:ea typeface="宋体" panose="02010600030101010101" pitchFamily="2" charset="-122"/>
-                          <a:cs typeface="Times New Roman" panose="02020603050405020304" pitchFamily="18" charset="0"/>
-                        </a:rPr>
-                        <a:t>2</a:t>
-                      </a:r>
-                    </a:p>
-                  </a:txBody>
-                  <a:tcPr horzOverflow="overflow">
-                    <a:lnL w="28575" cap="flat" cmpd="sng" algn="ctr">
-                      <a:solidFill>
-                        <a:schemeClr val="tx1"/>
-                      </a:solidFill>
-                      <a:prstDash val="solid"/>
-                      <a:round/>
-                      <a:headEnd type="none" w="med" len="med"/>
-                      <a:tailEnd type="none" w="med" len="med"/>
-                    </a:lnL>
-                    <a:lnR w="12700" cap="flat" cmpd="sng" algn="ctr">
-                      <a:solidFill>
-                        <a:schemeClr val="tx1"/>
-                      </a:solidFill>
-                      <a:prstDash val="solid"/>
-                      <a:round/>
-                      <a:headEnd type="none" w="med" len="med"/>
-                      <a:tailEnd type="none" w="med" len="med"/>
-                    </a:lnR>
-                    <a:lnT w="12700" cap="flat" cmpd="sng" algn="ctr">
-                      <a:solidFill>
-                        <a:schemeClr val="tx1"/>
-                      </a:solidFill>
-                      <a:prstDash val="solid"/>
-                      <a:round/>
-                      <a:headEnd type="none" w="med" len="med"/>
-                      <a:tailEnd type="none" w="med" len="med"/>
-                    </a:lnT>
-                    <a:lnB w="12700" cap="flat" cmpd="sng" algn="ctr">
-                      <a:solidFill>
-                        <a:schemeClr val="tx1"/>
-                      </a:solidFill>
-                      <a:prstDash val="solid"/>
-                      <a:round/>
-                      <a:headEnd type="none" w="med" len="med"/>
-                      <a:tailEnd type="none" w="med" len="med"/>
-                    </a:lnB>
-                    <a:lnTlToBr>
-                      <a:noFill/>
-                    </a:lnTlToBr>
-                    <a:lnBlToTr>
-                      <a:noFill/>
-                    </a:lnBlToTr>
-                    <a:noFill/>
-                  </a:tcPr>
-                </a:tc>
-                <a:tc>
-                  <a:txBody>
-                    <a:bodyPr/>
-                    <a:lstStyle>
-                      <a:lvl1pPr>
-                        <a:spcBef>
-                          <a:spcPct val="20000"/>
-                        </a:spcBef>
-                        <a:buFont typeface="Wingdings" panose="05000000000000000000" pitchFamily="2" charset="2"/>
-                        <a:defRPr sz="2400">
-                          <a:solidFill>
-                            <a:schemeClr val="tx2"/>
-                          </a:solidFill>
-                          <a:latin typeface="Arial" panose="020B0604020202020204" pitchFamily="34" charset="0"/>
-                          <a:cs typeface="Times New Roman" panose="02020603050405020304" pitchFamily="18" charset="0"/>
-                        </a:defRPr>
-                      </a:lvl1pPr>
-                      <a:lvl2pPr>
-                        <a:spcBef>
-                          <a:spcPct val="20000"/>
-                        </a:spcBef>
-                        <a:buFont typeface="Wingdings" panose="05000000000000000000" pitchFamily="2" charset="2"/>
-                        <a:defRPr sz="2000">
-                          <a:solidFill>
-                            <a:schemeClr val="tx1"/>
-                          </a:solidFill>
-                          <a:latin typeface="Arial" panose="020B0604020202020204" pitchFamily="34" charset="0"/>
-                          <a:cs typeface="Times New Roman" panose="02020603050405020304" pitchFamily="18" charset="0"/>
-                        </a:defRPr>
-                      </a:lvl2pPr>
-                      <a:lvl3pPr>
-                        <a:spcBef>
-                          <a:spcPct val="20000"/>
-                        </a:spcBef>
-                        <a:buFont typeface="Wingdings" panose="05000000000000000000" pitchFamily="2" charset="2"/>
-                        <a:defRPr>
-                          <a:solidFill>
-                            <a:schemeClr val="tx1"/>
-                          </a:solidFill>
-                          <a:latin typeface="Arial" panose="020B0604020202020204" pitchFamily="34" charset="0"/>
-                          <a:cs typeface="Times New Roman" panose="02020603050405020304" pitchFamily="18" charset="0"/>
-                        </a:defRPr>
-                      </a:lvl3pPr>
-                      <a:lvl4pPr>
-                        <a:spcBef>
-                          <a:spcPct val="20000"/>
-                        </a:spcBef>
-                        <a:buFont typeface="Wingdings" panose="05000000000000000000" pitchFamily="2" charset="2"/>
-                        <a:defRPr sz="1600">
-                          <a:solidFill>
-                            <a:schemeClr val="tx1"/>
-                          </a:solidFill>
-                          <a:latin typeface="Arial" panose="020B0604020202020204" pitchFamily="34" charset="0"/>
-                          <a:cs typeface="Times New Roman" panose="02020603050405020304" pitchFamily="18" charset="0"/>
-                        </a:defRPr>
-                      </a:lvl4pPr>
-                      <a:lvl5pPr>
-                        <a:spcBef>
-                          <a:spcPct val="20000"/>
-                        </a:spcBef>
-                        <a:buFont typeface="Wingdings" panose="05000000000000000000" pitchFamily="2" charset="2"/>
-                        <a:defRPr sz="1400">
-                          <a:solidFill>
-                            <a:schemeClr val="tx1"/>
-                          </a:solidFill>
-                          <a:latin typeface="Arial" panose="020B0604020202020204" pitchFamily="34" charset="0"/>
-                          <a:cs typeface="Times New Roman" panose="02020603050405020304" pitchFamily="18" charset="0"/>
-                        </a:defRPr>
-                      </a:lvl5pPr>
-                      <a:lvl6pPr fontAlgn="base">
-                        <a:spcBef>
-                          <a:spcPct val="20000"/>
-                        </a:spcBef>
-                        <a:spcAft>
-                          <a:spcPct val="0"/>
-                        </a:spcAft>
-                        <a:buFont typeface="Wingdings" panose="05000000000000000000" pitchFamily="2" charset="2"/>
-                        <a:defRPr sz="1400">
-                          <a:solidFill>
-                            <a:schemeClr val="tx1"/>
-                          </a:solidFill>
-                          <a:latin typeface="Arial" panose="020B0604020202020204" pitchFamily="34" charset="0"/>
-                          <a:cs typeface="Times New Roman" panose="02020603050405020304" pitchFamily="18" charset="0"/>
-                        </a:defRPr>
-                      </a:lvl6pPr>
-                      <a:lvl7pPr fontAlgn="base">
-                        <a:spcBef>
-                          <a:spcPct val="20000"/>
-                        </a:spcBef>
-                        <a:spcAft>
-                          <a:spcPct val="0"/>
-                        </a:spcAft>
-                        <a:buFont typeface="Wingdings" panose="05000000000000000000" pitchFamily="2" charset="2"/>
-                        <a:defRPr sz="1400">
-                          <a:solidFill>
-                            <a:schemeClr val="tx1"/>
-                          </a:solidFill>
-                          <a:latin typeface="Arial" panose="020B0604020202020204" pitchFamily="34" charset="0"/>
-                          <a:cs typeface="Times New Roman" panose="02020603050405020304" pitchFamily="18" charset="0"/>
-                        </a:defRPr>
-                      </a:lvl7pPr>
-                      <a:lvl8pPr fontAlgn="base">
-                        <a:spcBef>
-                          <a:spcPct val="20000"/>
-                        </a:spcBef>
-                        <a:spcAft>
-                          <a:spcPct val="0"/>
-                        </a:spcAft>
-                        <a:buFont typeface="Wingdings" panose="05000000000000000000" pitchFamily="2" charset="2"/>
-                        <a:defRPr sz="1400">
-                          <a:solidFill>
-                            <a:schemeClr val="tx1"/>
-                          </a:solidFill>
-                          <a:latin typeface="Arial" panose="020B0604020202020204" pitchFamily="34" charset="0"/>
-                          <a:cs typeface="Times New Roman" panose="02020603050405020304" pitchFamily="18" charset="0"/>
-                        </a:defRPr>
-                      </a:lvl8pPr>
-                      <a:lvl9pPr fontAlgn="base">
-                        <a:spcBef>
-                          <a:spcPct val="20000"/>
-                        </a:spcBef>
-                        <a:spcAft>
-                          <a:spcPct val="0"/>
-                        </a:spcAft>
-                        <a:buFont typeface="Wingdings" panose="05000000000000000000" pitchFamily="2" charset="2"/>
-                        <a:defRPr sz="1400">
-                          <a:solidFill>
-                            <a:schemeClr val="tx1"/>
-                          </a:solidFill>
-                          <a:latin typeface="Arial" panose="020B0604020202020204" pitchFamily="34" charset="0"/>
-                          <a:cs typeface="Times New Roman" panose="02020603050405020304" pitchFamily="18" charset="0"/>
-                        </a:defRPr>
-                      </a:lvl9pPr>
-                    </a:lstStyle>
-                    <a:p>
-                      <a:pPr marL="0" marR="0" lvl="0" indent="0" algn="l" defTabSz="914400" rtl="0" eaLnBrk="1" fontAlgn="base" latinLnBrk="0" hangingPunct="1">
-                        <a:lnSpc>
-                          <a:spcPct val="100000"/>
-                        </a:lnSpc>
-                        <a:spcBef>
-                          <a:spcPct val="20000"/>
-                        </a:spcBef>
-                        <a:spcAft>
-                          <a:spcPct val="0"/>
-                        </a:spcAft>
-                        <a:buClrTx/>
-                        <a:buSzTx/>
-                        <a:buFont typeface="Wingdings" panose="05000000000000000000" pitchFamily="2" charset="2"/>
-                        <a:buNone/>
-                        <a:tabLst/>
-                      </a:pPr>
-                      <a:endParaRPr kumimoji="0" lang="zh-CN" altLang="zh-CN" sz="1200" b="0" i="0" u="none" strike="noStrike" cap="none" normalizeH="0" baseline="0" smtClean="0">
-                        <a:ln>
-                          <a:noFill/>
-                        </a:ln>
-                        <a:solidFill>
-                          <a:schemeClr val="tx2"/>
-                        </a:solidFill>
-                        <a:effectLst/>
-                        <a:latin typeface="Arial" panose="020B0604020202020204" pitchFamily="34" charset="0"/>
-                        <a:cs typeface="Times New Roman" panose="02020603050405020304" pitchFamily="18" charset="0"/>
-                      </a:endParaRPr>
-                    </a:p>
-                  </a:txBody>
-                  <a:tcPr horzOverflow="overflow">
-                    <a:lnL w="12700" cap="flat" cmpd="sng" algn="ctr">
-                      <a:solidFill>
-                        <a:schemeClr val="tx1"/>
-                      </a:solidFill>
-                      <a:prstDash val="solid"/>
-                      <a:round/>
-                      <a:headEnd type="none" w="med" len="med"/>
-                      <a:tailEnd type="none" w="med" len="med"/>
-                    </a:lnL>
-                    <a:lnR w="28575" cap="flat" cmpd="sng" algn="ctr">
-                      <a:solidFill>
-                        <a:schemeClr val="tx1"/>
-                      </a:solidFill>
-                      <a:prstDash val="solid"/>
-                      <a:round/>
-                      <a:headEnd type="none" w="med" len="med"/>
-                      <a:tailEnd type="none" w="med" len="med"/>
-                    </a:lnR>
-                    <a:lnT w="12700" cap="flat" cmpd="sng" algn="ctr">
-                      <a:solidFill>
-                        <a:schemeClr val="tx1"/>
-                      </a:solidFill>
-                      <a:prstDash val="solid"/>
-                      <a:round/>
-                      <a:headEnd type="none" w="med" len="med"/>
-                      <a:tailEnd type="none" w="med" len="med"/>
-                    </a:lnT>
-                    <a:lnB w="12700" cap="flat" cmpd="sng" algn="ctr">
-                      <a:solidFill>
-                        <a:schemeClr val="tx1"/>
-                      </a:solidFill>
-                      <a:prstDash val="solid"/>
-                      <a:round/>
-                      <a:headEnd type="none" w="med" len="med"/>
-                      <a:tailEnd type="none" w="med" len="med"/>
-                    </a:lnB>
-                    <a:lnTlToBr>
-                      <a:noFill/>
-                    </a:lnTlToBr>
-                    <a:lnBlToTr>
-                      <a:noFill/>
-                    </a:lnBlToTr>
-                    <a:noFill/>
-                  </a:tcPr>
-                </a:tc>
-              </a:tr>
-              <a:tr h="282575">
-                <a:tc>
-                  <a:txBody>
-                    <a:bodyPr/>
-                    <a:lstStyle>
-                      <a:lvl1pPr>
-                        <a:spcBef>
-                          <a:spcPct val="20000"/>
-                        </a:spcBef>
-                        <a:buFont typeface="Wingdings" panose="05000000000000000000" pitchFamily="2" charset="2"/>
-                        <a:defRPr sz="2400">
-                          <a:solidFill>
-                            <a:schemeClr val="tx2"/>
-                          </a:solidFill>
-                          <a:latin typeface="Arial" panose="020B0604020202020204" pitchFamily="34" charset="0"/>
-                          <a:cs typeface="Times New Roman" panose="02020603050405020304" pitchFamily="18" charset="0"/>
-                        </a:defRPr>
-                      </a:lvl1pPr>
-                      <a:lvl2pPr>
-                        <a:spcBef>
-                          <a:spcPct val="20000"/>
-                        </a:spcBef>
-                        <a:buFont typeface="Wingdings" panose="05000000000000000000" pitchFamily="2" charset="2"/>
-                        <a:defRPr sz="2000">
-                          <a:solidFill>
-                            <a:schemeClr val="tx1"/>
-                          </a:solidFill>
-                          <a:latin typeface="Arial" panose="020B0604020202020204" pitchFamily="34" charset="0"/>
-                          <a:cs typeface="Times New Roman" panose="02020603050405020304" pitchFamily="18" charset="0"/>
-                        </a:defRPr>
-                      </a:lvl2pPr>
-                      <a:lvl3pPr>
-                        <a:spcBef>
-                          <a:spcPct val="20000"/>
-                        </a:spcBef>
-                        <a:buFont typeface="Wingdings" panose="05000000000000000000" pitchFamily="2" charset="2"/>
-                        <a:defRPr>
-                          <a:solidFill>
-                            <a:schemeClr val="tx1"/>
-                          </a:solidFill>
-                          <a:latin typeface="Arial" panose="020B0604020202020204" pitchFamily="34" charset="0"/>
-                          <a:cs typeface="Times New Roman" panose="02020603050405020304" pitchFamily="18" charset="0"/>
-                        </a:defRPr>
-                      </a:lvl3pPr>
-                      <a:lvl4pPr>
-                        <a:spcBef>
-                          <a:spcPct val="20000"/>
-                        </a:spcBef>
-                        <a:buFont typeface="Wingdings" panose="05000000000000000000" pitchFamily="2" charset="2"/>
-                        <a:defRPr sz="1600">
-                          <a:solidFill>
-                            <a:schemeClr val="tx1"/>
-                          </a:solidFill>
-                          <a:latin typeface="Arial" panose="020B0604020202020204" pitchFamily="34" charset="0"/>
-                          <a:cs typeface="Times New Roman" panose="02020603050405020304" pitchFamily="18" charset="0"/>
-                        </a:defRPr>
-                      </a:lvl4pPr>
-                      <a:lvl5pPr>
-                        <a:spcBef>
-                          <a:spcPct val="20000"/>
-                        </a:spcBef>
-                        <a:buFont typeface="Wingdings" panose="05000000000000000000" pitchFamily="2" charset="2"/>
-                        <a:defRPr sz="1400">
-                          <a:solidFill>
-                            <a:schemeClr val="tx1"/>
-                          </a:solidFill>
-                          <a:latin typeface="Arial" panose="020B0604020202020204" pitchFamily="34" charset="0"/>
-                          <a:cs typeface="Times New Roman" panose="02020603050405020304" pitchFamily="18" charset="0"/>
-                        </a:defRPr>
-                      </a:lvl5pPr>
-                      <a:lvl6pPr fontAlgn="base">
-                        <a:spcBef>
-                          <a:spcPct val="20000"/>
-                        </a:spcBef>
-                        <a:spcAft>
-                          <a:spcPct val="0"/>
-                        </a:spcAft>
-                        <a:buFont typeface="Wingdings" panose="05000000000000000000" pitchFamily="2" charset="2"/>
-                        <a:defRPr sz="1400">
-                          <a:solidFill>
-                            <a:schemeClr val="tx1"/>
-                          </a:solidFill>
-                          <a:latin typeface="Arial" panose="020B0604020202020204" pitchFamily="34" charset="0"/>
-                          <a:cs typeface="Times New Roman" panose="02020603050405020304" pitchFamily="18" charset="0"/>
-                        </a:defRPr>
-                      </a:lvl6pPr>
-                      <a:lvl7pPr fontAlgn="base">
-                        <a:spcBef>
-                          <a:spcPct val="20000"/>
-                        </a:spcBef>
-                        <a:spcAft>
-                          <a:spcPct val="0"/>
-                        </a:spcAft>
-                        <a:buFont typeface="Wingdings" panose="05000000000000000000" pitchFamily="2" charset="2"/>
-                        <a:defRPr sz="1400">
-                          <a:solidFill>
-                            <a:schemeClr val="tx1"/>
-                          </a:solidFill>
-                          <a:latin typeface="Arial" panose="020B0604020202020204" pitchFamily="34" charset="0"/>
-                          <a:cs typeface="Times New Roman" panose="02020603050405020304" pitchFamily="18" charset="0"/>
-                        </a:defRPr>
-                      </a:lvl7pPr>
-                      <a:lvl8pPr fontAlgn="base">
-                        <a:spcBef>
-                          <a:spcPct val="20000"/>
-                        </a:spcBef>
-                        <a:spcAft>
-                          <a:spcPct val="0"/>
-                        </a:spcAft>
-                        <a:buFont typeface="Wingdings" panose="05000000000000000000" pitchFamily="2" charset="2"/>
-                        <a:defRPr sz="1400">
-                          <a:solidFill>
-                            <a:schemeClr val="tx1"/>
-                          </a:solidFill>
-                          <a:latin typeface="Arial" panose="020B0604020202020204" pitchFamily="34" charset="0"/>
-                          <a:cs typeface="Times New Roman" panose="02020603050405020304" pitchFamily="18" charset="0"/>
-                        </a:defRPr>
-                      </a:lvl8pPr>
-                      <a:lvl9pPr fontAlgn="base">
-                        <a:spcBef>
-                          <a:spcPct val="20000"/>
-                        </a:spcBef>
-                        <a:spcAft>
-                          <a:spcPct val="0"/>
-                        </a:spcAft>
-                        <a:buFont typeface="Wingdings" panose="05000000000000000000" pitchFamily="2" charset="2"/>
-                        <a:defRPr sz="1400">
-                          <a:solidFill>
-                            <a:schemeClr val="tx1"/>
-                          </a:solidFill>
-                          <a:latin typeface="Arial" panose="020B0604020202020204" pitchFamily="34" charset="0"/>
-                          <a:cs typeface="Times New Roman" panose="02020603050405020304" pitchFamily="18" charset="0"/>
-                        </a:defRPr>
-                      </a:lvl9pPr>
-                    </a:lstStyle>
-                    <a:p>
-                      <a:pPr marL="0" marR="0" lvl="0" indent="0" algn="l" defTabSz="914400" rtl="0" eaLnBrk="1" fontAlgn="base" latinLnBrk="0" hangingPunct="1">
-                        <a:lnSpc>
-                          <a:spcPct val="100000"/>
-                        </a:lnSpc>
-                        <a:spcBef>
-                          <a:spcPct val="20000"/>
-                        </a:spcBef>
-                        <a:spcAft>
-                          <a:spcPct val="0"/>
-                        </a:spcAft>
-                        <a:buClrTx/>
-                        <a:buSzTx/>
-                        <a:buFont typeface="Wingdings" panose="05000000000000000000" pitchFamily="2" charset="2"/>
-                        <a:buNone/>
-                        <a:tabLst/>
-                      </a:pPr>
-                      <a:r>
-                        <a:rPr kumimoji="0" lang="en-US" altLang="zh-CN" sz="1200" b="1" i="0" u="none" strike="noStrike" cap="none" normalizeH="0" baseline="0" smtClean="0">
-                          <a:ln>
-                            <a:noFill/>
-                          </a:ln>
-                          <a:solidFill>
-                            <a:schemeClr val="tx2"/>
-                          </a:solidFill>
-                          <a:effectLst/>
-                          <a:latin typeface="Arial" panose="020B0604020202020204" pitchFamily="34" charset="0"/>
-                          <a:ea typeface="宋体" panose="02010600030101010101" pitchFamily="2" charset="-122"/>
-                          <a:cs typeface="Times New Roman" panose="02020603050405020304" pitchFamily="18" charset="0"/>
-                        </a:rPr>
-                        <a:t>3</a:t>
-                      </a:r>
-                    </a:p>
-                  </a:txBody>
-                  <a:tcPr horzOverflow="overflow">
-                    <a:lnL w="28575" cap="flat" cmpd="sng" algn="ctr">
-                      <a:solidFill>
-                        <a:schemeClr val="tx1"/>
-                      </a:solidFill>
-                      <a:prstDash val="solid"/>
-                      <a:round/>
-                      <a:headEnd type="none" w="med" len="med"/>
-                      <a:tailEnd type="none" w="med" len="med"/>
-                    </a:lnL>
-                    <a:lnR w="12700" cap="flat" cmpd="sng" algn="ctr">
-                      <a:solidFill>
-                        <a:schemeClr val="tx1"/>
-                      </a:solidFill>
-                      <a:prstDash val="solid"/>
-                      <a:round/>
-                      <a:headEnd type="none" w="med" len="med"/>
-                      <a:tailEnd type="none" w="med" len="med"/>
-                    </a:lnR>
-                    <a:lnT w="12700" cap="flat" cmpd="sng" algn="ctr">
-                      <a:solidFill>
-                        <a:schemeClr val="tx1"/>
-                      </a:solidFill>
-                      <a:prstDash val="solid"/>
-                      <a:round/>
-                      <a:headEnd type="none" w="med" len="med"/>
-                      <a:tailEnd type="none" w="med" len="med"/>
-                    </a:lnT>
-                    <a:lnB w="12700" cap="flat" cmpd="sng" algn="ctr">
-                      <a:solidFill>
-                        <a:schemeClr val="tx1"/>
-                      </a:solidFill>
-                      <a:prstDash val="solid"/>
-                      <a:round/>
-                      <a:headEnd type="none" w="med" len="med"/>
-                      <a:tailEnd type="none" w="med" len="med"/>
-                    </a:lnB>
-                    <a:lnTlToBr>
-                      <a:noFill/>
-                    </a:lnTlToBr>
-                    <a:lnBlToTr>
-                      <a:noFill/>
-                    </a:lnBlToTr>
-                    <a:noFill/>
-                  </a:tcPr>
-                </a:tc>
-                <a:tc>
-                  <a:txBody>
-                    <a:bodyPr/>
-                    <a:lstStyle>
-                      <a:lvl1pPr>
-                        <a:spcBef>
-                          <a:spcPct val="20000"/>
-                        </a:spcBef>
-                        <a:buFont typeface="Wingdings" panose="05000000000000000000" pitchFamily="2" charset="2"/>
-                        <a:defRPr sz="2400">
-                          <a:solidFill>
-                            <a:schemeClr val="tx2"/>
-                          </a:solidFill>
-                          <a:latin typeface="Arial" panose="020B0604020202020204" pitchFamily="34" charset="0"/>
-                          <a:cs typeface="Times New Roman" panose="02020603050405020304" pitchFamily="18" charset="0"/>
-                        </a:defRPr>
-                      </a:lvl1pPr>
-                      <a:lvl2pPr>
-                        <a:spcBef>
-                          <a:spcPct val="20000"/>
-                        </a:spcBef>
-                        <a:buFont typeface="Wingdings" panose="05000000000000000000" pitchFamily="2" charset="2"/>
-                        <a:defRPr sz="2000">
-                          <a:solidFill>
-                            <a:schemeClr val="tx1"/>
-                          </a:solidFill>
-                          <a:latin typeface="Arial" panose="020B0604020202020204" pitchFamily="34" charset="0"/>
-                          <a:cs typeface="Times New Roman" panose="02020603050405020304" pitchFamily="18" charset="0"/>
-                        </a:defRPr>
-                      </a:lvl2pPr>
-                      <a:lvl3pPr>
-                        <a:spcBef>
-                          <a:spcPct val="20000"/>
-                        </a:spcBef>
-                        <a:buFont typeface="Wingdings" panose="05000000000000000000" pitchFamily="2" charset="2"/>
-                        <a:defRPr>
-                          <a:solidFill>
-                            <a:schemeClr val="tx1"/>
-                          </a:solidFill>
-                          <a:latin typeface="Arial" panose="020B0604020202020204" pitchFamily="34" charset="0"/>
-                          <a:cs typeface="Times New Roman" panose="02020603050405020304" pitchFamily="18" charset="0"/>
-                        </a:defRPr>
-                      </a:lvl3pPr>
-                      <a:lvl4pPr>
-                        <a:spcBef>
-                          <a:spcPct val="20000"/>
-                        </a:spcBef>
-                        <a:buFont typeface="Wingdings" panose="05000000000000000000" pitchFamily="2" charset="2"/>
-                        <a:defRPr sz="1600">
-                          <a:solidFill>
-                            <a:schemeClr val="tx1"/>
-                          </a:solidFill>
-                          <a:latin typeface="Arial" panose="020B0604020202020204" pitchFamily="34" charset="0"/>
-                          <a:cs typeface="Times New Roman" panose="02020603050405020304" pitchFamily="18" charset="0"/>
-                        </a:defRPr>
-                      </a:lvl4pPr>
-                      <a:lvl5pPr>
-                        <a:spcBef>
-                          <a:spcPct val="20000"/>
-                        </a:spcBef>
-                        <a:buFont typeface="Wingdings" panose="05000000000000000000" pitchFamily="2" charset="2"/>
-                        <a:defRPr sz="1400">
-                          <a:solidFill>
-                            <a:schemeClr val="tx1"/>
-                          </a:solidFill>
-                          <a:latin typeface="Arial" panose="020B0604020202020204" pitchFamily="34" charset="0"/>
-                          <a:cs typeface="Times New Roman" panose="02020603050405020304" pitchFamily="18" charset="0"/>
-                        </a:defRPr>
-                      </a:lvl5pPr>
-                      <a:lvl6pPr fontAlgn="base">
-                        <a:spcBef>
-                          <a:spcPct val="20000"/>
-                        </a:spcBef>
-                        <a:spcAft>
-                          <a:spcPct val="0"/>
-                        </a:spcAft>
-                        <a:buFont typeface="Wingdings" panose="05000000000000000000" pitchFamily="2" charset="2"/>
-                        <a:defRPr sz="1400">
-                          <a:solidFill>
-                            <a:schemeClr val="tx1"/>
-                          </a:solidFill>
-                          <a:latin typeface="Arial" panose="020B0604020202020204" pitchFamily="34" charset="0"/>
-                          <a:cs typeface="Times New Roman" panose="02020603050405020304" pitchFamily="18" charset="0"/>
-                        </a:defRPr>
-                      </a:lvl6pPr>
-                      <a:lvl7pPr fontAlgn="base">
-                        <a:spcBef>
-                          <a:spcPct val="20000"/>
-                        </a:spcBef>
-                        <a:spcAft>
-                          <a:spcPct val="0"/>
-                        </a:spcAft>
-                        <a:buFont typeface="Wingdings" panose="05000000000000000000" pitchFamily="2" charset="2"/>
-                        <a:defRPr sz="1400">
-                          <a:solidFill>
-                            <a:schemeClr val="tx1"/>
-                          </a:solidFill>
-                          <a:latin typeface="Arial" panose="020B0604020202020204" pitchFamily="34" charset="0"/>
-                          <a:cs typeface="Times New Roman" panose="02020603050405020304" pitchFamily="18" charset="0"/>
-                        </a:defRPr>
-                      </a:lvl7pPr>
-                      <a:lvl8pPr fontAlgn="base">
-                        <a:spcBef>
-                          <a:spcPct val="20000"/>
-                        </a:spcBef>
-                        <a:spcAft>
-                          <a:spcPct val="0"/>
-                        </a:spcAft>
-                        <a:buFont typeface="Wingdings" panose="05000000000000000000" pitchFamily="2" charset="2"/>
-                        <a:defRPr sz="1400">
-                          <a:solidFill>
-                            <a:schemeClr val="tx1"/>
-                          </a:solidFill>
-                          <a:latin typeface="Arial" panose="020B0604020202020204" pitchFamily="34" charset="0"/>
-                          <a:cs typeface="Times New Roman" panose="02020603050405020304" pitchFamily="18" charset="0"/>
-                        </a:defRPr>
-                      </a:lvl8pPr>
-                      <a:lvl9pPr fontAlgn="base">
-                        <a:spcBef>
-                          <a:spcPct val="20000"/>
-                        </a:spcBef>
-                        <a:spcAft>
-                          <a:spcPct val="0"/>
-                        </a:spcAft>
-                        <a:buFont typeface="Wingdings" panose="05000000000000000000" pitchFamily="2" charset="2"/>
-                        <a:defRPr sz="1400">
-                          <a:solidFill>
-                            <a:schemeClr val="tx1"/>
-                          </a:solidFill>
-                          <a:latin typeface="Arial" panose="020B0604020202020204" pitchFamily="34" charset="0"/>
-                          <a:cs typeface="Times New Roman" panose="02020603050405020304" pitchFamily="18" charset="0"/>
-                        </a:defRPr>
-                      </a:lvl9pPr>
-                    </a:lstStyle>
-                    <a:p>
-                      <a:pPr marL="0" marR="0" lvl="0" indent="0" algn="l" defTabSz="914400" rtl="0" eaLnBrk="1" fontAlgn="base" latinLnBrk="0" hangingPunct="1">
-                        <a:lnSpc>
-                          <a:spcPct val="100000"/>
-                        </a:lnSpc>
-                        <a:spcBef>
-                          <a:spcPct val="20000"/>
-                        </a:spcBef>
-                        <a:spcAft>
-                          <a:spcPct val="0"/>
-                        </a:spcAft>
-                        <a:buClrTx/>
-                        <a:buSzTx/>
-                        <a:buFont typeface="Wingdings" panose="05000000000000000000" pitchFamily="2" charset="2"/>
-                        <a:buNone/>
-                        <a:tabLst/>
-                      </a:pPr>
-                      <a:endParaRPr kumimoji="0" lang="zh-CN" altLang="zh-CN" sz="1200" b="0" i="0" u="none" strike="noStrike" cap="none" normalizeH="0" baseline="0" smtClean="0">
-                        <a:ln>
-                          <a:noFill/>
-                        </a:ln>
-                        <a:solidFill>
-                          <a:schemeClr val="tx2"/>
-                        </a:solidFill>
-                        <a:effectLst/>
-                        <a:latin typeface="Arial" panose="020B0604020202020204" pitchFamily="34" charset="0"/>
-                        <a:cs typeface="Times New Roman" panose="02020603050405020304" pitchFamily="18" charset="0"/>
-                      </a:endParaRPr>
-                    </a:p>
-                  </a:txBody>
-                  <a:tcPr horzOverflow="overflow">
-                    <a:lnL w="12700" cap="flat" cmpd="sng" algn="ctr">
-                      <a:solidFill>
-                        <a:schemeClr val="tx1"/>
-                      </a:solidFill>
-                      <a:prstDash val="solid"/>
-                      <a:round/>
-                      <a:headEnd type="none" w="med" len="med"/>
-                      <a:tailEnd type="none" w="med" len="med"/>
-                    </a:lnL>
-                    <a:lnR w="28575" cap="flat" cmpd="sng" algn="ctr">
-                      <a:solidFill>
-                        <a:schemeClr val="tx1"/>
-                      </a:solidFill>
-                      <a:prstDash val="solid"/>
-                      <a:round/>
-                      <a:headEnd type="none" w="med" len="med"/>
-                      <a:tailEnd type="none" w="med" len="med"/>
-                    </a:lnR>
-                    <a:lnT w="12700" cap="flat" cmpd="sng" algn="ctr">
-                      <a:solidFill>
-                        <a:schemeClr val="tx1"/>
-                      </a:solidFill>
-                      <a:prstDash val="solid"/>
-                      <a:round/>
-                      <a:headEnd type="none" w="med" len="med"/>
-                      <a:tailEnd type="none" w="med" len="med"/>
-                    </a:lnT>
-                    <a:lnB w="12700" cap="flat" cmpd="sng" algn="ctr">
-                      <a:solidFill>
-                        <a:schemeClr val="tx1"/>
-                      </a:solidFill>
-                      <a:prstDash val="solid"/>
-                      <a:round/>
-                      <a:headEnd type="none" w="med" len="med"/>
-                      <a:tailEnd type="none" w="med" len="med"/>
-                    </a:lnB>
-                    <a:lnTlToBr>
-                      <a:noFill/>
-                    </a:lnTlToBr>
-                    <a:lnBlToTr>
-                      <a:noFill/>
-                    </a:lnBlToTr>
-                    <a:noFill/>
-                  </a:tcPr>
-                </a:tc>
-              </a:tr>
-              <a:tr h="282575">
-                <a:tc>
-                  <a:txBody>
-                    <a:bodyPr/>
-                    <a:lstStyle>
-                      <a:lvl1pPr>
-                        <a:spcBef>
-                          <a:spcPct val="20000"/>
-                        </a:spcBef>
-                        <a:buFont typeface="Wingdings" panose="05000000000000000000" pitchFamily="2" charset="2"/>
-                        <a:defRPr sz="2400">
-                          <a:solidFill>
-                            <a:schemeClr val="tx2"/>
-                          </a:solidFill>
-                          <a:latin typeface="Arial" panose="020B0604020202020204" pitchFamily="34" charset="0"/>
-                          <a:cs typeface="Times New Roman" panose="02020603050405020304" pitchFamily="18" charset="0"/>
-                        </a:defRPr>
-                      </a:lvl1pPr>
-                      <a:lvl2pPr>
-                        <a:spcBef>
-                          <a:spcPct val="20000"/>
-                        </a:spcBef>
-                        <a:buFont typeface="Wingdings" panose="05000000000000000000" pitchFamily="2" charset="2"/>
-                        <a:defRPr sz="2000">
-                          <a:solidFill>
-                            <a:schemeClr val="tx1"/>
-                          </a:solidFill>
-                          <a:latin typeface="Arial" panose="020B0604020202020204" pitchFamily="34" charset="0"/>
-                          <a:cs typeface="Times New Roman" panose="02020603050405020304" pitchFamily="18" charset="0"/>
-                        </a:defRPr>
-                      </a:lvl2pPr>
-                      <a:lvl3pPr>
-                        <a:spcBef>
-                          <a:spcPct val="20000"/>
-                        </a:spcBef>
-                        <a:buFont typeface="Wingdings" panose="05000000000000000000" pitchFamily="2" charset="2"/>
-                        <a:defRPr>
-                          <a:solidFill>
-                            <a:schemeClr val="tx1"/>
-                          </a:solidFill>
-                          <a:latin typeface="Arial" panose="020B0604020202020204" pitchFamily="34" charset="0"/>
-                          <a:cs typeface="Times New Roman" panose="02020603050405020304" pitchFamily="18" charset="0"/>
-                        </a:defRPr>
-                      </a:lvl3pPr>
-                      <a:lvl4pPr>
-                        <a:spcBef>
-                          <a:spcPct val="20000"/>
-                        </a:spcBef>
-                        <a:buFont typeface="Wingdings" panose="05000000000000000000" pitchFamily="2" charset="2"/>
-                        <a:defRPr sz="1600">
-                          <a:solidFill>
-                            <a:schemeClr val="tx1"/>
-                          </a:solidFill>
-                          <a:latin typeface="Arial" panose="020B0604020202020204" pitchFamily="34" charset="0"/>
-                          <a:cs typeface="Times New Roman" panose="02020603050405020304" pitchFamily="18" charset="0"/>
-                        </a:defRPr>
-                      </a:lvl4pPr>
-                      <a:lvl5pPr>
-                        <a:spcBef>
-                          <a:spcPct val="20000"/>
-                        </a:spcBef>
-                        <a:buFont typeface="Wingdings" panose="05000000000000000000" pitchFamily="2" charset="2"/>
-                        <a:defRPr sz="1400">
-                          <a:solidFill>
-                            <a:schemeClr val="tx1"/>
-                          </a:solidFill>
-                          <a:latin typeface="Arial" panose="020B0604020202020204" pitchFamily="34" charset="0"/>
-                          <a:cs typeface="Times New Roman" panose="02020603050405020304" pitchFamily="18" charset="0"/>
-                        </a:defRPr>
-                      </a:lvl5pPr>
-                      <a:lvl6pPr fontAlgn="base">
-                        <a:spcBef>
-                          <a:spcPct val="20000"/>
-                        </a:spcBef>
-                        <a:spcAft>
-                          <a:spcPct val="0"/>
-                        </a:spcAft>
-                        <a:buFont typeface="Wingdings" panose="05000000000000000000" pitchFamily="2" charset="2"/>
-                        <a:defRPr sz="1400">
-                          <a:solidFill>
-                            <a:schemeClr val="tx1"/>
-                          </a:solidFill>
-                          <a:latin typeface="Arial" panose="020B0604020202020204" pitchFamily="34" charset="0"/>
-                          <a:cs typeface="Times New Roman" panose="02020603050405020304" pitchFamily="18" charset="0"/>
-                        </a:defRPr>
-                      </a:lvl6pPr>
-                      <a:lvl7pPr fontAlgn="base">
-                        <a:spcBef>
-                          <a:spcPct val="20000"/>
-                        </a:spcBef>
-                        <a:spcAft>
-                          <a:spcPct val="0"/>
-                        </a:spcAft>
-                        <a:buFont typeface="Wingdings" panose="05000000000000000000" pitchFamily="2" charset="2"/>
-                        <a:defRPr sz="1400">
-                          <a:solidFill>
-                            <a:schemeClr val="tx1"/>
-                          </a:solidFill>
-                          <a:latin typeface="Arial" panose="020B0604020202020204" pitchFamily="34" charset="0"/>
-                          <a:cs typeface="Times New Roman" panose="02020603050405020304" pitchFamily="18" charset="0"/>
-                        </a:defRPr>
-                      </a:lvl7pPr>
-                      <a:lvl8pPr fontAlgn="base">
-                        <a:spcBef>
-                          <a:spcPct val="20000"/>
-                        </a:spcBef>
-                        <a:spcAft>
-                          <a:spcPct val="0"/>
-                        </a:spcAft>
-                        <a:buFont typeface="Wingdings" panose="05000000000000000000" pitchFamily="2" charset="2"/>
-                        <a:defRPr sz="1400">
-                          <a:solidFill>
-                            <a:schemeClr val="tx1"/>
-                          </a:solidFill>
-                          <a:latin typeface="Arial" panose="020B0604020202020204" pitchFamily="34" charset="0"/>
-                          <a:cs typeface="Times New Roman" panose="02020603050405020304" pitchFamily="18" charset="0"/>
-                        </a:defRPr>
-                      </a:lvl8pPr>
-                      <a:lvl9pPr fontAlgn="base">
-                        <a:spcBef>
-                          <a:spcPct val="20000"/>
-                        </a:spcBef>
-                        <a:spcAft>
-                          <a:spcPct val="0"/>
-                        </a:spcAft>
-                        <a:buFont typeface="Wingdings" panose="05000000000000000000" pitchFamily="2" charset="2"/>
-                        <a:defRPr sz="1400">
-                          <a:solidFill>
-                            <a:schemeClr val="tx1"/>
-                          </a:solidFill>
-                          <a:latin typeface="Arial" panose="020B0604020202020204" pitchFamily="34" charset="0"/>
-                          <a:cs typeface="Times New Roman" panose="02020603050405020304" pitchFamily="18" charset="0"/>
-                        </a:defRPr>
-                      </a:lvl9pPr>
-                    </a:lstStyle>
-                    <a:p>
-                      <a:pPr marL="0" marR="0" lvl="0" indent="0" algn="l" defTabSz="914400" rtl="0" eaLnBrk="1" fontAlgn="base" latinLnBrk="0" hangingPunct="1">
-                        <a:lnSpc>
-                          <a:spcPct val="100000"/>
-                        </a:lnSpc>
-                        <a:spcBef>
-                          <a:spcPct val="20000"/>
-                        </a:spcBef>
-                        <a:spcAft>
-                          <a:spcPct val="0"/>
-                        </a:spcAft>
-                        <a:buClrTx/>
-                        <a:buSzTx/>
-                        <a:buFont typeface="Wingdings" panose="05000000000000000000" pitchFamily="2" charset="2"/>
-                        <a:buNone/>
-                        <a:tabLst/>
-                      </a:pPr>
-                      <a:r>
-                        <a:rPr kumimoji="0" lang="en-US" altLang="zh-CN" sz="1200" b="1" i="0" u="none" strike="noStrike" cap="none" normalizeH="0" baseline="0" smtClean="0">
-                          <a:ln>
-                            <a:noFill/>
-                          </a:ln>
-                          <a:solidFill>
-                            <a:schemeClr val="tx2"/>
-                          </a:solidFill>
-                          <a:effectLst/>
-                          <a:latin typeface="Arial" panose="020B0604020202020204" pitchFamily="34" charset="0"/>
-                          <a:ea typeface="宋体" panose="02010600030101010101" pitchFamily="2" charset="-122"/>
-                          <a:cs typeface="Times New Roman" panose="02020603050405020304" pitchFamily="18" charset="0"/>
-                        </a:rPr>
-                        <a:t>4</a:t>
-                      </a:r>
-                    </a:p>
-                  </a:txBody>
-                  <a:tcPr horzOverflow="overflow">
-                    <a:lnL w="28575" cap="flat" cmpd="sng" algn="ctr">
-                      <a:solidFill>
-                        <a:schemeClr val="tx1"/>
-                      </a:solidFill>
-                      <a:prstDash val="solid"/>
-                      <a:round/>
-                      <a:headEnd type="none" w="med" len="med"/>
-                      <a:tailEnd type="none" w="med" len="med"/>
-                    </a:lnL>
-                    <a:lnR w="12700" cap="flat" cmpd="sng" algn="ctr">
-                      <a:solidFill>
-                        <a:schemeClr val="tx1"/>
-                      </a:solidFill>
-                      <a:prstDash val="solid"/>
-                      <a:round/>
-                      <a:headEnd type="none" w="med" len="med"/>
-                      <a:tailEnd type="none" w="med" len="med"/>
-                    </a:lnR>
-                    <a:lnT w="12700" cap="flat" cmpd="sng" algn="ctr">
-                      <a:solidFill>
-                        <a:schemeClr val="tx1"/>
-                      </a:solidFill>
-                      <a:prstDash val="solid"/>
-                      <a:round/>
-                      <a:headEnd type="none" w="med" len="med"/>
-                      <a:tailEnd type="none" w="med" len="med"/>
-                    </a:lnT>
-                    <a:lnB w="12700" cap="flat" cmpd="sng" algn="ctr">
-                      <a:solidFill>
-                        <a:schemeClr val="tx1"/>
-                      </a:solidFill>
-                      <a:prstDash val="solid"/>
-                      <a:round/>
-                      <a:headEnd type="none" w="med" len="med"/>
-                      <a:tailEnd type="none" w="med" len="med"/>
-                    </a:lnB>
-                    <a:lnTlToBr>
-                      <a:noFill/>
-                    </a:lnTlToBr>
-                    <a:lnBlToTr>
-                      <a:noFill/>
-                    </a:lnBlToTr>
-                    <a:noFill/>
-                  </a:tcPr>
-                </a:tc>
-                <a:tc>
-                  <a:txBody>
-                    <a:bodyPr/>
-                    <a:lstStyle>
-                      <a:lvl1pPr>
-                        <a:spcBef>
-                          <a:spcPct val="20000"/>
-                        </a:spcBef>
-                        <a:buFont typeface="Wingdings" panose="05000000000000000000" pitchFamily="2" charset="2"/>
-                        <a:defRPr sz="2400">
-                          <a:solidFill>
-                            <a:schemeClr val="tx2"/>
-                          </a:solidFill>
-                          <a:latin typeface="Arial" panose="020B0604020202020204" pitchFamily="34" charset="0"/>
-                          <a:cs typeface="Times New Roman" panose="02020603050405020304" pitchFamily="18" charset="0"/>
-                        </a:defRPr>
-                      </a:lvl1pPr>
-                      <a:lvl2pPr>
-                        <a:spcBef>
-                          <a:spcPct val="20000"/>
-                        </a:spcBef>
-                        <a:buFont typeface="Wingdings" panose="05000000000000000000" pitchFamily="2" charset="2"/>
-                        <a:defRPr sz="2000">
-                          <a:solidFill>
-                            <a:schemeClr val="tx1"/>
-                          </a:solidFill>
-                          <a:latin typeface="Arial" panose="020B0604020202020204" pitchFamily="34" charset="0"/>
-                          <a:cs typeface="Times New Roman" panose="02020603050405020304" pitchFamily="18" charset="0"/>
-                        </a:defRPr>
-                      </a:lvl2pPr>
-                      <a:lvl3pPr>
-                        <a:spcBef>
-                          <a:spcPct val="20000"/>
-                        </a:spcBef>
-                        <a:buFont typeface="Wingdings" panose="05000000000000000000" pitchFamily="2" charset="2"/>
-                        <a:defRPr>
-                          <a:solidFill>
-                            <a:schemeClr val="tx1"/>
-                          </a:solidFill>
-                          <a:latin typeface="Arial" panose="020B0604020202020204" pitchFamily="34" charset="0"/>
-                          <a:cs typeface="Times New Roman" panose="02020603050405020304" pitchFamily="18" charset="0"/>
-                        </a:defRPr>
-                      </a:lvl3pPr>
-                      <a:lvl4pPr>
-                        <a:spcBef>
-                          <a:spcPct val="20000"/>
-                        </a:spcBef>
-                        <a:buFont typeface="Wingdings" panose="05000000000000000000" pitchFamily="2" charset="2"/>
-                        <a:defRPr sz="1600">
-                          <a:solidFill>
-                            <a:schemeClr val="tx1"/>
-                          </a:solidFill>
-                          <a:latin typeface="Arial" panose="020B0604020202020204" pitchFamily="34" charset="0"/>
-                          <a:cs typeface="Times New Roman" panose="02020603050405020304" pitchFamily="18" charset="0"/>
-                        </a:defRPr>
-                      </a:lvl4pPr>
-                      <a:lvl5pPr>
-                        <a:spcBef>
-                          <a:spcPct val="20000"/>
-                        </a:spcBef>
-                        <a:buFont typeface="Wingdings" panose="05000000000000000000" pitchFamily="2" charset="2"/>
-                        <a:defRPr sz="1400">
-                          <a:solidFill>
-                            <a:schemeClr val="tx1"/>
-                          </a:solidFill>
-                          <a:latin typeface="Arial" panose="020B0604020202020204" pitchFamily="34" charset="0"/>
-                          <a:cs typeface="Times New Roman" panose="02020603050405020304" pitchFamily="18" charset="0"/>
-                        </a:defRPr>
-                      </a:lvl5pPr>
-                      <a:lvl6pPr fontAlgn="base">
-                        <a:spcBef>
-                          <a:spcPct val="20000"/>
-                        </a:spcBef>
-                        <a:spcAft>
-                          <a:spcPct val="0"/>
-                        </a:spcAft>
-                        <a:buFont typeface="Wingdings" panose="05000000000000000000" pitchFamily="2" charset="2"/>
-                        <a:defRPr sz="1400">
-                          <a:solidFill>
-                            <a:schemeClr val="tx1"/>
-                          </a:solidFill>
-                          <a:latin typeface="Arial" panose="020B0604020202020204" pitchFamily="34" charset="0"/>
-                          <a:cs typeface="Times New Roman" panose="02020603050405020304" pitchFamily="18" charset="0"/>
-                        </a:defRPr>
-                      </a:lvl6pPr>
-                      <a:lvl7pPr fontAlgn="base">
-                        <a:spcBef>
-                          <a:spcPct val="20000"/>
-                        </a:spcBef>
-                        <a:spcAft>
-                          <a:spcPct val="0"/>
-                        </a:spcAft>
-                        <a:buFont typeface="Wingdings" panose="05000000000000000000" pitchFamily="2" charset="2"/>
-                        <a:defRPr sz="1400">
-                          <a:solidFill>
-                            <a:schemeClr val="tx1"/>
-                          </a:solidFill>
-                          <a:latin typeface="Arial" panose="020B0604020202020204" pitchFamily="34" charset="0"/>
-                          <a:cs typeface="Times New Roman" panose="02020603050405020304" pitchFamily="18" charset="0"/>
-                        </a:defRPr>
-                      </a:lvl7pPr>
-                      <a:lvl8pPr fontAlgn="base">
-                        <a:spcBef>
-                          <a:spcPct val="20000"/>
-                        </a:spcBef>
-                        <a:spcAft>
-                          <a:spcPct val="0"/>
-                        </a:spcAft>
-                        <a:buFont typeface="Wingdings" panose="05000000000000000000" pitchFamily="2" charset="2"/>
-                        <a:defRPr sz="1400">
-                          <a:solidFill>
-                            <a:schemeClr val="tx1"/>
-                          </a:solidFill>
-                          <a:latin typeface="Arial" panose="020B0604020202020204" pitchFamily="34" charset="0"/>
-                          <a:cs typeface="Times New Roman" panose="02020603050405020304" pitchFamily="18" charset="0"/>
-                        </a:defRPr>
-                      </a:lvl8pPr>
-                      <a:lvl9pPr fontAlgn="base">
-                        <a:spcBef>
-                          <a:spcPct val="20000"/>
-                        </a:spcBef>
-                        <a:spcAft>
-                          <a:spcPct val="0"/>
-                        </a:spcAft>
-                        <a:buFont typeface="Wingdings" panose="05000000000000000000" pitchFamily="2" charset="2"/>
-                        <a:defRPr sz="1400">
-                          <a:solidFill>
-                            <a:schemeClr val="tx1"/>
-                          </a:solidFill>
-                          <a:latin typeface="Arial" panose="020B0604020202020204" pitchFamily="34" charset="0"/>
-                          <a:cs typeface="Times New Roman" panose="02020603050405020304" pitchFamily="18" charset="0"/>
-                        </a:defRPr>
-                      </a:lvl9pPr>
-                    </a:lstStyle>
-                    <a:p>
-                      <a:pPr marL="0" marR="0" lvl="0" indent="0" algn="l" defTabSz="914400" rtl="0" eaLnBrk="1" fontAlgn="base" latinLnBrk="0" hangingPunct="1">
-                        <a:lnSpc>
-                          <a:spcPct val="100000"/>
-                        </a:lnSpc>
-                        <a:spcBef>
-                          <a:spcPct val="20000"/>
-                        </a:spcBef>
-                        <a:spcAft>
-                          <a:spcPct val="0"/>
-                        </a:spcAft>
-                        <a:buClrTx/>
-                        <a:buSzTx/>
-                        <a:buFont typeface="Wingdings" panose="05000000000000000000" pitchFamily="2" charset="2"/>
-                        <a:buNone/>
-                        <a:tabLst/>
-                      </a:pPr>
-                      <a:endParaRPr kumimoji="0" lang="zh-CN" altLang="zh-CN" sz="1200" b="0" i="0" u="none" strike="noStrike" cap="none" normalizeH="0" baseline="0" smtClean="0">
-                        <a:ln>
-                          <a:noFill/>
-                        </a:ln>
-                        <a:solidFill>
-                          <a:schemeClr val="tx2"/>
-                        </a:solidFill>
-                        <a:effectLst/>
-                        <a:latin typeface="Arial" panose="020B0604020202020204" pitchFamily="34" charset="0"/>
-                        <a:cs typeface="Times New Roman" panose="02020603050405020304" pitchFamily="18" charset="0"/>
-                      </a:endParaRPr>
-                    </a:p>
-                  </a:txBody>
-                  <a:tcPr horzOverflow="overflow">
-                    <a:lnL w="12700" cap="flat" cmpd="sng" algn="ctr">
-                      <a:solidFill>
-                        <a:schemeClr val="tx1"/>
-                      </a:solidFill>
-                      <a:prstDash val="solid"/>
-                      <a:round/>
-                      <a:headEnd type="none" w="med" len="med"/>
-                      <a:tailEnd type="none" w="med" len="med"/>
-                    </a:lnL>
-                    <a:lnR w="28575" cap="flat" cmpd="sng" algn="ctr">
-                      <a:solidFill>
-                        <a:schemeClr val="tx1"/>
-                      </a:solidFill>
-                      <a:prstDash val="solid"/>
-                      <a:round/>
-                      <a:headEnd type="none" w="med" len="med"/>
-                      <a:tailEnd type="none" w="med" len="med"/>
-                    </a:lnR>
-                    <a:lnT w="12700" cap="flat" cmpd="sng" algn="ctr">
-                      <a:solidFill>
-                        <a:schemeClr val="tx1"/>
-                      </a:solidFill>
-                      <a:prstDash val="solid"/>
-                      <a:round/>
-                      <a:headEnd type="none" w="med" len="med"/>
-                      <a:tailEnd type="none" w="med" len="med"/>
-                    </a:lnT>
-                    <a:lnB w="12700" cap="flat" cmpd="sng" algn="ctr">
-                      <a:solidFill>
-                        <a:schemeClr val="tx1"/>
-                      </a:solidFill>
-                      <a:prstDash val="solid"/>
-                      <a:round/>
-                      <a:headEnd type="none" w="med" len="med"/>
-                      <a:tailEnd type="none" w="med" len="med"/>
-                    </a:lnB>
-                    <a:lnTlToBr>
-                      <a:noFill/>
-                    </a:lnTlToBr>
-                    <a:lnBlToTr>
-                      <a:noFill/>
-                    </a:lnBlToTr>
-                    <a:noFill/>
-                  </a:tcPr>
-                </a:tc>
-              </a:tr>
-              <a:tr h="284163">
-                <a:tc>
-                  <a:txBody>
-                    <a:bodyPr/>
-                    <a:lstStyle>
-                      <a:lvl1pPr>
-                        <a:spcBef>
-                          <a:spcPct val="20000"/>
-                        </a:spcBef>
-                        <a:buFont typeface="Wingdings" panose="05000000000000000000" pitchFamily="2" charset="2"/>
-                        <a:defRPr sz="2400">
-                          <a:solidFill>
-                            <a:schemeClr val="tx2"/>
-                          </a:solidFill>
-                          <a:latin typeface="Arial" panose="020B0604020202020204" pitchFamily="34" charset="0"/>
-                          <a:cs typeface="Times New Roman" panose="02020603050405020304" pitchFamily="18" charset="0"/>
-                        </a:defRPr>
-                      </a:lvl1pPr>
-                      <a:lvl2pPr>
-                        <a:spcBef>
-                          <a:spcPct val="20000"/>
-                        </a:spcBef>
-                        <a:buFont typeface="Wingdings" panose="05000000000000000000" pitchFamily="2" charset="2"/>
-                        <a:defRPr sz="2000">
-                          <a:solidFill>
-                            <a:schemeClr val="tx1"/>
-                          </a:solidFill>
-                          <a:latin typeface="Arial" panose="020B0604020202020204" pitchFamily="34" charset="0"/>
-                          <a:cs typeface="Times New Roman" panose="02020603050405020304" pitchFamily="18" charset="0"/>
-                        </a:defRPr>
-                      </a:lvl2pPr>
-                      <a:lvl3pPr>
-                        <a:spcBef>
-                          <a:spcPct val="20000"/>
-                        </a:spcBef>
-                        <a:buFont typeface="Wingdings" panose="05000000000000000000" pitchFamily="2" charset="2"/>
-                        <a:defRPr>
-                          <a:solidFill>
-                            <a:schemeClr val="tx1"/>
-                          </a:solidFill>
-                          <a:latin typeface="Arial" panose="020B0604020202020204" pitchFamily="34" charset="0"/>
-                          <a:cs typeface="Times New Roman" panose="02020603050405020304" pitchFamily="18" charset="0"/>
-                        </a:defRPr>
-                      </a:lvl3pPr>
-                      <a:lvl4pPr>
-                        <a:spcBef>
-                          <a:spcPct val="20000"/>
-                        </a:spcBef>
-                        <a:buFont typeface="Wingdings" panose="05000000000000000000" pitchFamily="2" charset="2"/>
-                        <a:defRPr sz="1600">
-                          <a:solidFill>
-                            <a:schemeClr val="tx1"/>
-                          </a:solidFill>
-                          <a:latin typeface="Arial" panose="020B0604020202020204" pitchFamily="34" charset="0"/>
-                          <a:cs typeface="Times New Roman" panose="02020603050405020304" pitchFamily="18" charset="0"/>
-                        </a:defRPr>
-                      </a:lvl4pPr>
-                      <a:lvl5pPr>
-                        <a:spcBef>
-                          <a:spcPct val="20000"/>
-                        </a:spcBef>
-                        <a:buFont typeface="Wingdings" panose="05000000000000000000" pitchFamily="2" charset="2"/>
-                        <a:defRPr sz="1400">
-                          <a:solidFill>
-                            <a:schemeClr val="tx1"/>
-                          </a:solidFill>
-                          <a:latin typeface="Arial" panose="020B0604020202020204" pitchFamily="34" charset="0"/>
-                          <a:cs typeface="Times New Roman" panose="02020603050405020304" pitchFamily="18" charset="0"/>
-                        </a:defRPr>
-                      </a:lvl5pPr>
-                      <a:lvl6pPr fontAlgn="base">
-                        <a:spcBef>
-                          <a:spcPct val="20000"/>
-                        </a:spcBef>
-                        <a:spcAft>
-                          <a:spcPct val="0"/>
-                        </a:spcAft>
-                        <a:buFont typeface="Wingdings" panose="05000000000000000000" pitchFamily="2" charset="2"/>
-                        <a:defRPr sz="1400">
-                          <a:solidFill>
-                            <a:schemeClr val="tx1"/>
-                          </a:solidFill>
-                          <a:latin typeface="Arial" panose="020B0604020202020204" pitchFamily="34" charset="0"/>
-                          <a:cs typeface="Times New Roman" panose="02020603050405020304" pitchFamily="18" charset="0"/>
-                        </a:defRPr>
-                      </a:lvl6pPr>
-                      <a:lvl7pPr fontAlgn="base">
-                        <a:spcBef>
-                          <a:spcPct val="20000"/>
-                        </a:spcBef>
-                        <a:spcAft>
-                          <a:spcPct val="0"/>
-                        </a:spcAft>
-                        <a:buFont typeface="Wingdings" panose="05000000000000000000" pitchFamily="2" charset="2"/>
-                        <a:defRPr sz="1400">
-                          <a:solidFill>
-                            <a:schemeClr val="tx1"/>
-                          </a:solidFill>
-                          <a:latin typeface="Arial" panose="020B0604020202020204" pitchFamily="34" charset="0"/>
-                          <a:cs typeface="Times New Roman" panose="02020603050405020304" pitchFamily="18" charset="0"/>
-                        </a:defRPr>
-                      </a:lvl7pPr>
-                      <a:lvl8pPr fontAlgn="base">
-                        <a:spcBef>
-                          <a:spcPct val="20000"/>
-                        </a:spcBef>
-                        <a:spcAft>
-                          <a:spcPct val="0"/>
-                        </a:spcAft>
-                        <a:buFont typeface="Wingdings" panose="05000000000000000000" pitchFamily="2" charset="2"/>
-                        <a:defRPr sz="1400">
-                          <a:solidFill>
-                            <a:schemeClr val="tx1"/>
-                          </a:solidFill>
-                          <a:latin typeface="Arial" panose="020B0604020202020204" pitchFamily="34" charset="0"/>
-                          <a:cs typeface="Times New Roman" panose="02020603050405020304" pitchFamily="18" charset="0"/>
-                        </a:defRPr>
-                      </a:lvl8pPr>
-                      <a:lvl9pPr fontAlgn="base">
-                        <a:spcBef>
-                          <a:spcPct val="20000"/>
-                        </a:spcBef>
-                        <a:spcAft>
-                          <a:spcPct val="0"/>
-                        </a:spcAft>
-                        <a:buFont typeface="Wingdings" panose="05000000000000000000" pitchFamily="2" charset="2"/>
-                        <a:defRPr sz="1400">
-                          <a:solidFill>
-                            <a:schemeClr val="tx1"/>
-                          </a:solidFill>
-                          <a:latin typeface="Arial" panose="020B0604020202020204" pitchFamily="34" charset="0"/>
-                          <a:cs typeface="Times New Roman" panose="02020603050405020304" pitchFamily="18" charset="0"/>
-                        </a:defRPr>
-                      </a:lvl9pPr>
-                    </a:lstStyle>
-                    <a:p>
-                      <a:pPr marL="0" marR="0" lvl="0" indent="0" algn="l" defTabSz="914400" rtl="0" eaLnBrk="1" fontAlgn="base" latinLnBrk="0" hangingPunct="1">
-                        <a:lnSpc>
-                          <a:spcPct val="100000"/>
-                        </a:lnSpc>
-                        <a:spcBef>
-                          <a:spcPct val="20000"/>
-                        </a:spcBef>
-                        <a:spcAft>
-                          <a:spcPct val="0"/>
-                        </a:spcAft>
-                        <a:buClrTx/>
-                        <a:buSzTx/>
-                        <a:buFont typeface="Wingdings" panose="05000000000000000000" pitchFamily="2" charset="2"/>
-                        <a:buNone/>
-                        <a:tabLst/>
-                      </a:pPr>
-                      <a:r>
-                        <a:rPr kumimoji="0" lang="en-US" altLang="zh-CN" sz="1200" b="1" i="0" u="none" strike="noStrike" cap="none" normalizeH="0" baseline="0" smtClean="0">
-                          <a:ln>
-                            <a:noFill/>
-                          </a:ln>
-                          <a:solidFill>
-                            <a:schemeClr val="tx2"/>
-                          </a:solidFill>
-                          <a:effectLst/>
-                          <a:latin typeface="Arial" panose="020B0604020202020204" pitchFamily="34" charset="0"/>
-                          <a:ea typeface="宋体" panose="02010600030101010101" pitchFamily="2" charset="-122"/>
-                          <a:cs typeface="Times New Roman" panose="02020603050405020304" pitchFamily="18" charset="0"/>
-                        </a:rPr>
-                        <a:t>5</a:t>
-                      </a:r>
-                    </a:p>
-                  </a:txBody>
-                  <a:tcPr horzOverflow="overflow">
-                    <a:lnL w="28575" cap="flat" cmpd="sng" algn="ctr">
-                      <a:solidFill>
-                        <a:schemeClr val="tx1"/>
-                      </a:solidFill>
-                      <a:prstDash val="solid"/>
-                      <a:round/>
-                      <a:headEnd type="none" w="med" len="med"/>
-                      <a:tailEnd type="none" w="med" len="med"/>
-                    </a:lnL>
-                    <a:lnR w="12700" cap="flat" cmpd="sng" algn="ctr">
-                      <a:solidFill>
-                        <a:schemeClr val="tx1"/>
-                      </a:solidFill>
-                      <a:prstDash val="solid"/>
-                      <a:round/>
-                      <a:headEnd type="none" w="med" len="med"/>
-                      <a:tailEnd type="none" w="med" len="med"/>
-                    </a:lnR>
-                    <a:lnT w="12700" cap="flat" cmpd="sng" algn="ctr">
-                      <a:solidFill>
-                        <a:schemeClr val="tx1"/>
-                      </a:solidFill>
-                      <a:prstDash val="solid"/>
-                      <a:round/>
-                      <a:headEnd type="none" w="med" len="med"/>
-                      <a:tailEnd type="none" w="med" len="med"/>
-                    </a:lnT>
-                    <a:lnB w="12700" cap="flat" cmpd="sng" algn="ctr">
-                      <a:solidFill>
-                        <a:schemeClr val="tx1"/>
-                      </a:solidFill>
-                      <a:prstDash val="solid"/>
-                      <a:round/>
-                      <a:headEnd type="none" w="med" len="med"/>
-                      <a:tailEnd type="none" w="med" len="med"/>
-                    </a:lnB>
-                    <a:lnTlToBr>
-                      <a:noFill/>
-                    </a:lnTlToBr>
-                    <a:lnBlToTr>
-                      <a:noFill/>
-                    </a:lnBlToTr>
-                    <a:noFill/>
-                  </a:tcPr>
-                </a:tc>
-                <a:tc>
-                  <a:txBody>
-                    <a:bodyPr/>
-                    <a:lstStyle>
-                      <a:lvl1pPr>
-                        <a:spcBef>
-                          <a:spcPct val="20000"/>
-                        </a:spcBef>
-                        <a:buFont typeface="Wingdings" panose="05000000000000000000" pitchFamily="2" charset="2"/>
-                        <a:defRPr sz="2400">
-                          <a:solidFill>
-                            <a:schemeClr val="tx2"/>
-                          </a:solidFill>
-                          <a:latin typeface="Arial" panose="020B0604020202020204" pitchFamily="34" charset="0"/>
-                          <a:cs typeface="Times New Roman" panose="02020603050405020304" pitchFamily="18" charset="0"/>
-                        </a:defRPr>
-                      </a:lvl1pPr>
-                      <a:lvl2pPr>
-                        <a:spcBef>
-                          <a:spcPct val="20000"/>
-                        </a:spcBef>
-                        <a:buFont typeface="Wingdings" panose="05000000000000000000" pitchFamily="2" charset="2"/>
-                        <a:defRPr sz="2000">
-                          <a:solidFill>
-                            <a:schemeClr val="tx1"/>
-                          </a:solidFill>
-                          <a:latin typeface="Arial" panose="020B0604020202020204" pitchFamily="34" charset="0"/>
-                          <a:cs typeface="Times New Roman" panose="02020603050405020304" pitchFamily="18" charset="0"/>
-                        </a:defRPr>
-                      </a:lvl2pPr>
-                      <a:lvl3pPr>
-                        <a:spcBef>
-                          <a:spcPct val="20000"/>
-                        </a:spcBef>
-                        <a:buFont typeface="Wingdings" panose="05000000000000000000" pitchFamily="2" charset="2"/>
-                        <a:defRPr>
-                          <a:solidFill>
-                            <a:schemeClr val="tx1"/>
-                          </a:solidFill>
-                          <a:latin typeface="Arial" panose="020B0604020202020204" pitchFamily="34" charset="0"/>
-                          <a:cs typeface="Times New Roman" panose="02020603050405020304" pitchFamily="18" charset="0"/>
-                        </a:defRPr>
-                      </a:lvl3pPr>
-                      <a:lvl4pPr>
-                        <a:spcBef>
-                          <a:spcPct val="20000"/>
-                        </a:spcBef>
-                        <a:buFont typeface="Wingdings" panose="05000000000000000000" pitchFamily="2" charset="2"/>
-                        <a:defRPr sz="1600">
-                          <a:solidFill>
-                            <a:schemeClr val="tx1"/>
-                          </a:solidFill>
-                          <a:latin typeface="Arial" panose="020B0604020202020204" pitchFamily="34" charset="0"/>
-                          <a:cs typeface="Times New Roman" panose="02020603050405020304" pitchFamily="18" charset="0"/>
-                        </a:defRPr>
-                      </a:lvl4pPr>
-                      <a:lvl5pPr>
-                        <a:spcBef>
-                          <a:spcPct val="20000"/>
-                        </a:spcBef>
-                        <a:buFont typeface="Wingdings" panose="05000000000000000000" pitchFamily="2" charset="2"/>
-                        <a:defRPr sz="1400">
-                          <a:solidFill>
-                            <a:schemeClr val="tx1"/>
-                          </a:solidFill>
-                          <a:latin typeface="Arial" panose="020B0604020202020204" pitchFamily="34" charset="0"/>
-                          <a:cs typeface="Times New Roman" panose="02020603050405020304" pitchFamily="18" charset="0"/>
-                        </a:defRPr>
-                      </a:lvl5pPr>
-                      <a:lvl6pPr fontAlgn="base">
-                        <a:spcBef>
-                          <a:spcPct val="20000"/>
-                        </a:spcBef>
-                        <a:spcAft>
-                          <a:spcPct val="0"/>
-                        </a:spcAft>
-                        <a:buFont typeface="Wingdings" panose="05000000000000000000" pitchFamily="2" charset="2"/>
-                        <a:defRPr sz="1400">
-                          <a:solidFill>
-                            <a:schemeClr val="tx1"/>
-                          </a:solidFill>
-                          <a:latin typeface="Arial" panose="020B0604020202020204" pitchFamily="34" charset="0"/>
-                          <a:cs typeface="Times New Roman" panose="02020603050405020304" pitchFamily="18" charset="0"/>
-                        </a:defRPr>
-                      </a:lvl6pPr>
-                      <a:lvl7pPr fontAlgn="base">
-                        <a:spcBef>
-                          <a:spcPct val="20000"/>
-                        </a:spcBef>
-                        <a:spcAft>
-                          <a:spcPct val="0"/>
-                        </a:spcAft>
-                        <a:buFont typeface="Wingdings" panose="05000000000000000000" pitchFamily="2" charset="2"/>
-                        <a:defRPr sz="1400">
-                          <a:solidFill>
-                            <a:schemeClr val="tx1"/>
-                          </a:solidFill>
-                          <a:latin typeface="Arial" panose="020B0604020202020204" pitchFamily="34" charset="0"/>
-                          <a:cs typeface="Times New Roman" panose="02020603050405020304" pitchFamily="18" charset="0"/>
-                        </a:defRPr>
-                      </a:lvl7pPr>
-                      <a:lvl8pPr fontAlgn="base">
-                        <a:spcBef>
-                          <a:spcPct val="20000"/>
-                        </a:spcBef>
-                        <a:spcAft>
-                          <a:spcPct val="0"/>
-                        </a:spcAft>
-                        <a:buFont typeface="Wingdings" panose="05000000000000000000" pitchFamily="2" charset="2"/>
-                        <a:defRPr sz="1400">
-                          <a:solidFill>
-                            <a:schemeClr val="tx1"/>
-                          </a:solidFill>
-                          <a:latin typeface="Arial" panose="020B0604020202020204" pitchFamily="34" charset="0"/>
-                          <a:cs typeface="Times New Roman" panose="02020603050405020304" pitchFamily="18" charset="0"/>
-                        </a:defRPr>
-                      </a:lvl8pPr>
-                      <a:lvl9pPr fontAlgn="base">
-                        <a:spcBef>
-                          <a:spcPct val="20000"/>
-                        </a:spcBef>
-                        <a:spcAft>
-                          <a:spcPct val="0"/>
-                        </a:spcAft>
-                        <a:buFont typeface="Wingdings" panose="05000000000000000000" pitchFamily="2" charset="2"/>
-                        <a:defRPr sz="1400">
-                          <a:solidFill>
-                            <a:schemeClr val="tx1"/>
-                          </a:solidFill>
-                          <a:latin typeface="Arial" panose="020B0604020202020204" pitchFamily="34" charset="0"/>
-                          <a:cs typeface="Times New Roman" panose="02020603050405020304" pitchFamily="18" charset="0"/>
-                        </a:defRPr>
-                      </a:lvl9pPr>
-                    </a:lstStyle>
-                    <a:p>
-                      <a:pPr marL="0" marR="0" lvl="0" indent="0" algn="l" defTabSz="914400" rtl="0" eaLnBrk="1" fontAlgn="base" latinLnBrk="0" hangingPunct="1">
-                        <a:lnSpc>
-                          <a:spcPct val="100000"/>
-                        </a:lnSpc>
-                        <a:spcBef>
-                          <a:spcPct val="20000"/>
-                        </a:spcBef>
-                        <a:spcAft>
-                          <a:spcPct val="0"/>
-                        </a:spcAft>
-                        <a:buClrTx/>
-                        <a:buSzTx/>
-                        <a:buFont typeface="Wingdings" panose="05000000000000000000" pitchFamily="2" charset="2"/>
-                        <a:buNone/>
-                        <a:tabLst/>
-                      </a:pPr>
-                      <a:endParaRPr kumimoji="0" lang="zh-CN" altLang="zh-CN" sz="1200" b="0" i="0" u="none" strike="noStrike" cap="none" normalizeH="0" baseline="0" dirty="0" smtClean="0">
-                        <a:ln>
-                          <a:noFill/>
-                        </a:ln>
-                        <a:solidFill>
-                          <a:schemeClr val="tx2"/>
-                        </a:solidFill>
-                        <a:effectLst/>
-                        <a:latin typeface="Arial" panose="020B0604020202020204" pitchFamily="34" charset="0"/>
-                        <a:cs typeface="Times New Roman" panose="02020603050405020304" pitchFamily="18" charset="0"/>
-                      </a:endParaRPr>
-                    </a:p>
-                  </a:txBody>
-                  <a:tcPr horzOverflow="overflow">
-                    <a:lnL w="12700" cap="flat" cmpd="sng" algn="ctr">
-                      <a:solidFill>
-                        <a:schemeClr val="tx1"/>
-                      </a:solidFill>
-                      <a:prstDash val="solid"/>
-                      <a:round/>
-                      <a:headEnd type="none" w="med" len="med"/>
-                      <a:tailEnd type="none" w="med" len="med"/>
-                    </a:lnL>
-                    <a:lnR w="28575" cap="flat" cmpd="sng" algn="ctr">
-                      <a:solidFill>
-                        <a:schemeClr val="tx1"/>
-                      </a:solidFill>
-                      <a:prstDash val="solid"/>
-                      <a:round/>
-                      <a:headEnd type="none" w="med" len="med"/>
-                      <a:tailEnd type="none" w="med" len="med"/>
-                    </a:lnR>
-                    <a:lnT w="12700" cap="flat" cmpd="sng" algn="ctr">
-                      <a:solidFill>
-                        <a:schemeClr val="tx1"/>
-                      </a:solidFill>
-                      <a:prstDash val="solid"/>
-                      <a:round/>
-                      <a:headEnd type="none" w="med" len="med"/>
-                      <a:tailEnd type="none" w="med" len="med"/>
-                    </a:lnT>
-                    <a:lnB w="12700" cap="flat" cmpd="sng" algn="ctr">
-                      <a:solidFill>
-                        <a:schemeClr val="tx1"/>
-                      </a:solidFill>
-                      <a:prstDash val="solid"/>
-                      <a:round/>
-                      <a:headEnd type="none" w="med" len="med"/>
-                      <a:tailEnd type="none" w="med" len="med"/>
-                    </a:lnB>
-                    <a:lnTlToBr>
-                      <a:noFill/>
-                    </a:lnTlToBr>
-                    <a:lnBlToTr>
-                      <a:noFill/>
-                    </a:lnBlToTr>
-                    <a:noFill/>
-                  </a:tcPr>
-                </a:tc>
-              </a:tr>
-              <a:tr h="282575">
-                <a:tc>
-                  <a:txBody>
-                    <a:bodyPr/>
-                    <a:lstStyle>
-                      <a:lvl1pPr>
-                        <a:spcBef>
-                          <a:spcPct val="20000"/>
-                        </a:spcBef>
-                        <a:buFont typeface="Wingdings" panose="05000000000000000000" pitchFamily="2" charset="2"/>
-                        <a:defRPr sz="2400">
-                          <a:solidFill>
-                            <a:schemeClr val="tx2"/>
-                          </a:solidFill>
-                          <a:latin typeface="Arial" panose="020B0604020202020204" pitchFamily="34" charset="0"/>
-                          <a:cs typeface="Times New Roman" panose="02020603050405020304" pitchFamily="18" charset="0"/>
-                        </a:defRPr>
-                      </a:lvl1pPr>
-                      <a:lvl2pPr>
-                        <a:spcBef>
-                          <a:spcPct val="20000"/>
-                        </a:spcBef>
-                        <a:buFont typeface="Wingdings" panose="05000000000000000000" pitchFamily="2" charset="2"/>
-                        <a:defRPr sz="2000">
-                          <a:solidFill>
-                            <a:schemeClr val="tx1"/>
-                          </a:solidFill>
-                          <a:latin typeface="Arial" panose="020B0604020202020204" pitchFamily="34" charset="0"/>
-                          <a:cs typeface="Times New Roman" panose="02020603050405020304" pitchFamily="18" charset="0"/>
-                        </a:defRPr>
-                      </a:lvl2pPr>
-                      <a:lvl3pPr>
-                        <a:spcBef>
-                          <a:spcPct val="20000"/>
-                        </a:spcBef>
-                        <a:buFont typeface="Wingdings" panose="05000000000000000000" pitchFamily="2" charset="2"/>
-                        <a:defRPr>
-                          <a:solidFill>
-                            <a:schemeClr val="tx1"/>
-                          </a:solidFill>
-                          <a:latin typeface="Arial" panose="020B0604020202020204" pitchFamily="34" charset="0"/>
-                          <a:cs typeface="Times New Roman" panose="02020603050405020304" pitchFamily="18" charset="0"/>
-                        </a:defRPr>
-                      </a:lvl3pPr>
-                      <a:lvl4pPr>
-                        <a:spcBef>
-                          <a:spcPct val="20000"/>
-                        </a:spcBef>
-                        <a:buFont typeface="Wingdings" panose="05000000000000000000" pitchFamily="2" charset="2"/>
-                        <a:defRPr sz="1600">
-                          <a:solidFill>
-                            <a:schemeClr val="tx1"/>
-                          </a:solidFill>
-                          <a:latin typeface="Arial" panose="020B0604020202020204" pitchFamily="34" charset="0"/>
-                          <a:cs typeface="Times New Roman" panose="02020603050405020304" pitchFamily="18" charset="0"/>
-                        </a:defRPr>
-                      </a:lvl4pPr>
-                      <a:lvl5pPr>
-                        <a:spcBef>
-                          <a:spcPct val="20000"/>
-                        </a:spcBef>
-                        <a:buFont typeface="Wingdings" panose="05000000000000000000" pitchFamily="2" charset="2"/>
-                        <a:defRPr sz="1400">
-                          <a:solidFill>
-                            <a:schemeClr val="tx1"/>
-                          </a:solidFill>
-                          <a:latin typeface="Arial" panose="020B0604020202020204" pitchFamily="34" charset="0"/>
-                          <a:cs typeface="Times New Roman" panose="02020603050405020304" pitchFamily="18" charset="0"/>
-                        </a:defRPr>
-                      </a:lvl5pPr>
-                      <a:lvl6pPr fontAlgn="base">
-                        <a:spcBef>
-                          <a:spcPct val="20000"/>
-                        </a:spcBef>
-                        <a:spcAft>
-                          <a:spcPct val="0"/>
-                        </a:spcAft>
-                        <a:buFont typeface="Wingdings" panose="05000000000000000000" pitchFamily="2" charset="2"/>
-                        <a:defRPr sz="1400">
-                          <a:solidFill>
-                            <a:schemeClr val="tx1"/>
-                          </a:solidFill>
-                          <a:latin typeface="Arial" panose="020B0604020202020204" pitchFamily="34" charset="0"/>
-                          <a:cs typeface="Times New Roman" panose="02020603050405020304" pitchFamily="18" charset="0"/>
-                        </a:defRPr>
-                      </a:lvl6pPr>
-                      <a:lvl7pPr fontAlgn="base">
-                        <a:spcBef>
-                          <a:spcPct val="20000"/>
-                        </a:spcBef>
-                        <a:spcAft>
-                          <a:spcPct val="0"/>
-                        </a:spcAft>
-                        <a:buFont typeface="Wingdings" panose="05000000000000000000" pitchFamily="2" charset="2"/>
-                        <a:defRPr sz="1400">
-                          <a:solidFill>
-                            <a:schemeClr val="tx1"/>
-                          </a:solidFill>
-                          <a:latin typeface="Arial" panose="020B0604020202020204" pitchFamily="34" charset="0"/>
-                          <a:cs typeface="Times New Roman" panose="02020603050405020304" pitchFamily="18" charset="0"/>
-                        </a:defRPr>
-                      </a:lvl7pPr>
-                      <a:lvl8pPr fontAlgn="base">
-                        <a:spcBef>
-                          <a:spcPct val="20000"/>
-                        </a:spcBef>
-                        <a:spcAft>
-                          <a:spcPct val="0"/>
-                        </a:spcAft>
-                        <a:buFont typeface="Wingdings" panose="05000000000000000000" pitchFamily="2" charset="2"/>
-                        <a:defRPr sz="1400">
-                          <a:solidFill>
-                            <a:schemeClr val="tx1"/>
-                          </a:solidFill>
-                          <a:latin typeface="Arial" panose="020B0604020202020204" pitchFamily="34" charset="0"/>
-                          <a:cs typeface="Times New Roman" panose="02020603050405020304" pitchFamily="18" charset="0"/>
-                        </a:defRPr>
-                      </a:lvl8pPr>
-                      <a:lvl9pPr fontAlgn="base">
-                        <a:spcBef>
-                          <a:spcPct val="20000"/>
-                        </a:spcBef>
-                        <a:spcAft>
-                          <a:spcPct val="0"/>
-                        </a:spcAft>
-                        <a:buFont typeface="Wingdings" panose="05000000000000000000" pitchFamily="2" charset="2"/>
-                        <a:defRPr sz="1400">
-                          <a:solidFill>
-                            <a:schemeClr val="tx1"/>
-                          </a:solidFill>
-                          <a:latin typeface="Arial" panose="020B0604020202020204" pitchFamily="34" charset="0"/>
-                          <a:cs typeface="Times New Roman" panose="02020603050405020304" pitchFamily="18" charset="0"/>
-                        </a:defRPr>
-                      </a:lvl9pPr>
-                    </a:lstStyle>
-                    <a:p>
-                      <a:pPr marL="0" marR="0" lvl="0" indent="0" algn="l" defTabSz="914400" rtl="0" eaLnBrk="1" fontAlgn="base" latinLnBrk="0" hangingPunct="1">
-                        <a:lnSpc>
-                          <a:spcPct val="100000"/>
-                        </a:lnSpc>
-                        <a:spcBef>
-                          <a:spcPct val="20000"/>
-                        </a:spcBef>
-                        <a:spcAft>
-                          <a:spcPct val="0"/>
-                        </a:spcAft>
-                        <a:buClrTx/>
-                        <a:buSzTx/>
-                        <a:buFont typeface="Wingdings" panose="05000000000000000000" pitchFamily="2" charset="2"/>
-                        <a:buNone/>
-                        <a:tabLst/>
-                      </a:pPr>
-                      <a:r>
-                        <a:rPr kumimoji="0" lang="en-US" altLang="zh-CN" sz="1200" b="1" i="0" u="none" strike="noStrike" cap="none" normalizeH="0" baseline="0" dirty="0" smtClean="0">
-                          <a:ln>
-                            <a:noFill/>
-                          </a:ln>
-                          <a:solidFill>
-                            <a:schemeClr val="tx2"/>
-                          </a:solidFill>
-                          <a:effectLst/>
-                          <a:latin typeface="Arial" panose="020B0604020202020204" pitchFamily="34" charset="0"/>
-                          <a:ea typeface="宋体" panose="02010600030101010101" pitchFamily="2" charset="-122"/>
-                          <a:cs typeface="Times New Roman" panose="02020603050405020304" pitchFamily="18" charset="0"/>
-                        </a:rPr>
-                        <a:t>6</a:t>
-                      </a:r>
-                    </a:p>
-                  </a:txBody>
-                  <a:tcPr horzOverflow="overflow">
-                    <a:lnL w="28575" cap="flat" cmpd="sng" algn="ctr">
-                      <a:solidFill>
-                        <a:schemeClr val="tx1"/>
-                      </a:solidFill>
-                      <a:prstDash val="solid"/>
-                      <a:round/>
-                      <a:headEnd type="none" w="med" len="med"/>
-                      <a:tailEnd type="none" w="med" len="med"/>
-                    </a:lnL>
-                    <a:lnR w="12700" cap="flat" cmpd="sng" algn="ctr">
-                      <a:solidFill>
-                        <a:schemeClr val="tx1"/>
-                      </a:solidFill>
-                      <a:prstDash val="solid"/>
-                      <a:round/>
-                      <a:headEnd type="none" w="med" len="med"/>
-                      <a:tailEnd type="none" w="med" len="med"/>
-                    </a:lnR>
-                    <a:lnT w="12700" cap="flat" cmpd="sng" algn="ctr">
-                      <a:solidFill>
-                        <a:schemeClr val="tx1"/>
-                      </a:solidFill>
-                      <a:prstDash val="solid"/>
-                      <a:round/>
-                      <a:headEnd type="none" w="med" len="med"/>
-                      <a:tailEnd type="none" w="med" len="med"/>
-                    </a:lnT>
-                    <a:lnB w="28575" cap="flat" cmpd="sng" algn="ctr">
-                      <a:solidFill>
-                        <a:schemeClr val="tx1"/>
-                      </a:solidFill>
-                      <a:prstDash val="solid"/>
-                      <a:round/>
-                      <a:headEnd type="none" w="med" len="med"/>
-                      <a:tailEnd type="none" w="med" len="med"/>
-                    </a:lnB>
-                    <a:lnTlToBr>
-                      <a:noFill/>
-                    </a:lnTlToBr>
-                    <a:lnBlToTr>
-                      <a:noFill/>
-                    </a:lnBlToTr>
-                    <a:noFill/>
-                  </a:tcPr>
-                </a:tc>
-                <a:tc>
-                  <a:txBody>
-                    <a:bodyPr/>
-                    <a:lstStyle>
-                      <a:lvl1pPr>
-                        <a:spcBef>
-                          <a:spcPct val="20000"/>
-                        </a:spcBef>
-                        <a:buFont typeface="Wingdings" panose="05000000000000000000" pitchFamily="2" charset="2"/>
-                        <a:defRPr sz="2400">
-                          <a:solidFill>
-                            <a:schemeClr val="tx2"/>
-                          </a:solidFill>
-                          <a:latin typeface="Arial" panose="020B0604020202020204" pitchFamily="34" charset="0"/>
-                          <a:cs typeface="Times New Roman" panose="02020603050405020304" pitchFamily="18" charset="0"/>
-                        </a:defRPr>
-                      </a:lvl1pPr>
-                      <a:lvl2pPr>
-                        <a:spcBef>
-                          <a:spcPct val="20000"/>
-                        </a:spcBef>
-                        <a:buFont typeface="Wingdings" panose="05000000000000000000" pitchFamily="2" charset="2"/>
-                        <a:defRPr sz="2000">
-                          <a:solidFill>
-                            <a:schemeClr val="tx1"/>
-                          </a:solidFill>
-                          <a:latin typeface="Arial" panose="020B0604020202020204" pitchFamily="34" charset="0"/>
-                          <a:cs typeface="Times New Roman" panose="02020603050405020304" pitchFamily="18" charset="0"/>
-                        </a:defRPr>
-                      </a:lvl2pPr>
-                      <a:lvl3pPr>
-                        <a:spcBef>
-                          <a:spcPct val="20000"/>
-                        </a:spcBef>
-                        <a:buFont typeface="Wingdings" panose="05000000000000000000" pitchFamily="2" charset="2"/>
-                        <a:defRPr>
-                          <a:solidFill>
-                            <a:schemeClr val="tx1"/>
-                          </a:solidFill>
-                          <a:latin typeface="Arial" panose="020B0604020202020204" pitchFamily="34" charset="0"/>
-                          <a:cs typeface="Times New Roman" panose="02020603050405020304" pitchFamily="18" charset="0"/>
-                        </a:defRPr>
-                      </a:lvl3pPr>
-                      <a:lvl4pPr>
-                        <a:spcBef>
-                          <a:spcPct val="20000"/>
-                        </a:spcBef>
-                        <a:buFont typeface="Wingdings" panose="05000000000000000000" pitchFamily="2" charset="2"/>
-                        <a:defRPr sz="1600">
-                          <a:solidFill>
-                            <a:schemeClr val="tx1"/>
-                          </a:solidFill>
-                          <a:latin typeface="Arial" panose="020B0604020202020204" pitchFamily="34" charset="0"/>
-                          <a:cs typeface="Times New Roman" panose="02020603050405020304" pitchFamily="18" charset="0"/>
-                        </a:defRPr>
-                      </a:lvl4pPr>
-                      <a:lvl5pPr>
-                        <a:spcBef>
-                          <a:spcPct val="20000"/>
-                        </a:spcBef>
-                        <a:buFont typeface="Wingdings" panose="05000000000000000000" pitchFamily="2" charset="2"/>
-                        <a:defRPr sz="1400">
-                          <a:solidFill>
-                            <a:schemeClr val="tx1"/>
-                          </a:solidFill>
-                          <a:latin typeface="Arial" panose="020B0604020202020204" pitchFamily="34" charset="0"/>
-                          <a:cs typeface="Times New Roman" panose="02020603050405020304" pitchFamily="18" charset="0"/>
-                        </a:defRPr>
-                      </a:lvl5pPr>
-                      <a:lvl6pPr fontAlgn="base">
-                        <a:spcBef>
-                          <a:spcPct val="20000"/>
-                        </a:spcBef>
-                        <a:spcAft>
-                          <a:spcPct val="0"/>
-                        </a:spcAft>
-                        <a:buFont typeface="Wingdings" panose="05000000000000000000" pitchFamily="2" charset="2"/>
-                        <a:defRPr sz="1400">
-                          <a:solidFill>
-                            <a:schemeClr val="tx1"/>
-                          </a:solidFill>
-                          <a:latin typeface="Arial" panose="020B0604020202020204" pitchFamily="34" charset="0"/>
-                          <a:cs typeface="Times New Roman" panose="02020603050405020304" pitchFamily="18" charset="0"/>
-                        </a:defRPr>
-                      </a:lvl6pPr>
-                      <a:lvl7pPr fontAlgn="base">
-                        <a:spcBef>
-                          <a:spcPct val="20000"/>
-                        </a:spcBef>
-                        <a:spcAft>
-                          <a:spcPct val="0"/>
-                        </a:spcAft>
-                        <a:buFont typeface="Wingdings" panose="05000000000000000000" pitchFamily="2" charset="2"/>
-                        <a:defRPr sz="1400">
-                          <a:solidFill>
-                            <a:schemeClr val="tx1"/>
-                          </a:solidFill>
-                          <a:latin typeface="Arial" panose="020B0604020202020204" pitchFamily="34" charset="0"/>
-                          <a:cs typeface="Times New Roman" panose="02020603050405020304" pitchFamily="18" charset="0"/>
-                        </a:defRPr>
-                      </a:lvl7pPr>
-                      <a:lvl8pPr fontAlgn="base">
-                        <a:spcBef>
-                          <a:spcPct val="20000"/>
-                        </a:spcBef>
-                        <a:spcAft>
-                          <a:spcPct val="0"/>
-                        </a:spcAft>
-                        <a:buFont typeface="Wingdings" panose="05000000000000000000" pitchFamily="2" charset="2"/>
-                        <a:defRPr sz="1400">
-                          <a:solidFill>
-                            <a:schemeClr val="tx1"/>
-                          </a:solidFill>
-                          <a:latin typeface="Arial" panose="020B0604020202020204" pitchFamily="34" charset="0"/>
-                          <a:cs typeface="Times New Roman" panose="02020603050405020304" pitchFamily="18" charset="0"/>
-                        </a:defRPr>
-                      </a:lvl8pPr>
-                      <a:lvl9pPr fontAlgn="base">
-                        <a:spcBef>
-                          <a:spcPct val="20000"/>
-                        </a:spcBef>
-                        <a:spcAft>
-                          <a:spcPct val="0"/>
-                        </a:spcAft>
-                        <a:buFont typeface="Wingdings" panose="05000000000000000000" pitchFamily="2" charset="2"/>
-                        <a:defRPr sz="1400">
-                          <a:solidFill>
-                            <a:schemeClr val="tx1"/>
-                          </a:solidFill>
-                          <a:latin typeface="Arial" panose="020B0604020202020204" pitchFamily="34" charset="0"/>
-                          <a:cs typeface="Times New Roman" panose="02020603050405020304" pitchFamily="18" charset="0"/>
-                        </a:defRPr>
-                      </a:lvl9pPr>
-                    </a:lstStyle>
-                    <a:p>
-                      <a:pPr marL="0" marR="0" lvl="0" indent="0" algn="l" defTabSz="914400" rtl="0" eaLnBrk="1" fontAlgn="base" latinLnBrk="0" hangingPunct="1">
-                        <a:lnSpc>
-                          <a:spcPct val="100000"/>
-                        </a:lnSpc>
-                        <a:spcBef>
-                          <a:spcPct val="20000"/>
-                        </a:spcBef>
-                        <a:spcAft>
-                          <a:spcPct val="0"/>
-                        </a:spcAft>
-                        <a:buClrTx/>
-                        <a:buSzTx/>
-                        <a:buFont typeface="Wingdings" panose="05000000000000000000" pitchFamily="2" charset="2"/>
-                        <a:buNone/>
-                        <a:tabLst/>
-                      </a:pPr>
-                      <a:endParaRPr kumimoji="0" lang="zh-CN" altLang="zh-CN" sz="1200" b="0" i="0" u="none" strike="noStrike" cap="none" normalizeH="0" baseline="0" dirty="0" smtClean="0">
-                        <a:ln>
-                          <a:noFill/>
-                        </a:ln>
-                        <a:solidFill>
-                          <a:schemeClr val="tx2"/>
-                        </a:solidFill>
-                        <a:effectLst/>
-                        <a:latin typeface="Arial" panose="020B0604020202020204" pitchFamily="34" charset="0"/>
-                        <a:cs typeface="Times New Roman" panose="02020603050405020304" pitchFamily="18" charset="0"/>
-                      </a:endParaRPr>
-                    </a:p>
-                  </a:txBody>
-                  <a:tcPr horzOverflow="overflow">
-                    <a:lnL w="12700" cap="flat" cmpd="sng" algn="ctr">
-                      <a:solidFill>
-                        <a:schemeClr val="tx1"/>
-                      </a:solidFill>
-                      <a:prstDash val="solid"/>
-                      <a:round/>
-                      <a:headEnd type="none" w="med" len="med"/>
-                      <a:tailEnd type="none" w="med" len="med"/>
-                    </a:lnL>
-                    <a:lnR w="28575" cap="flat" cmpd="sng" algn="ctr">
-                      <a:solidFill>
-                        <a:schemeClr val="tx1"/>
-                      </a:solidFill>
-                      <a:prstDash val="solid"/>
-                      <a:round/>
-                      <a:headEnd type="none" w="med" len="med"/>
-                      <a:tailEnd type="none" w="med" len="med"/>
-                    </a:lnR>
-                    <a:lnT w="12700" cap="flat" cmpd="sng" algn="ctr">
-                      <a:solidFill>
-                        <a:schemeClr val="tx1"/>
-                      </a:solidFill>
-                      <a:prstDash val="solid"/>
-                      <a:round/>
-                      <a:headEnd type="none" w="med" len="med"/>
-                      <a:tailEnd type="none" w="med" len="med"/>
-                    </a:lnT>
-                    <a:lnB w="28575" cap="flat" cmpd="sng" algn="ctr">
-                      <a:solidFill>
-                        <a:schemeClr val="tx1"/>
-                      </a:solidFill>
-                      <a:prstDash val="solid"/>
-                      <a:round/>
-                      <a:headEnd type="none" w="med" len="med"/>
-                      <a:tailEnd type="none" w="med" len="med"/>
-                    </a:lnB>
-                    <a:lnTlToBr>
-                      <a:noFill/>
-                    </a:lnTlToBr>
-                    <a:lnBlToTr>
-                      <a:noFill/>
-                    </a:lnBlToTr>
-                    <a:noFill/>
-                  </a:tcPr>
-                </a:tc>
-              </a:tr>
-            </a:tbl>
-          </a:graphicData>
-        </a:graphic>
-      </p:graphicFrame>
-      <p:sp>
-        <p:nvSpPr>
-          <p:cNvPr id="57" name="Rectangle 46"/>
-          <p:cNvSpPr>
-            <a:spLocks noChangeArrowheads="1"/>
-          </p:cNvSpPr>
-          <p:nvPr/>
-        </p:nvSpPr>
-        <p:spPr bwMode="auto">
-          <a:xfrm>
-            <a:off x="3295650" y="3821251"/>
-            <a:ext cx="914400" cy="304800"/>
-          </a:xfrm>
-          <a:prstGeom prst="rect">
-            <a:avLst/>
-          </a:prstGeom>
-          <a:solidFill>
-            <a:schemeClr val="bg1"/>
-          </a:solidFill>
-          <a:ln w="9525">
-            <a:solidFill>
-              <a:schemeClr val="tx1"/>
-            </a:solidFill>
-            <a:miter lim="800000"/>
-            <a:headEnd/>
-            <a:tailEnd/>
-          </a:ln>
-          <a:effectLst/>
-          <a:extLst>
-            <a:ext uri="{AF507438-7753-43E0-B8FC-AC1667EBCBE1}">
-              <a14:hiddenEffects xmlns:a14="http://schemas.microsoft.com/office/drawing/2010/main">
-                <a:effectLst>
-                  <a:outerShdw dist="35921" dir="2700000" algn="ctr" rotWithShape="0">
-                    <a:schemeClr val="bg2"/>
-                  </a:outerShdw>
-                </a:effectLst>
-              </a14:hiddenEffects>
-            </a:ext>
-          </a:extLst>
-        </p:spPr>
-        <p:txBody>
-          <a:bodyPr wrap="none" anchor="ctr"/>
-          <a:lstStyle/>
-          <a:p>
-            <a:pPr algn="ctr"/>
-            <a:r>
-              <a:rPr lang="en-US" altLang="zh-CN" sz="1800">
-                <a:ea typeface="宋体" panose="02010600030101010101" pitchFamily="2" charset="-122"/>
-              </a:rPr>
-              <a:t>16</a:t>
-            </a:r>
-          </a:p>
-        </p:txBody>
-      </p:sp>
-      <p:sp>
-        <p:nvSpPr>
-          <p:cNvPr id="58" name="Line 48"/>
-          <p:cNvSpPr>
-            <a:spLocks noChangeShapeType="1"/>
-          </p:cNvSpPr>
-          <p:nvPr/>
-        </p:nvSpPr>
-        <p:spPr bwMode="auto">
-          <a:xfrm>
-            <a:off x="2762250" y="4002226"/>
-            <a:ext cx="533400" cy="0"/>
-          </a:xfrm>
-          <a:prstGeom prst="line">
-            <a:avLst/>
-          </a:prstGeom>
-          <a:noFill/>
-          <a:ln w="9525">
-            <a:solidFill>
-              <a:schemeClr val="tx1"/>
-            </a:solidFill>
-            <a:round/>
-            <a:headEnd/>
-            <a:tailEnd type="triangle" w="med" len="med"/>
-          </a:ln>
-          <a:effectLst/>
-          <a:extLst>
-            <a:ext uri="{909E8E84-426E-40DD-AFC4-6F175D3DCCD1}">
-              <a14:hiddenFill xmlns:a14="http://schemas.microsoft.com/office/drawing/2010/main">
-                <a:noFill/>
-              </a14:hiddenFill>
-            </a:ext>
-            <a:ext uri="{AF507438-7753-43E0-B8FC-AC1667EBCBE1}">
-              <a14:hiddenEffects xmlns:a14="http://schemas.microsoft.com/office/drawing/2010/main">
-                <a:effectLst>
-                  <a:outerShdw dist="35921" dir="2700000" algn="ctr" rotWithShape="0">
-                    <a:schemeClr val="bg2"/>
-                  </a:outerShdw>
-                </a:effectLst>
-              </a14:hiddenEffects>
-            </a:ext>
-          </a:extLst>
-        </p:spPr>
-        <p:txBody>
-          <a:bodyPr/>
-          <a:lstStyle/>
-          <a:p>
-            <a:endParaRPr lang="zh-CN" altLang="en-US"/>
-          </a:p>
-        </p:txBody>
-      </p:sp>
-      <p:sp>
-        <p:nvSpPr>
-          <p:cNvPr id="59" name="Rectangle 54"/>
-          <p:cNvSpPr>
-            <a:spLocks noChangeArrowheads="1"/>
-          </p:cNvSpPr>
-          <p:nvPr/>
-        </p:nvSpPr>
-        <p:spPr bwMode="auto">
-          <a:xfrm>
-            <a:off x="3295650" y="4964251"/>
-            <a:ext cx="914400" cy="304800"/>
-          </a:xfrm>
-          <a:prstGeom prst="rect">
-            <a:avLst/>
-          </a:prstGeom>
-          <a:solidFill>
-            <a:schemeClr val="bg1"/>
-          </a:solidFill>
-          <a:ln w="9525">
-            <a:solidFill>
-              <a:schemeClr val="tx1"/>
-            </a:solidFill>
-            <a:miter lim="800000"/>
-            <a:headEnd/>
-            <a:tailEnd/>
-          </a:ln>
-          <a:effectLst/>
-          <a:extLst>
-            <a:ext uri="{AF507438-7753-43E0-B8FC-AC1667EBCBE1}">
-              <a14:hiddenEffects xmlns:a14="http://schemas.microsoft.com/office/drawing/2010/main">
-                <a:effectLst>
-                  <a:outerShdw dist="35921" dir="2700000" algn="ctr" rotWithShape="0">
-                    <a:schemeClr val="bg2"/>
-                  </a:outerShdw>
-                </a:effectLst>
-              </a14:hiddenEffects>
-            </a:ext>
-          </a:extLst>
-        </p:spPr>
-        <p:txBody>
-          <a:bodyPr wrap="none" anchor="ctr"/>
-          <a:lstStyle/>
-          <a:p>
-            <a:pPr algn="ctr"/>
-            <a:r>
-              <a:rPr lang="en-US" altLang="zh-CN" sz="1800">
-                <a:ea typeface="宋体" panose="02010600030101010101" pitchFamily="2" charset="-122"/>
-              </a:rPr>
-              <a:t>48</a:t>
-            </a:r>
-          </a:p>
-        </p:txBody>
-      </p:sp>
-      <p:sp>
-        <p:nvSpPr>
-          <p:cNvPr id="60" name="Rectangle 55"/>
-          <p:cNvSpPr>
-            <a:spLocks noChangeArrowheads="1"/>
-          </p:cNvSpPr>
-          <p:nvPr/>
-        </p:nvSpPr>
-        <p:spPr bwMode="auto">
-          <a:xfrm>
-            <a:off x="4438650" y="4964251"/>
-            <a:ext cx="914400" cy="304800"/>
-          </a:xfrm>
-          <a:prstGeom prst="rect">
-            <a:avLst/>
-          </a:prstGeom>
-          <a:solidFill>
-            <a:schemeClr val="bg1"/>
-          </a:solidFill>
-          <a:ln w="9525">
-            <a:solidFill>
-              <a:schemeClr val="tx1"/>
-            </a:solidFill>
-            <a:miter lim="800000"/>
-            <a:headEnd/>
-            <a:tailEnd/>
-          </a:ln>
-          <a:effectLst/>
-          <a:extLst>
-            <a:ext uri="{AF507438-7753-43E0-B8FC-AC1667EBCBE1}">
-              <a14:hiddenEffects xmlns:a14="http://schemas.microsoft.com/office/drawing/2010/main">
-                <a:effectLst>
-                  <a:outerShdw dist="35921" dir="2700000" algn="ctr" rotWithShape="0">
-                    <a:schemeClr val="bg2"/>
-                  </a:outerShdw>
-                </a:effectLst>
-              </a14:hiddenEffects>
-            </a:ext>
-          </a:extLst>
-        </p:spPr>
-        <p:txBody>
-          <a:bodyPr wrap="none" anchor="ctr"/>
-          <a:lstStyle/>
-          <a:p>
-            <a:pPr algn="ctr"/>
-            <a:r>
-              <a:rPr lang="en-US" altLang="zh-CN" sz="1800">
-                <a:ea typeface="宋体" panose="02010600030101010101" pitchFamily="2" charset="-122"/>
-              </a:rPr>
-              <a:t>48</a:t>
-            </a:r>
-          </a:p>
-        </p:txBody>
-      </p:sp>
-      <p:sp>
-        <p:nvSpPr>
-          <p:cNvPr id="61" name="Line 56"/>
-          <p:cNvSpPr>
-            <a:spLocks noChangeShapeType="1"/>
-          </p:cNvSpPr>
-          <p:nvPr/>
-        </p:nvSpPr>
-        <p:spPr bwMode="auto">
-          <a:xfrm>
-            <a:off x="2762250" y="5145226"/>
-            <a:ext cx="533400" cy="0"/>
-          </a:xfrm>
-          <a:prstGeom prst="line">
-            <a:avLst/>
-          </a:prstGeom>
-          <a:noFill/>
-          <a:ln w="9525">
-            <a:solidFill>
-              <a:schemeClr val="tx1"/>
-            </a:solidFill>
-            <a:round/>
-            <a:headEnd/>
-            <a:tailEnd type="triangle" w="med" len="med"/>
-          </a:ln>
-          <a:effectLst/>
-          <a:extLst>
-            <a:ext uri="{909E8E84-426E-40DD-AFC4-6F175D3DCCD1}">
-              <a14:hiddenFill xmlns:a14="http://schemas.microsoft.com/office/drawing/2010/main">
-                <a:noFill/>
-              </a14:hiddenFill>
-            </a:ext>
-            <a:ext uri="{AF507438-7753-43E0-B8FC-AC1667EBCBE1}">
-              <a14:hiddenEffects xmlns:a14="http://schemas.microsoft.com/office/drawing/2010/main">
-                <a:effectLst>
-                  <a:outerShdw dist="35921" dir="2700000" algn="ctr" rotWithShape="0">
-                    <a:schemeClr val="bg2"/>
-                  </a:outerShdw>
-                </a:effectLst>
-              </a14:hiddenEffects>
-            </a:ext>
-          </a:extLst>
-        </p:spPr>
-        <p:txBody>
-          <a:bodyPr/>
-          <a:lstStyle/>
-          <a:p>
-            <a:endParaRPr lang="zh-CN" altLang="en-US"/>
-          </a:p>
-        </p:txBody>
-      </p:sp>
-      <p:sp>
-        <p:nvSpPr>
-          <p:cNvPr id="62" name="Line 57"/>
-          <p:cNvSpPr>
-            <a:spLocks noChangeShapeType="1"/>
-          </p:cNvSpPr>
-          <p:nvPr/>
-        </p:nvSpPr>
-        <p:spPr bwMode="auto">
-          <a:xfrm>
-            <a:off x="4210050" y="5145226"/>
-            <a:ext cx="228600" cy="0"/>
-          </a:xfrm>
-          <a:prstGeom prst="line">
-            <a:avLst/>
-          </a:prstGeom>
-          <a:noFill/>
-          <a:ln w="9525">
-            <a:solidFill>
-              <a:schemeClr val="tx1"/>
-            </a:solidFill>
-            <a:round/>
-            <a:headEnd/>
-            <a:tailEnd type="triangle" w="med" len="med"/>
-          </a:ln>
-          <a:effectLst/>
-          <a:extLst>
-            <a:ext uri="{909E8E84-426E-40DD-AFC4-6F175D3DCCD1}">
-              <a14:hiddenFill xmlns:a14="http://schemas.microsoft.com/office/drawing/2010/main">
-                <a:noFill/>
-              </a14:hiddenFill>
-            </a:ext>
-            <a:ext uri="{AF507438-7753-43E0-B8FC-AC1667EBCBE1}">
-              <a14:hiddenEffects xmlns:a14="http://schemas.microsoft.com/office/drawing/2010/main">
-                <a:effectLst>
-                  <a:outerShdw dist="35921" dir="2700000" algn="ctr" rotWithShape="0">
-                    <a:schemeClr val="bg2"/>
-                  </a:outerShdw>
-                </a:effectLst>
-              </a14:hiddenEffects>
-            </a:ext>
-          </a:extLst>
-        </p:spPr>
-        <p:txBody>
-          <a:bodyPr/>
-          <a:lstStyle/>
-          <a:p>
-            <a:endParaRPr lang="zh-CN" altLang="en-US"/>
-          </a:p>
-        </p:txBody>
-      </p:sp>
+      </p:pic>
     </p:spTree>
     <p:extLst>
       <p:ext uri="{BB962C8B-B14F-4D97-AF65-F5344CB8AC3E}">
-        <p14:creationId xmlns:p14="http://schemas.microsoft.com/office/powerpoint/2010/main" val="2935535765"/>
+        <p14:creationId xmlns:p14="http://schemas.microsoft.com/office/powerpoint/2010/main" val="3959524442"/>
       </p:ext>
     </p:extLst>
   </p:cSld>
